--- a/DH操作説明.pptx
+++ b/DH操作説明.pptx
@@ -259,7 +259,7 @@
           <a:p>
             <a:fld id="{295914E5-CFCE-4A37-B3AB-261DCECED5F4}" type="datetimeFigureOut">
               <a:rPr kumimoji="1" lang="ja-JP" altLang="en-US" smtClean="0"/>
-              <a:t>2024/3/14</a:t>
+              <a:t>2024/3/26</a:t>
             </a:fld>
             <a:endParaRPr kumimoji="1" lang="ja-JP" altLang="en-US"/>
           </a:p>
@@ -489,7 +489,7 @@
           <a:p>
             <a:fld id="{295914E5-CFCE-4A37-B3AB-261DCECED5F4}" type="datetimeFigureOut">
               <a:rPr kumimoji="1" lang="ja-JP" altLang="en-US" smtClean="0"/>
-              <a:t>2024/3/14</a:t>
+              <a:t>2024/3/26</a:t>
             </a:fld>
             <a:endParaRPr kumimoji="1" lang="ja-JP" altLang="en-US"/>
           </a:p>
@@ -729,7 +729,7 @@
           <a:p>
             <a:fld id="{295914E5-CFCE-4A37-B3AB-261DCECED5F4}" type="datetimeFigureOut">
               <a:rPr kumimoji="1" lang="ja-JP" altLang="en-US" smtClean="0"/>
-              <a:t>2024/3/14</a:t>
+              <a:t>2024/3/26</a:t>
             </a:fld>
             <a:endParaRPr kumimoji="1" lang="ja-JP" altLang="en-US"/>
           </a:p>
@@ -959,7 +959,7 @@
           <a:p>
             <a:fld id="{295914E5-CFCE-4A37-B3AB-261DCECED5F4}" type="datetimeFigureOut">
               <a:rPr kumimoji="1" lang="ja-JP" altLang="en-US" smtClean="0"/>
-              <a:t>2024/3/14</a:t>
+              <a:t>2024/3/26</a:t>
             </a:fld>
             <a:endParaRPr kumimoji="1" lang="ja-JP" altLang="en-US"/>
           </a:p>
@@ -1234,7 +1234,7 @@
           <a:p>
             <a:fld id="{295914E5-CFCE-4A37-B3AB-261DCECED5F4}" type="datetimeFigureOut">
               <a:rPr kumimoji="1" lang="ja-JP" altLang="en-US" smtClean="0"/>
-              <a:t>2024/3/14</a:t>
+              <a:t>2024/3/26</a:t>
             </a:fld>
             <a:endParaRPr kumimoji="1" lang="ja-JP" altLang="en-US"/>
           </a:p>
@@ -1563,7 +1563,7 @@
           <a:p>
             <a:fld id="{295914E5-CFCE-4A37-B3AB-261DCECED5F4}" type="datetimeFigureOut">
               <a:rPr kumimoji="1" lang="ja-JP" altLang="en-US" smtClean="0"/>
-              <a:t>2024/3/14</a:t>
+              <a:t>2024/3/26</a:t>
             </a:fld>
             <a:endParaRPr kumimoji="1" lang="ja-JP" altLang="en-US"/>
           </a:p>
@@ -2039,7 +2039,7 @@
           <a:p>
             <a:fld id="{295914E5-CFCE-4A37-B3AB-261DCECED5F4}" type="datetimeFigureOut">
               <a:rPr kumimoji="1" lang="ja-JP" altLang="en-US" smtClean="0"/>
-              <a:t>2024/3/14</a:t>
+              <a:t>2024/3/26</a:t>
             </a:fld>
             <a:endParaRPr kumimoji="1" lang="ja-JP" altLang="en-US"/>
           </a:p>
@@ -2180,7 +2180,7 @@
           <a:p>
             <a:fld id="{295914E5-CFCE-4A37-B3AB-261DCECED5F4}" type="datetimeFigureOut">
               <a:rPr kumimoji="1" lang="ja-JP" altLang="en-US" smtClean="0"/>
-              <a:t>2024/3/14</a:t>
+              <a:t>2024/3/26</a:t>
             </a:fld>
             <a:endParaRPr kumimoji="1" lang="ja-JP" altLang="en-US"/>
           </a:p>
@@ -2293,7 +2293,7 @@
           <a:p>
             <a:fld id="{295914E5-CFCE-4A37-B3AB-261DCECED5F4}" type="datetimeFigureOut">
               <a:rPr kumimoji="1" lang="ja-JP" altLang="en-US" smtClean="0"/>
-              <a:t>2024/3/14</a:t>
+              <a:t>2024/3/26</a:t>
             </a:fld>
             <a:endParaRPr kumimoji="1" lang="ja-JP" altLang="en-US"/>
           </a:p>
@@ -2636,7 +2636,7 @@
           <a:p>
             <a:fld id="{295914E5-CFCE-4A37-B3AB-261DCECED5F4}" type="datetimeFigureOut">
               <a:rPr kumimoji="1" lang="ja-JP" altLang="en-US" smtClean="0"/>
-              <a:t>2024/3/14</a:t>
+              <a:t>2024/3/26</a:t>
             </a:fld>
             <a:endParaRPr kumimoji="1" lang="ja-JP" altLang="en-US"/>
           </a:p>
@@ -2924,7 +2924,7 @@
           <a:p>
             <a:fld id="{295914E5-CFCE-4A37-B3AB-261DCECED5F4}" type="datetimeFigureOut">
               <a:rPr kumimoji="1" lang="ja-JP" altLang="en-US" smtClean="0"/>
-              <a:t>2024/3/14</a:t>
+              <a:t>2024/3/26</a:t>
             </a:fld>
             <a:endParaRPr kumimoji="1" lang="ja-JP" altLang="en-US"/>
           </a:p>
@@ -3197,7 +3197,7 @@
           <a:p>
             <a:fld id="{295914E5-CFCE-4A37-B3AB-261DCECED5F4}" type="datetimeFigureOut">
               <a:rPr kumimoji="1" lang="ja-JP" altLang="en-US" smtClean="0"/>
-              <a:t>2024/3/14</a:t>
+              <a:t>2024/3/26</a:t>
             </a:fld>
             <a:endParaRPr kumimoji="1" lang="ja-JP" altLang="en-US"/>
           </a:p>
@@ -8413,6 +8413,44 @@
           </a:p>
         </p:txBody>
       </p:sp>
+      <p:sp>
+        <p:nvSpPr>
+          <p:cNvPr id="2" name="テキスト ボックス 1">
+            <a:extLst>
+              <a:ext uri="{FF2B5EF4-FFF2-40B4-BE49-F238E27FC236}">
+                <a16:creationId xmlns:a16="http://schemas.microsoft.com/office/drawing/2014/main" id="{A7FC93E9-DDD8-3E5B-3566-C37D597D9A29}"/>
+              </a:ext>
+            </a:extLst>
+          </p:cNvPr>
+          <p:cNvSpPr txBox="1"/>
+          <p:nvPr/>
+        </p:nvSpPr>
+        <p:spPr>
+          <a:xfrm>
+            <a:off x="6498676" y="5649387"/>
+            <a:ext cx="1984839" cy="307777"/>
+          </a:xfrm>
+          <a:prstGeom prst="rect">
+            <a:avLst/>
+          </a:prstGeom>
+          <a:noFill/>
+        </p:spPr>
+        <p:txBody>
+          <a:bodyPr wrap="none" rtlCol="0">
+            <a:spAutoFit/>
+          </a:bodyPr>
+          <a:lstStyle/>
+          <a:p>
+            <a:r>
+              <a:rPr kumimoji="1" lang="ja-JP" altLang="en-US" sz="1400" dirty="0">
+                <a:latin typeface="HGP創英角ｺﾞｼｯｸUB" panose="020B0900000000000000" pitchFamily="50" charset="-128"/>
+                <a:ea typeface="HGP創英角ｺﾞｼｯｸUB" panose="020B0900000000000000" pitchFamily="50" charset="-128"/>
+              </a:rPr>
+              <a:t>左上のゲージが赤いとき</a:t>
+            </a:r>
+          </a:p>
+        </p:txBody>
+      </p:sp>
     </p:spTree>
     <p:extLst>
       <p:ext uri="{BB962C8B-B14F-4D97-AF65-F5344CB8AC3E}">

--- a/DH操作説明.pptx
+++ b/DH操作説明.pptx
@@ -6,6 +6,8 @@
   </p:sldMasterIdLst>
   <p:sldIdLst>
     <p:sldId id="256" r:id="rId2"/>
+    <p:sldId id="258" r:id="rId3"/>
+    <p:sldId id="257" r:id="rId4"/>
   </p:sldIdLst>
   <p:sldSz cx="12192000" cy="6858000"/>
   <p:notesSz cx="6858000" cy="9144000"/>
@@ -259,7 +261,7 @@
           <a:p>
             <a:fld id="{295914E5-CFCE-4A37-B3AB-261DCECED5F4}" type="datetimeFigureOut">
               <a:rPr kumimoji="1" lang="ja-JP" altLang="en-US" smtClean="0"/>
-              <a:t>2024/3/26</a:t>
+              <a:t>2024/3/31</a:t>
             </a:fld>
             <a:endParaRPr kumimoji="1" lang="ja-JP" altLang="en-US"/>
           </a:p>
@@ -489,7 +491,7 @@
           <a:p>
             <a:fld id="{295914E5-CFCE-4A37-B3AB-261DCECED5F4}" type="datetimeFigureOut">
               <a:rPr kumimoji="1" lang="ja-JP" altLang="en-US" smtClean="0"/>
-              <a:t>2024/3/26</a:t>
+              <a:t>2024/3/31</a:t>
             </a:fld>
             <a:endParaRPr kumimoji="1" lang="ja-JP" altLang="en-US"/>
           </a:p>
@@ -729,7 +731,7 @@
           <a:p>
             <a:fld id="{295914E5-CFCE-4A37-B3AB-261DCECED5F4}" type="datetimeFigureOut">
               <a:rPr kumimoji="1" lang="ja-JP" altLang="en-US" smtClean="0"/>
-              <a:t>2024/3/26</a:t>
+              <a:t>2024/3/31</a:t>
             </a:fld>
             <a:endParaRPr kumimoji="1" lang="ja-JP" altLang="en-US"/>
           </a:p>
@@ -959,7 +961,7 @@
           <a:p>
             <a:fld id="{295914E5-CFCE-4A37-B3AB-261DCECED5F4}" type="datetimeFigureOut">
               <a:rPr kumimoji="1" lang="ja-JP" altLang="en-US" smtClean="0"/>
-              <a:t>2024/3/26</a:t>
+              <a:t>2024/3/31</a:t>
             </a:fld>
             <a:endParaRPr kumimoji="1" lang="ja-JP" altLang="en-US"/>
           </a:p>
@@ -1234,7 +1236,7 @@
           <a:p>
             <a:fld id="{295914E5-CFCE-4A37-B3AB-261DCECED5F4}" type="datetimeFigureOut">
               <a:rPr kumimoji="1" lang="ja-JP" altLang="en-US" smtClean="0"/>
-              <a:t>2024/3/26</a:t>
+              <a:t>2024/3/31</a:t>
             </a:fld>
             <a:endParaRPr kumimoji="1" lang="ja-JP" altLang="en-US"/>
           </a:p>
@@ -1563,7 +1565,7 @@
           <a:p>
             <a:fld id="{295914E5-CFCE-4A37-B3AB-261DCECED5F4}" type="datetimeFigureOut">
               <a:rPr kumimoji="1" lang="ja-JP" altLang="en-US" smtClean="0"/>
-              <a:t>2024/3/26</a:t>
+              <a:t>2024/3/31</a:t>
             </a:fld>
             <a:endParaRPr kumimoji="1" lang="ja-JP" altLang="en-US"/>
           </a:p>
@@ -2039,7 +2041,7 @@
           <a:p>
             <a:fld id="{295914E5-CFCE-4A37-B3AB-261DCECED5F4}" type="datetimeFigureOut">
               <a:rPr kumimoji="1" lang="ja-JP" altLang="en-US" smtClean="0"/>
-              <a:t>2024/3/26</a:t>
+              <a:t>2024/3/31</a:t>
             </a:fld>
             <a:endParaRPr kumimoji="1" lang="ja-JP" altLang="en-US"/>
           </a:p>
@@ -2180,7 +2182,7 @@
           <a:p>
             <a:fld id="{295914E5-CFCE-4A37-B3AB-261DCECED5F4}" type="datetimeFigureOut">
               <a:rPr kumimoji="1" lang="ja-JP" altLang="en-US" smtClean="0"/>
-              <a:t>2024/3/26</a:t>
+              <a:t>2024/3/31</a:t>
             </a:fld>
             <a:endParaRPr kumimoji="1" lang="ja-JP" altLang="en-US"/>
           </a:p>
@@ -2293,7 +2295,7 @@
           <a:p>
             <a:fld id="{295914E5-CFCE-4A37-B3AB-261DCECED5F4}" type="datetimeFigureOut">
               <a:rPr kumimoji="1" lang="ja-JP" altLang="en-US" smtClean="0"/>
-              <a:t>2024/3/26</a:t>
+              <a:t>2024/3/31</a:t>
             </a:fld>
             <a:endParaRPr kumimoji="1" lang="ja-JP" altLang="en-US"/>
           </a:p>
@@ -2636,7 +2638,7 @@
           <a:p>
             <a:fld id="{295914E5-CFCE-4A37-B3AB-261DCECED5F4}" type="datetimeFigureOut">
               <a:rPr kumimoji="1" lang="ja-JP" altLang="en-US" smtClean="0"/>
-              <a:t>2024/3/26</a:t>
+              <a:t>2024/3/31</a:t>
             </a:fld>
             <a:endParaRPr kumimoji="1" lang="ja-JP" altLang="en-US"/>
           </a:p>
@@ -2924,7 +2926,7 @@
           <a:p>
             <a:fld id="{295914E5-CFCE-4A37-B3AB-261DCECED5F4}" type="datetimeFigureOut">
               <a:rPr kumimoji="1" lang="ja-JP" altLang="en-US" smtClean="0"/>
-              <a:t>2024/3/26</a:t>
+              <a:t>2024/3/31</a:t>
             </a:fld>
             <a:endParaRPr kumimoji="1" lang="ja-JP" altLang="en-US"/>
           </a:p>
@@ -3197,7 +3199,7 @@
           <a:p>
             <a:fld id="{295914E5-CFCE-4A37-B3AB-261DCECED5F4}" type="datetimeFigureOut">
               <a:rPr kumimoji="1" lang="ja-JP" altLang="en-US" smtClean="0"/>
-              <a:t>2024/3/26</a:t>
+              <a:t>2024/3/31</a:t>
             </a:fld>
             <a:endParaRPr kumimoji="1" lang="ja-JP" altLang="en-US"/>
           </a:p>
@@ -3642,7 +3644,7 @@
         </p:blipFill>
         <p:spPr>
           <a:xfrm>
-            <a:off x="1" y="-6350"/>
+            <a:off x="0" y="0"/>
             <a:ext cx="12192000" cy="6858000"/>
           </a:xfrm>
           <a:prstGeom prst="rect">
@@ -3686,12 +3688,123 @@
           </a:prstGeom>
         </p:spPr>
       </p:pic>
-      <p:sp>
-        <p:nvSpPr>
-          <p:cNvPr id="8" name="テキスト ボックス 7">
-            <a:extLst>
-              <a:ext uri="{FF2B5EF4-FFF2-40B4-BE49-F238E27FC236}">
-                <a16:creationId xmlns:a16="http://schemas.microsoft.com/office/drawing/2014/main" id="{1D90376C-7507-47DF-A114-CB05E3F0C421}"/>
+      <p:pic>
+        <p:nvPicPr>
+          <p:cNvPr id="12" name="図 11">
+            <a:extLst>
+              <a:ext uri="{FF2B5EF4-FFF2-40B4-BE49-F238E27FC236}">
+                <a16:creationId xmlns:a16="http://schemas.microsoft.com/office/drawing/2014/main" id="{F46ED1A9-51E7-45CB-BF8B-09800ECDA170}"/>
+              </a:ext>
+            </a:extLst>
+          </p:cNvPr>
+          <p:cNvPicPr>
+            <a:picLocks noChangeAspect="1"/>
+          </p:cNvPicPr>
+          <p:nvPr/>
+        </p:nvPicPr>
+        <p:blipFill>
+          <a:blip r:embed="rId4">
+            <a:extLst>
+              <a:ext uri="{28A0092B-C50C-407E-A947-70E740481C1C}">
+                <a14:useLocalDpi xmlns:a14="http://schemas.microsoft.com/office/drawing/2010/main" val="0"/>
+              </a:ext>
+            </a:extLst>
+          </a:blip>
+          <a:stretch>
+            <a:fillRect/>
+          </a:stretch>
+        </p:blipFill>
+        <p:spPr>
+          <a:xfrm>
+            <a:off x="3009255" y="1565123"/>
+            <a:ext cx="4633441" cy="1355345"/>
+          </a:xfrm>
+          <a:prstGeom prst="rect">
+            <a:avLst/>
+          </a:prstGeom>
+        </p:spPr>
+      </p:pic>
+      <p:pic>
+        <p:nvPicPr>
+          <p:cNvPr id="14" name="図 13">
+            <a:extLst>
+              <a:ext uri="{FF2B5EF4-FFF2-40B4-BE49-F238E27FC236}">
+                <a16:creationId xmlns:a16="http://schemas.microsoft.com/office/drawing/2014/main" id="{195B47F7-BB95-42E2-9A12-786371F234B7}"/>
+              </a:ext>
+            </a:extLst>
+          </p:cNvPr>
+          <p:cNvPicPr>
+            <a:picLocks noChangeAspect="1"/>
+          </p:cNvPicPr>
+          <p:nvPr/>
+        </p:nvPicPr>
+        <p:blipFill>
+          <a:blip r:embed="rId5">
+            <a:extLst>
+              <a:ext uri="{28A0092B-C50C-407E-A947-70E740481C1C}">
+                <a14:useLocalDpi xmlns:a14="http://schemas.microsoft.com/office/drawing/2010/main" val="0"/>
+              </a:ext>
+            </a:extLst>
+          </a:blip>
+          <a:stretch>
+            <a:fillRect/>
+          </a:stretch>
+        </p:blipFill>
+        <p:spPr>
+          <a:xfrm>
+            <a:off x="2863873" y="3007767"/>
+            <a:ext cx="4901528" cy="3521980"/>
+          </a:xfrm>
+          <a:prstGeom prst="rect">
+            <a:avLst/>
+          </a:prstGeom>
+        </p:spPr>
+      </p:pic>
+      <p:cxnSp>
+        <p:nvCxnSpPr>
+          <p:cNvPr id="17" name="直線コネクタ 16">
+            <a:extLst>
+              <a:ext uri="{FF2B5EF4-FFF2-40B4-BE49-F238E27FC236}">
+                <a16:creationId xmlns:a16="http://schemas.microsoft.com/office/drawing/2014/main" id="{6C74236E-2C61-4757-98A7-779869D57D3B}"/>
+              </a:ext>
+            </a:extLst>
+          </p:cNvPr>
+          <p:cNvCxnSpPr>
+            <a:cxnSpLocks/>
+            <a:endCxn id="20" idx="3"/>
+          </p:cNvCxnSpPr>
+          <p:nvPr/>
+        </p:nvCxnSpPr>
+        <p:spPr>
+          <a:xfrm flipH="1" flipV="1">
+            <a:off x="1698762" y="3477903"/>
+            <a:ext cx="2297478" cy="569663"/>
+          </a:xfrm>
+          <a:prstGeom prst="line">
+            <a:avLst/>
+          </a:prstGeom>
+        </p:spPr>
+        <p:style>
+          <a:lnRef idx="3">
+            <a:schemeClr val="dk1"/>
+          </a:lnRef>
+          <a:fillRef idx="0">
+            <a:schemeClr val="dk1"/>
+          </a:fillRef>
+          <a:effectRef idx="2">
+            <a:schemeClr val="dk1"/>
+          </a:effectRef>
+          <a:fontRef idx="minor">
+            <a:schemeClr val="tx1"/>
+          </a:fontRef>
+        </p:style>
+      </p:cxnSp>
+      <p:sp>
+        <p:nvSpPr>
+          <p:cNvPr id="20" name="テキスト ボックス 19">
+            <a:extLst>
+              <a:ext uri="{FF2B5EF4-FFF2-40B4-BE49-F238E27FC236}">
+                <a16:creationId xmlns:a16="http://schemas.microsoft.com/office/drawing/2014/main" id="{D3FDA243-D3A4-4F5E-AB7E-3690ADF6496D}"/>
               </a:ext>
             </a:extLst>
           </p:cNvPr>
@@ -3700,8 +3813,1451 @@
         </p:nvSpPr>
         <p:spPr>
           <a:xfrm>
-            <a:off x="7828417" y="38176"/>
-            <a:ext cx="2646878" cy="830997"/>
+            <a:off x="1001135" y="3277848"/>
+            <a:ext cx="697627" cy="400110"/>
+          </a:xfrm>
+          <a:prstGeom prst="rect">
+            <a:avLst/>
+          </a:prstGeom>
+          <a:noFill/>
+        </p:spPr>
+        <p:txBody>
+          <a:bodyPr wrap="square" rtlCol="0">
+            <a:spAutoFit/>
+          </a:bodyPr>
+          <a:lstStyle/>
+          <a:p>
+            <a:r>
+              <a:rPr kumimoji="1" lang="ja-JP" altLang="en-US" sz="2000" dirty="0">
+                <a:latin typeface="HGP創英角ｺﾞｼｯｸUB" panose="020B0900000000000000" pitchFamily="50" charset="-128"/>
+                <a:ea typeface="HGP創英角ｺﾞｼｯｸUB" panose="020B0900000000000000" pitchFamily="50" charset="-128"/>
+              </a:rPr>
+              <a:t>移動</a:t>
+            </a:r>
+          </a:p>
+        </p:txBody>
+      </p:sp>
+      <p:cxnSp>
+        <p:nvCxnSpPr>
+          <p:cNvPr id="21" name="直線コネクタ 20">
+            <a:extLst>
+              <a:ext uri="{FF2B5EF4-FFF2-40B4-BE49-F238E27FC236}">
+                <a16:creationId xmlns:a16="http://schemas.microsoft.com/office/drawing/2014/main" id="{401308E2-34A5-494B-88ED-37DFFDD06BA0}"/>
+              </a:ext>
+            </a:extLst>
+          </p:cNvPr>
+          <p:cNvCxnSpPr>
+            <a:cxnSpLocks/>
+            <a:endCxn id="25" idx="3"/>
+          </p:cNvCxnSpPr>
+          <p:nvPr/>
+        </p:nvCxnSpPr>
+        <p:spPr>
+          <a:xfrm flipH="1">
+            <a:off x="1913564" y="4931269"/>
+            <a:ext cx="2692389" cy="820765"/>
+          </a:xfrm>
+          <a:prstGeom prst="line">
+            <a:avLst/>
+          </a:prstGeom>
+        </p:spPr>
+        <p:style>
+          <a:lnRef idx="3">
+            <a:schemeClr val="dk1"/>
+          </a:lnRef>
+          <a:fillRef idx="0">
+            <a:schemeClr val="dk1"/>
+          </a:fillRef>
+          <a:effectRef idx="2">
+            <a:schemeClr val="dk1"/>
+          </a:effectRef>
+          <a:fontRef idx="minor">
+            <a:schemeClr val="tx1"/>
+          </a:fontRef>
+        </p:style>
+      </p:cxnSp>
+      <p:sp>
+        <p:nvSpPr>
+          <p:cNvPr id="25" name="テキスト ボックス 24">
+            <a:extLst>
+              <a:ext uri="{FF2B5EF4-FFF2-40B4-BE49-F238E27FC236}">
+                <a16:creationId xmlns:a16="http://schemas.microsoft.com/office/drawing/2014/main" id="{8834E3A2-5E9C-4C71-BB0B-60D1D4EDF3AE}"/>
+              </a:ext>
+            </a:extLst>
+          </p:cNvPr>
+          <p:cNvSpPr txBox="1"/>
+          <p:nvPr/>
+        </p:nvSpPr>
+        <p:spPr>
+          <a:xfrm>
+            <a:off x="1001135" y="5551979"/>
+            <a:ext cx="912429" cy="400110"/>
+          </a:xfrm>
+          <a:prstGeom prst="rect">
+            <a:avLst/>
+          </a:prstGeom>
+          <a:noFill/>
+        </p:spPr>
+        <p:txBody>
+          <a:bodyPr wrap="square" rtlCol="0">
+            <a:spAutoFit/>
+          </a:bodyPr>
+          <a:lstStyle/>
+          <a:p>
+            <a:r>
+              <a:rPr kumimoji="1" lang="en-US" altLang="ja-JP" sz="2000" dirty="0">
+                <a:latin typeface="HGP創英角ｺﾞｼｯｸUB" panose="020B0900000000000000" pitchFamily="50" charset="-128"/>
+                <a:ea typeface="HGP創英角ｺﾞｼｯｸUB" panose="020B0900000000000000" pitchFamily="50" charset="-128"/>
+              </a:rPr>
+              <a:t>UI</a:t>
+            </a:r>
+            <a:r>
+              <a:rPr kumimoji="1" lang="ja-JP" altLang="en-US" sz="2000" dirty="0">
+                <a:latin typeface="HGP創英角ｺﾞｼｯｸUB" panose="020B0900000000000000" pitchFamily="50" charset="-128"/>
+                <a:ea typeface="HGP創英角ｺﾞｼｯｸUB" panose="020B0900000000000000" pitchFamily="50" charset="-128"/>
+              </a:rPr>
+              <a:t>操作</a:t>
+            </a:r>
+          </a:p>
+        </p:txBody>
+      </p:sp>
+      <p:cxnSp>
+        <p:nvCxnSpPr>
+          <p:cNvPr id="26" name="直線コネクタ 25">
+            <a:extLst>
+              <a:ext uri="{FF2B5EF4-FFF2-40B4-BE49-F238E27FC236}">
+                <a16:creationId xmlns:a16="http://schemas.microsoft.com/office/drawing/2014/main" id="{5502B196-8782-4B5F-9349-2A33464B3EB6}"/>
+              </a:ext>
+            </a:extLst>
+          </p:cNvPr>
+          <p:cNvCxnSpPr>
+            <a:cxnSpLocks/>
+            <a:stCxn id="74" idx="1"/>
+          </p:cNvCxnSpPr>
+          <p:nvPr/>
+        </p:nvCxnSpPr>
+        <p:spPr>
+          <a:xfrm flipH="1" flipV="1">
+            <a:off x="5850981" y="4943852"/>
+            <a:ext cx="3135275" cy="1269271"/>
+          </a:xfrm>
+          <a:prstGeom prst="line">
+            <a:avLst/>
+          </a:prstGeom>
+        </p:spPr>
+        <p:style>
+          <a:lnRef idx="3">
+            <a:schemeClr val="dk1"/>
+          </a:lnRef>
+          <a:fillRef idx="0">
+            <a:schemeClr val="dk1"/>
+          </a:fillRef>
+          <a:effectRef idx="2">
+            <a:schemeClr val="dk1"/>
+          </a:effectRef>
+          <a:fontRef idx="minor">
+            <a:schemeClr val="tx1"/>
+          </a:fontRef>
+        </p:style>
+      </p:cxnSp>
+      <p:sp>
+        <p:nvSpPr>
+          <p:cNvPr id="29" name="テキスト ボックス 28">
+            <a:extLst>
+              <a:ext uri="{FF2B5EF4-FFF2-40B4-BE49-F238E27FC236}">
+                <a16:creationId xmlns:a16="http://schemas.microsoft.com/office/drawing/2014/main" id="{583E1006-EECC-4F5C-8AD1-B2680394D3FA}"/>
+              </a:ext>
+            </a:extLst>
+          </p:cNvPr>
+          <p:cNvSpPr txBox="1"/>
+          <p:nvPr/>
+        </p:nvSpPr>
+        <p:spPr>
+          <a:xfrm>
+            <a:off x="8986255" y="5865754"/>
+            <a:ext cx="2842477" cy="707886"/>
+          </a:xfrm>
+          <a:prstGeom prst="rect">
+            <a:avLst/>
+          </a:prstGeom>
+          <a:noFill/>
+        </p:spPr>
+        <p:txBody>
+          <a:bodyPr wrap="square" rtlCol="0">
+            <a:spAutoFit/>
+          </a:bodyPr>
+          <a:lstStyle/>
+          <a:p>
+            <a:r>
+              <a:rPr kumimoji="1" lang="ja-JP" altLang="en-US" sz="2000" dirty="0">
+                <a:latin typeface="HGP創英角ｺﾞｼｯｸUB" panose="020B0900000000000000" pitchFamily="50" charset="-128"/>
+                <a:ea typeface="HGP創英角ｺﾞｼｯｸUB" panose="020B0900000000000000" pitchFamily="50" charset="-128"/>
+              </a:rPr>
+              <a:t>カメラ操作</a:t>
+            </a:r>
+            <a:endParaRPr kumimoji="1" lang="en-US" altLang="ja-JP" sz="2000" dirty="0">
+              <a:latin typeface="HGP創英角ｺﾞｼｯｸUB" panose="020B0900000000000000" pitchFamily="50" charset="-128"/>
+              <a:ea typeface="HGP創英角ｺﾞｼｯｸUB" panose="020B0900000000000000" pitchFamily="50" charset="-128"/>
+            </a:endParaRPr>
+          </a:p>
+          <a:p>
+            <a:r>
+              <a:rPr lang="ja-JP" altLang="en-US" sz="2000" dirty="0">
+                <a:latin typeface="HGP創英角ｺﾞｼｯｸUB" panose="020B0900000000000000" pitchFamily="50" charset="-128"/>
+                <a:ea typeface="HGP創英角ｺﾞｼｯｸUB" panose="020B0900000000000000" pitchFamily="50" charset="-128"/>
+              </a:rPr>
+              <a:t>押し込みカメラ切り替え</a:t>
+            </a:r>
+            <a:endParaRPr kumimoji="1" lang="ja-JP" altLang="en-US" sz="2000" dirty="0">
+              <a:latin typeface="HGP創英角ｺﾞｼｯｸUB" panose="020B0900000000000000" pitchFamily="50" charset="-128"/>
+              <a:ea typeface="HGP創英角ｺﾞｼｯｸUB" panose="020B0900000000000000" pitchFamily="50" charset="-128"/>
+            </a:endParaRPr>
+          </a:p>
+        </p:txBody>
+      </p:sp>
+      <p:cxnSp>
+        <p:nvCxnSpPr>
+          <p:cNvPr id="30" name="直線コネクタ 29">
+            <a:extLst>
+              <a:ext uri="{FF2B5EF4-FFF2-40B4-BE49-F238E27FC236}">
+                <a16:creationId xmlns:a16="http://schemas.microsoft.com/office/drawing/2014/main" id="{20C3F061-6832-46C2-89A9-106858D82BC4}"/>
+              </a:ext>
+            </a:extLst>
+          </p:cNvPr>
+          <p:cNvCxnSpPr>
+            <a:cxnSpLocks/>
+            <a:stCxn id="79" idx="2"/>
+          </p:cNvCxnSpPr>
+          <p:nvPr/>
+        </p:nvCxnSpPr>
+        <p:spPr>
+          <a:xfrm>
+            <a:off x="6742667" y="1520016"/>
+            <a:ext cx="0" cy="277545"/>
+          </a:xfrm>
+          <a:prstGeom prst="line">
+            <a:avLst/>
+          </a:prstGeom>
+        </p:spPr>
+        <p:style>
+          <a:lnRef idx="3">
+            <a:schemeClr val="dk1"/>
+          </a:lnRef>
+          <a:fillRef idx="0">
+            <a:schemeClr val="dk1"/>
+          </a:fillRef>
+          <a:effectRef idx="2">
+            <a:schemeClr val="dk1"/>
+          </a:effectRef>
+          <a:fontRef idx="minor">
+            <a:schemeClr val="tx1"/>
+          </a:fontRef>
+        </p:style>
+      </p:cxnSp>
+      <p:sp>
+        <p:nvSpPr>
+          <p:cNvPr id="33" name="テキスト ボックス 32">
+            <a:extLst>
+              <a:ext uri="{FF2B5EF4-FFF2-40B4-BE49-F238E27FC236}">
+                <a16:creationId xmlns:a16="http://schemas.microsoft.com/office/drawing/2014/main" id="{1BE37447-79F5-4473-9717-C56D0AABC87F}"/>
+              </a:ext>
+            </a:extLst>
+          </p:cNvPr>
+          <p:cNvSpPr txBox="1"/>
+          <p:nvPr/>
+        </p:nvSpPr>
+        <p:spPr>
+          <a:xfrm>
+            <a:off x="6156959" y="1084507"/>
+            <a:ext cx="1332416" cy="400110"/>
+          </a:xfrm>
+          <a:prstGeom prst="rect">
+            <a:avLst/>
+          </a:prstGeom>
+          <a:noFill/>
+        </p:spPr>
+        <p:txBody>
+          <a:bodyPr wrap="square" rtlCol="0">
+            <a:spAutoFit/>
+          </a:bodyPr>
+          <a:lstStyle/>
+          <a:p>
+            <a:r>
+              <a:rPr kumimoji="1" lang="ja-JP" altLang="en-US" sz="2000" dirty="0">
+                <a:latin typeface="HGP創英角ｺﾞｼｯｸUB" panose="020B0900000000000000" pitchFamily="50" charset="-128"/>
+                <a:ea typeface="HGP創英角ｺﾞｼｯｸUB" panose="020B0900000000000000" pitchFamily="50" charset="-128"/>
+              </a:rPr>
+              <a:t>気刃斬り</a:t>
+            </a:r>
+          </a:p>
+        </p:txBody>
+      </p:sp>
+      <p:cxnSp>
+        <p:nvCxnSpPr>
+          <p:cNvPr id="34" name="直線コネクタ 33">
+            <a:extLst>
+              <a:ext uri="{FF2B5EF4-FFF2-40B4-BE49-F238E27FC236}">
+                <a16:creationId xmlns:a16="http://schemas.microsoft.com/office/drawing/2014/main" id="{FC3E01DB-068D-408B-B2A7-371EE90CA020}"/>
+              </a:ext>
+            </a:extLst>
+          </p:cNvPr>
+          <p:cNvCxnSpPr>
+            <a:cxnSpLocks/>
+            <a:stCxn id="36" idx="1"/>
+          </p:cNvCxnSpPr>
+          <p:nvPr/>
+        </p:nvCxnSpPr>
+        <p:spPr>
+          <a:xfrm flipH="1">
+            <a:off x="7052990" y="1443618"/>
+            <a:ext cx="1884698" cy="1065258"/>
+          </a:xfrm>
+          <a:prstGeom prst="line">
+            <a:avLst/>
+          </a:prstGeom>
+        </p:spPr>
+        <p:style>
+          <a:lnRef idx="3">
+            <a:schemeClr val="dk1"/>
+          </a:lnRef>
+          <a:fillRef idx="0">
+            <a:schemeClr val="dk1"/>
+          </a:fillRef>
+          <a:effectRef idx="2">
+            <a:schemeClr val="dk1"/>
+          </a:effectRef>
+          <a:fontRef idx="minor">
+            <a:schemeClr val="tx1"/>
+          </a:fontRef>
+        </p:style>
+      </p:cxnSp>
+      <p:sp>
+        <p:nvSpPr>
+          <p:cNvPr id="36" name="テキスト ボックス 35">
+            <a:extLst>
+              <a:ext uri="{FF2B5EF4-FFF2-40B4-BE49-F238E27FC236}">
+                <a16:creationId xmlns:a16="http://schemas.microsoft.com/office/drawing/2014/main" id="{8548B1AB-C01C-4BE3-AE98-914D12B178E8}"/>
+              </a:ext>
+            </a:extLst>
+          </p:cNvPr>
+          <p:cNvSpPr txBox="1"/>
+          <p:nvPr/>
+        </p:nvSpPr>
+        <p:spPr>
+          <a:xfrm>
+            <a:off x="8937688" y="1089675"/>
+            <a:ext cx="1154483" cy="707886"/>
+          </a:xfrm>
+          <a:prstGeom prst="rect">
+            <a:avLst/>
+          </a:prstGeom>
+          <a:noFill/>
+        </p:spPr>
+        <p:txBody>
+          <a:bodyPr wrap="square" rtlCol="0">
+            <a:spAutoFit/>
+          </a:bodyPr>
+          <a:lstStyle/>
+          <a:p>
+            <a:r>
+              <a:rPr kumimoji="1" lang="ja-JP" altLang="en-US" sz="2000" dirty="0">
+                <a:latin typeface="HGP創英角ｺﾞｼｯｸUB" panose="020B0900000000000000" pitchFamily="50" charset="-128"/>
+                <a:ea typeface="HGP創英角ｺﾞｼｯｸUB" panose="020B0900000000000000" pitchFamily="50" charset="-128"/>
+              </a:rPr>
+              <a:t>納刀</a:t>
+            </a:r>
+            <a:endParaRPr kumimoji="1" lang="en-US" altLang="ja-JP" sz="2000" dirty="0">
+              <a:latin typeface="HGP創英角ｺﾞｼｯｸUB" panose="020B0900000000000000" pitchFamily="50" charset="-128"/>
+              <a:ea typeface="HGP創英角ｺﾞｼｯｸUB" panose="020B0900000000000000" pitchFamily="50" charset="-128"/>
+            </a:endParaRPr>
+          </a:p>
+          <a:p>
+            <a:r>
+              <a:rPr lang="ja-JP" altLang="en-US" sz="2000" dirty="0">
+                <a:latin typeface="HGP創英角ｺﾞｼｯｸUB" panose="020B0900000000000000" pitchFamily="50" charset="-128"/>
+                <a:ea typeface="HGP創英角ｺﾞｼｯｸUB" panose="020B0900000000000000" pitchFamily="50" charset="-128"/>
+              </a:rPr>
+              <a:t>ダッシュ</a:t>
+            </a:r>
+            <a:endParaRPr kumimoji="1" lang="ja-JP" altLang="en-US" sz="2000" dirty="0">
+              <a:latin typeface="HGP創英角ｺﾞｼｯｸUB" panose="020B0900000000000000" pitchFamily="50" charset="-128"/>
+              <a:ea typeface="HGP創英角ｺﾞｼｯｸUB" panose="020B0900000000000000" pitchFamily="50" charset="-128"/>
+            </a:endParaRPr>
+          </a:p>
+        </p:txBody>
+      </p:sp>
+      <p:cxnSp>
+        <p:nvCxnSpPr>
+          <p:cNvPr id="47" name="直線コネクタ 46">
+            <a:extLst>
+              <a:ext uri="{FF2B5EF4-FFF2-40B4-BE49-F238E27FC236}">
+                <a16:creationId xmlns:a16="http://schemas.microsoft.com/office/drawing/2014/main" id="{DD6D8EC8-8F10-4C42-9F7B-EAE39FBEE8BF}"/>
+              </a:ext>
+            </a:extLst>
+          </p:cNvPr>
+          <p:cNvCxnSpPr>
+            <a:cxnSpLocks/>
+            <a:stCxn id="81" idx="1"/>
+            <a:endCxn id="86" idx="3"/>
+          </p:cNvCxnSpPr>
+          <p:nvPr/>
+        </p:nvCxnSpPr>
+        <p:spPr>
+          <a:xfrm flipH="1">
+            <a:off x="6767177" y="3163489"/>
+            <a:ext cx="2219078" cy="566480"/>
+          </a:xfrm>
+          <a:prstGeom prst="line">
+            <a:avLst/>
+          </a:prstGeom>
+        </p:spPr>
+        <p:style>
+          <a:lnRef idx="3">
+            <a:schemeClr val="dk1"/>
+          </a:lnRef>
+          <a:fillRef idx="0">
+            <a:schemeClr val="dk1"/>
+          </a:fillRef>
+          <a:effectRef idx="2">
+            <a:schemeClr val="dk1"/>
+          </a:effectRef>
+          <a:fontRef idx="minor">
+            <a:schemeClr val="tx1"/>
+          </a:fontRef>
+        </p:style>
+      </p:cxnSp>
+      <p:sp>
+        <p:nvSpPr>
+          <p:cNvPr id="48" name="テキスト ボックス 47">
+            <a:extLst>
+              <a:ext uri="{FF2B5EF4-FFF2-40B4-BE49-F238E27FC236}">
+                <a16:creationId xmlns:a16="http://schemas.microsoft.com/office/drawing/2014/main" id="{E804CD0D-2E3F-4132-A13F-479459F4FD7C}"/>
+              </a:ext>
+            </a:extLst>
+          </p:cNvPr>
+          <p:cNvSpPr txBox="1"/>
+          <p:nvPr/>
+        </p:nvSpPr>
+        <p:spPr>
+          <a:xfrm>
+            <a:off x="8978291" y="2799156"/>
+            <a:ext cx="1797920" cy="707886"/>
+          </a:xfrm>
+          <a:prstGeom prst="rect">
+            <a:avLst/>
+          </a:prstGeom>
+          <a:noFill/>
+        </p:spPr>
+        <p:txBody>
+          <a:bodyPr wrap="square" rtlCol="0">
+            <a:spAutoFit/>
+          </a:bodyPr>
+          <a:lstStyle/>
+          <a:p>
+            <a:r>
+              <a:rPr kumimoji="1" lang="ja-JP" altLang="en-US" sz="2000" dirty="0">
+                <a:latin typeface="HGP創英角ｺﾞｼｯｸUB" panose="020B0900000000000000" pitchFamily="50" charset="-128"/>
+                <a:ea typeface="HGP創英角ｺﾞｼｯｸUB" panose="020B0900000000000000" pitchFamily="50" charset="-128"/>
+              </a:rPr>
+              <a:t>抜刀</a:t>
+            </a:r>
+            <a:endParaRPr kumimoji="1" lang="en-US" altLang="ja-JP" sz="2000" dirty="0">
+              <a:latin typeface="HGP創英角ｺﾞｼｯｸUB" panose="020B0900000000000000" pitchFamily="50" charset="-128"/>
+              <a:ea typeface="HGP創英角ｺﾞｼｯｸUB" panose="020B0900000000000000" pitchFamily="50" charset="-128"/>
+            </a:endParaRPr>
+          </a:p>
+          <a:p>
+            <a:r>
+              <a:rPr kumimoji="1" lang="ja-JP" altLang="en-US" sz="2000" dirty="0">
+                <a:latin typeface="HGP創英角ｺﾞｼｯｸUB" panose="020B0900000000000000" pitchFamily="50" charset="-128"/>
+                <a:ea typeface="HGP創英角ｺﾞｼｯｸUB" panose="020B0900000000000000" pitchFamily="50" charset="-128"/>
+              </a:rPr>
+              <a:t>踏み込み斬り</a:t>
+            </a:r>
+          </a:p>
+        </p:txBody>
+      </p:sp>
+      <p:cxnSp>
+        <p:nvCxnSpPr>
+          <p:cNvPr id="56" name="直線コネクタ 55">
+            <a:extLst>
+              <a:ext uri="{FF2B5EF4-FFF2-40B4-BE49-F238E27FC236}">
+                <a16:creationId xmlns:a16="http://schemas.microsoft.com/office/drawing/2014/main" id="{C3F361F0-4371-4384-852A-DD825F025F25}"/>
+              </a:ext>
+            </a:extLst>
+          </p:cNvPr>
+          <p:cNvCxnSpPr>
+            <a:cxnSpLocks/>
+            <a:stCxn id="78" idx="1"/>
+            <a:endCxn id="88" idx="3"/>
+          </p:cNvCxnSpPr>
+          <p:nvPr/>
+        </p:nvCxnSpPr>
+        <p:spPr>
+          <a:xfrm flipH="1">
+            <a:off x="7101604" y="3867979"/>
+            <a:ext cx="1895799" cy="179357"/>
+          </a:xfrm>
+          <a:prstGeom prst="line">
+            <a:avLst/>
+          </a:prstGeom>
+        </p:spPr>
+        <p:style>
+          <a:lnRef idx="3">
+            <a:schemeClr val="dk1"/>
+          </a:lnRef>
+          <a:fillRef idx="0">
+            <a:schemeClr val="dk1"/>
+          </a:fillRef>
+          <a:effectRef idx="2">
+            <a:schemeClr val="dk1"/>
+          </a:effectRef>
+          <a:fontRef idx="minor">
+            <a:schemeClr val="tx1"/>
+          </a:fontRef>
+        </p:style>
+      </p:cxnSp>
+      <p:sp>
+        <p:nvSpPr>
+          <p:cNvPr id="57" name="テキスト ボックス 56">
+            <a:extLst>
+              <a:ext uri="{FF2B5EF4-FFF2-40B4-BE49-F238E27FC236}">
+                <a16:creationId xmlns:a16="http://schemas.microsoft.com/office/drawing/2014/main" id="{FAB1FE0C-9385-45DC-AA06-35C02FF0A671}"/>
+              </a:ext>
+            </a:extLst>
+          </p:cNvPr>
+          <p:cNvSpPr txBox="1"/>
+          <p:nvPr/>
+        </p:nvSpPr>
+        <p:spPr>
+          <a:xfrm>
+            <a:off x="8997403" y="3667924"/>
+            <a:ext cx="770841" cy="400110"/>
+          </a:xfrm>
+          <a:prstGeom prst="rect">
+            <a:avLst/>
+          </a:prstGeom>
+          <a:noFill/>
+        </p:spPr>
+        <p:txBody>
+          <a:bodyPr wrap="square" rtlCol="0">
+            <a:spAutoFit/>
+          </a:bodyPr>
+          <a:lstStyle/>
+          <a:p>
+            <a:r>
+              <a:rPr kumimoji="1" lang="ja-JP" altLang="en-US" sz="2000" dirty="0">
+                <a:latin typeface="HGP創英角ｺﾞｼｯｸUB" panose="020B0900000000000000" pitchFamily="50" charset="-128"/>
+                <a:ea typeface="HGP創英角ｺﾞｼｯｸUB" panose="020B0900000000000000" pitchFamily="50" charset="-128"/>
+              </a:rPr>
+              <a:t>突き</a:t>
+            </a:r>
+          </a:p>
+        </p:txBody>
+      </p:sp>
+      <p:cxnSp>
+        <p:nvCxnSpPr>
+          <p:cNvPr id="59" name="直線コネクタ 58">
+            <a:extLst>
+              <a:ext uri="{FF2B5EF4-FFF2-40B4-BE49-F238E27FC236}">
+                <a16:creationId xmlns:a16="http://schemas.microsoft.com/office/drawing/2014/main" id="{8940A2CD-5A8D-4095-803F-853E4C9AF3E6}"/>
+              </a:ext>
+            </a:extLst>
+          </p:cNvPr>
+          <p:cNvCxnSpPr>
+            <a:cxnSpLocks/>
+            <a:stCxn id="60" idx="1"/>
+            <a:endCxn id="84" idx="2"/>
+          </p:cNvCxnSpPr>
+          <p:nvPr/>
+        </p:nvCxnSpPr>
+        <p:spPr>
+          <a:xfrm flipH="1" flipV="1">
+            <a:off x="6569258" y="4567760"/>
+            <a:ext cx="2441171" cy="759694"/>
+          </a:xfrm>
+          <a:prstGeom prst="line">
+            <a:avLst/>
+          </a:prstGeom>
+        </p:spPr>
+        <p:style>
+          <a:lnRef idx="3">
+            <a:schemeClr val="dk1"/>
+          </a:lnRef>
+          <a:fillRef idx="0">
+            <a:schemeClr val="dk1"/>
+          </a:fillRef>
+          <a:effectRef idx="2">
+            <a:schemeClr val="dk1"/>
+          </a:effectRef>
+          <a:fontRef idx="minor">
+            <a:schemeClr val="tx1"/>
+          </a:fontRef>
+        </p:style>
+      </p:cxnSp>
+      <p:sp>
+        <p:nvSpPr>
+          <p:cNvPr id="60" name="テキスト ボックス 59">
+            <a:extLst>
+              <a:ext uri="{FF2B5EF4-FFF2-40B4-BE49-F238E27FC236}">
+                <a16:creationId xmlns:a16="http://schemas.microsoft.com/office/drawing/2014/main" id="{096CF559-DCB2-4FCE-8E18-F31B7F9A0CC4}"/>
+              </a:ext>
+            </a:extLst>
+          </p:cNvPr>
+          <p:cNvSpPr txBox="1"/>
+          <p:nvPr/>
+        </p:nvSpPr>
+        <p:spPr>
+          <a:xfrm>
+            <a:off x="9010429" y="5127399"/>
+            <a:ext cx="766654" cy="400110"/>
+          </a:xfrm>
+          <a:prstGeom prst="rect">
+            <a:avLst/>
+          </a:prstGeom>
+          <a:noFill/>
+        </p:spPr>
+        <p:txBody>
+          <a:bodyPr wrap="square" rtlCol="0">
+            <a:spAutoFit/>
+          </a:bodyPr>
+          <a:lstStyle/>
+          <a:p>
+            <a:r>
+              <a:rPr kumimoji="1" lang="ja-JP" altLang="en-US" sz="2000" dirty="0">
+                <a:latin typeface="HGP創英角ｺﾞｼｯｸUB" panose="020B0900000000000000" pitchFamily="50" charset="-128"/>
+                <a:ea typeface="HGP創英角ｺﾞｼｯｸUB" panose="020B0900000000000000" pitchFamily="50" charset="-128"/>
+              </a:rPr>
+              <a:t>回避</a:t>
+            </a:r>
+          </a:p>
+        </p:txBody>
+      </p:sp>
+      <p:cxnSp>
+        <p:nvCxnSpPr>
+          <p:cNvPr id="63" name="直線コネクタ 62">
+            <a:extLst>
+              <a:ext uri="{FF2B5EF4-FFF2-40B4-BE49-F238E27FC236}">
+                <a16:creationId xmlns:a16="http://schemas.microsoft.com/office/drawing/2014/main" id="{650C1001-5967-4019-B3BF-4EB6E0A930E3}"/>
+              </a:ext>
+            </a:extLst>
+          </p:cNvPr>
+          <p:cNvCxnSpPr>
+            <a:cxnSpLocks/>
+            <a:stCxn id="64" idx="1"/>
+            <a:endCxn id="90" idx="3"/>
+          </p:cNvCxnSpPr>
+          <p:nvPr/>
+        </p:nvCxnSpPr>
+        <p:spPr>
+          <a:xfrm flipH="1" flipV="1">
+            <a:off x="6440772" y="4050704"/>
+            <a:ext cx="2534845" cy="526622"/>
+          </a:xfrm>
+          <a:prstGeom prst="line">
+            <a:avLst/>
+          </a:prstGeom>
+        </p:spPr>
+        <p:style>
+          <a:lnRef idx="3">
+            <a:schemeClr val="dk1"/>
+          </a:lnRef>
+          <a:fillRef idx="0">
+            <a:schemeClr val="dk1"/>
+          </a:fillRef>
+          <a:effectRef idx="2">
+            <a:schemeClr val="dk1"/>
+          </a:effectRef>
+          <a:fontRef idx="minor">
+            <a:schemeClr val="tx1"/>
+          </a:fontRef>
+        </p:style>
+      </p:cxnSp>
+      <p:sp>
+        <p:nvSpPr>
+          <p:cNvPr id="64" name="テキスト ボックス 63">
+            <a:extLst>
+              <a:ext uri="{FF2B5EF4-FFF2-40B4-BE49-F238E27FC236}">
+                <a16:creationId xmlns:a16="http://schemas.microsoft.com/office/drawing/2014/main" id="{4879054A-1073-469A-B1C7-5E2A1E10D064}"/>
+              </a:ext>
+            </a:extLst>
+          </p:cNvPr>
+          <p:cNvSpPr txBox="1"/>
+          <p:nvPr/>
+        </p:nvSpPr>
+        <p:spPr>
+          <a:xfrm>
+            <a:off x="8975617" y="4223383"/>
+            <a:ext cx="1625597" cy="707886"/>
+          </a:xfrm>
+          <a:prstGeom prst="rect">
+            <a:avLst/>
+          </a:prstGeom>
+          <a:noFill/>
+        </p:spPr>
+        <p:txBody>
+          <a:bodyPr wrap="square" rtlCol="0">
+            <a:spAutoFit/>
+          </a:bodyPr>
+          <a:lstStyle/>
+          <a:p>
+            <a:r>
+              <a:rPr kumimoji="1" lang="ja-JP" altLang="en-US" sz="2000" dirty="0">
+                <a:latin typeface="HGP創英角ｺﾞｼｯｸUB" panose="020B0900000000000000" pitchFamily="50" charset="-128"/>
+                <a:ea typeface="HGP創英角ｺﾞｼｯｸUB" panose="020B0900000000000000" pitchFamily="50" charset="-128"/>
+              </a:rPr>
+              <a:t>納刀</a:t>
+            </a:r>
+            <a:endParaRPr kumimoji="1" lang="en-US" altLang="ja-JP" sz="2000" dirty="0">
+              <a:latin typeface="HGP創英角ｺﾞｼｯｸUB" panose="020B0900000000000000" pitchFamily="50" charset="-128"/>
+              <a:ea typeface="HGP創英角ｺﾞｼｯｸUB" panose="020B0900000000000000" pitchFamily="50" charset="-128"/>
+            </a:endParaRPr>
+          </a:p>
+          <a:p>
+            <a:r>
+              <a:rPr lang="ja-JP" altLang="en-US" sz="2000" dirty="0">
+                <a:latin typeface="HGP創英角ｺﾞｼｯｸUB" panose="020B0900000000000000" pitchFamily="50" charset="-128"/>
+                <a:ea typeface="HGP創英角ｺﾞｼｯｸUB" panose="020B0900000000000000" pitchFamily="50" charset="-128"/>
+              </a:rPr>
+              <a:t>アイテム使用</a:t>
+            </a:r>
+            <a:endParaRPr kumimoji="1" lang="ja-JP" altLang="en-US" sz="2000" dirty="0">
+              <a:latin typeface="HGP創英角ｺﾞｼｯｸUB" panose="020B0900000000000000" pitchFamily="50" charset="-128"/>
+              <a:ea typeface="HGP創英角ｺﾞｼｯｸUB" panose="020B0900000000000000" pitchFamily="50" charset="-128"/>
+            </a:endParaRPr>
+          </a:p>
+        </p:txBody>
+      </p:sp>
+      <p:sp>
+        <p:nvSpPr>
+          <p:cNvPr id="72" name="正方形/長方形 71">
+            <a:extLst>
+              <a:ext uri="{FF2B5EF4-FFF2-40B4-BE49-F238E27FC236}">
+                <a16:creationId xmlns:a16="http://schemas.microsoft.com/office/drawing/2014/main" id="{4E27342D-23E3-497E-8B51-26402CF7F0FA}"/>
+              </a:ext>
+            </a:extLst>
+          </p:cNvPr>
+          <p:cNvSpPr/>
+          <p:nvPr/>
+        </p:nvSpPr>
+        <p:spPr>
+          <a:xfrm>
+            <a:off x="1001135" y="3277849"/>
+            <a:ext cx="697627" cy="437350"/>
+          </a:xfrm>
+          <a:prstGeom prst="rect">
+            <a:avLst/>
+          </a:prstGeom>
+          <a:noFill/>
+          <a:ln w="38100" cap="flat" cmpd="sng" algn="ctr">
+            <a:solidFill>
+              <a:schemeClr val="dk1"/>
+            </a:solidFill>
+            <a:prstDash val="solid"/>
+            <a:round/>
+            <a:headEnd type="none" w="med" len="med"/>
+            <a:tailEnd type="none" w="med" len="med"/>
+          </a:ln>
+        </p:spPr>
+        <p:style>
+          <a:lnRef idx="0">
+            <a:scrgbClr r="0" g="0" b="0"/>
+          </a:lnRef>
+          <a:fillRef idx="0">
+            <a:scrgbClr r="0" g="0" b="0"/>
+          </a:fillRef>
+          <a:effectRef idx="0">
+            <a:scrgbClr r="0" g="0" b="0"/>
+          </a:effectRef>
+          <a:fontRef idx="minor">
+            <a:schemeClr val="dk1"/>
+          </a:fontRef>
+        </p:style>
+        <p:txBody>
+          <a:bodyPr rtlCol="0" anchor="ctr"/>
+          <a:lstStyle/>
+          <a:p>
+            <a:pPr algn="ctr"/>
+            <a:endParaRPr kumimoji="1" lang="ja-JP" altLang="en-US"/>
+          </a:p>
+        </p:txBody>
+      </p:sp>
+      <p:sp>
+        <p:nvSpPr>
+          <p:cNvPr id="73" name="正方形/長方形 72">
+            <a:extLst>
+              <a:ext uri="{FF2B5EF4-FFF2-40B4-BE49-F238E27FC236}">
+                <a16:creationId xmlns:a16="http://schemas.microsoft.com/office/drawing/2014/main" id="{DD323FFA-896D-4157-BD64-2CBF58E52B12}"/>
+              </a:ext>
+            </a:extLst>
+          </p:cNvPr>
+          <p:cNvSpPr/>
+          <p:nvPr/>
+        </p:nvSpPr>
+        <p:spPr>
+          <a:xfrm>
+            <a:off x="1009099" y="5530050"/>
+            <a:ext cx="893173" cy="437350"/>
+          </a:xfrm>
+          <a:prstGeom prst="rect">
+            <a:avLst/>
+          </a:prstGeom>
+          <a:noFill/>
+          <a:ln w="38100" cap="flat" cmpd="sng" algn="ctr">
+            <a:solidFill>
+              <a:schemeClr val="dk1"/>
+            </a:solidFill>
+            <a:prstDash val="solid"/>
+            <a:round/>
+            <a:headEnd type="none" w="med" len="med"/>
+            <a:tailEnd type="none" w="med" len="med"/>
+          </a:ln>
+        </p:spPr>
+        <p:style>
+          <a:lnRef idx="0">
+            <a:scrgbClr r="0" g="0" b="0"/>
+          </a:lnRef>
+          <a:fillRef idx="0">
+            <a:scrgbClr r="0" g="0" b="0"/>
+          </a:fillRef>
+          <a:effectRef idx="0">
+            <a:scrgbClr r="0" g="0" b="0"/>
+          </a:effectRef>
+          <a:fontRef idx="minor">
+            <a:schemeClr val="dk1"/>
+          </a:fontRef>
+        </p:style>
+        <p:txBody>
+          <a:bodyPr rtlCol="0" anchor="ctr"/>
+          <a:lstStyle/>
+          <a:p>
+            <a:pPr algn="ctr"/>
+            <a:endParaRPr kumimoji="1" lang="ja-JP" altLang="en-US"/>
+          </a:p>
+        </p:txBody>
+      </p:sp>
+      <p:sp>
+        <p:nvSpPr>
+          <p:cNvPr id="74" name="正方形/長方形 73">
+            <a:extLst>
+              <a:ext uri="{FF2B5EF4-FFF2-40B4-BE49-F238E27FC236}">
+                <a16:creationId xmlns:a16="http://schemas.microsoft.com/office/drawing/2014/main" id="{F301B80F-E18B-4A92-B668-1A7860AC30C0}"/>
+              </a:ext>
+            </a:extLst>
+          </p:cNvPr>
+          <p:cNvSpPr/>
+          <p:nvPr/>
+        </p:nvSpPr>
+        <p:spPr>
+          <a:xfrm>
+            <a:off x="8986256" y="5852606"/>
+            <a:ext cx="2618542" cy="721033"/>
+          </a:xfrm>
+          <a:prstGeom prst="rect">
+            <a:avLst/>
+          </a:prstGeom>
+          <a:noFill/>
+          <a:ln w="38100" cap="flat" cmpd="sng" algn="ctr">
+            <a:solidFill>
+              <a:schemeClr val="dk1"/>
+            </a:solidFill>
+            <a:prstDash val="solid"/>
+            <a:round/>
+            <a:headEnd type="none" w="med" len="med"/>
+            <a:tailEnd type="none" w="med" len="med"/>
+          </a:ln>
+        </p:spPr>
+        <p:style>
+          <a:lnRef idx="0">
+            <a:scrgbClr r="0" g="0" b="0"/>
+          </a:lnRef>
+          <a:fillRef idx="0">
+            <a:scrgbClr r="0" g="0" b="0"/>
+          </a:fillRef>
+          <a:effectRef idx="0">
+            <a:scrgbClr r="0" g="0" b="0"/>
+          </a:effectRef>
+          <a:fontRef idx="minor">
+            <a:schemeClr val="dk1"/>
+          </a:fontRef>
+        </p:style>
+        <p:txBody>
+          <a:bodyPr rtlCol="0" anchor="ctr"/>
+          <a:lstStyle/>
+          <a:p>
+            <a:pPr algn="ctr"/>
+            <a:endParaRPr kumimoji="1" lang="ja-JP" altLang="en-US"/>
+          </a:p>
+        </p:txBody>
+      </p:sp>
+      <p:sp>
+        <p:nvSpPr>
+          <p:cNvPr id="76" name="正方形/長方形 75">
+            <a:extLst>
+              <a:ext uri="{FF2B5EF4-FFF2-40B4-BE49-F238E27FC236}">
+                <a16:creationId xmlns:a16="http://schemas.microsoft.com/office/drawing/2014/main" id="{A8CDA3D9-74A1-4C05-8013-7D2E6C97EB2C}"/>
+              </a:ext>
+            </a:extLst>
+          </p:cNvPr>
+          <p:cNvSpPr/>
+          <p:nvPr/>
+        </p:nvSpPr>
+        <p:spPr>
+          <a:xfrm>
+            <a:off x="9010429" y="5131332"/>
+            <a:ext cx="660897" cy="447932"/>
+          </a:xfrm>
+          <a:prstGeom prst="rect">
+            <a:avLst/>
+          </a:prstGeom>
+          <a:noFill/>
+          <a:ln w="38100" cap="flat" cmpd="sng" algn="ctr">
+            <a:solidFill>
+              <a:schemeClr val="dk1"/>
+            </a:solidFill>
+            <a:prstDash val="solid"/>
+            <a:round/>
+            <a:headEnd type="none" w="med" len="med"/>
+            <a:tailEnd type="none" w="med" len="med"/>
+          </a:ln>
+        </p:spPr>
+        <p:style>
+          <a:lnRef idx="0">
+            <a:scrgbClr r="0" g="0" b="0"/>
+          </a:lnRef>
+          <a:fillRef idx="0">
+            <a:scrgbClr r="0" g="0" b="0"/>
+          </a:fillRef>
+          <a:effectRef idx="0">
+            <a:scrgbClr r="0" g="0" b="0"/>
+          </a:effectRef>
+          <a:fontRef idx="minor">
+            <a:schemeClr val="dk1"/>
+          </a:fontRef>
+        </p:style>
+        <p:txBody>
+          <a:bodyPr rtlCol="0" anchor="ctr"/>
+          <a:lstStyle/>
+          <a:p>
+            <a:pPr algn="ctr"/>
+            <a:endParaRPr kumimoji="1" lang="ja-JP" altLang="en-US"/>
+          </a:p>
+        </p:txBody>
+      </p:sp>
+      <p:sp>
+        <p:nvSpPr>
+          <p:cNvPr id="77" name="正方形/長方形 76">
+            <a:extLst>
+              <a:ext uri="{FF2B5EF4-FFF2-40B4-BE49-F238E27FC236}">
+                <a16:creationId xmlns:a16="http://schemas.microsoft.com/office/drawing/2014/main" id="{25984B4B-9962-4E14-B793-E82D4B2F397C}"/>
+              </a:ext>
+            </a:extLst>
+          </p:cNvPr>
+          <p:cNvSpPr/>
+          <p:nvPr/>
+        </p:nvSpPr>
+        <p:spPr>
+          <a:xfrm>
+            <a:off x="8986909" y="4251017"/>
+            <a:ext cx="1546365" cy="721033"/>
+          </a:xfrm>
+          <a:prstGeom prst="rect">
+            <a:avLst/>
+          </a:prstGeom>
+          <a:noFill/>
+          <a:ln w="38100" cap="flat" cmpd="sng" algn="ctr">
+            <a:solidFill>
+              <a:schemeClr val="dk1"/>
+            </a:solidFill>
+            <a:prstDash val="solid"/>
+            <a:round/>
+            <a:headEnd type="none" w="med" len="med"/>
+            <a:tailEnd type="none" w="med" len="med"/>
+          </a:ln>
+        </p:spPr>
+        <p:style>
+          <a:lnRef idx="0">
+            <a:scrgbClr r="0" g="0" b="0"/>
+          </a:lnRef>
+          <a:fillRef idx="0">
+            <a:scrgbClr r="0" g="0" b="0"/>
+          </a:fillRef>
+          <a:effectRef idx="0">
+            <a:scrgbClr r="0" g="0" b="0"/>
+          </a:effectRef>
+          <a:fontRef idx="minor">
+            <a:schemeClr val="dk1"/>
+          </a:fontRef>
+        </p:style>
+        <p:txBody>
+          <a:bodyPr rtlCol="0" anchor="ctr"/>
+          <a:lstStyle/>
+          <a:p>
+            <a:pPr algn="ctr"/>
+            <a:endParaRPr kumimoji="1" lang="ja-JP" altLang="en-US"/>
+          </a:p>
+        </p:txBody>
+      </p:sp>
+      <p:sp>
+        <p:nvSpPr>
+          <p:cNvPr id="78" name="正方形/長方形 77">
+            <a:extLst>
+              <a:ext uri="{FF2B5EF4-FFF2-40B4-BE49-F238E27FC236}">
+                <a16:creationId xmlns:a16="http://schemas.microsoft.com/office/drawing/2014/main" id="{7768449F-60C9-4F81-A87B-04610E80B4EE}"/>
+              </a:ext>
+            </a:extLst>
+          </p:cNvPr>
+          <p:cNvSpPr/>
+          <p:nvPr/>
+        </p:nvSpPr>
+        <p:spPr>
+          <a:xfrm>
+            <a:off x="8997403" y="3667924"/>
+            <a:ext cx="673923" cy="400110"/>
+          </a:xfrm>
+          <a:prstGeom prst="rect">
+            <a:avLst/>
+          </a:prstGeom>
+          <a:noFill/>
+          <a:ln w="38100" cap="flat" cmpd="sng" algn="ctr">
+            <a:solidFill>
+              <a:schemeClr val="dk1"/>
+            </a:solidFill>
+            <a:prstDash val="solid"/>
+            <a:round/>
+            <a:headEnd type="none" w="med" len="med"/>
+            <a:tailEnd type="none" w="med" len="med"/>
+          </a:ln>
+        </p:spPr>
+        <p:style>
+          <a:lnRef idx="0">
+            <a:scrgbClr r="0" g="0" b="0"/>
+          </a:lnRef>
+          <a:fillRef idx="0">
+            <a:scrgbClr r="0" g="0" b="0"/>
+          </a:fillRef>
+          <a:effectRef idx="0">
+            <a:scrgbClr r="0" g="0" b="0"/>
+          </a:effectRef>
+          <a:fontRef idx="minor">
+            <a:schemeClr val="dk1"/>
+          </a:fontRef>
+        </p:style>
+        <p:txBody>
+          <a:bodyPr rtlCol="0" anchor="ctr"/>
+          <a:lstStyle/>
+          <a:p>
+            <a:pPr algn="ctr"/>
+            <a:endParaRPr kumimoji="1" lang="ja-JP" altLang="en-US"/>
+          </a:p>
+        </p:txBody>
+      </p:sp>
+      <p:sp>
+        <p:nvSpPr>
+          <p:cNvPr id="79" name="正方形/長方形 78">
+            <a:extLst>
+              <a:ext uri="{FF2B5EF4-FFF2-40B4-BE49-F238E27FC236}">
+                <a16:creationId xmlns:a16="http://schemas.microsoft.com/office/drawing/2014/main" id="{AB1228CE-EF67-4EED-85B8-53C41262CAFB}"/>
+              </a:ext>
+            </a:extLst>
+          </p:cNvPr>
+          <p:cNvSpPr/>
+          <p:nvPr/>
+        </p:nvSpPr>
+        <p:spPr>
+          <a:xfrm>
+            <a:off x="6165425" y="1078881"/>
+            <a:ext cx="1154483" cy="441135"/>
+          </a:xfrm>
+          <a:prstGeom prst="rect">
+            <a:avLst/>
+          </a:prstGeom>
+          <a:noFill/>
+          <a:ln w="38100" cap="flat" cmpd="sng" algn="ctr">
+            <a:solidFill>
+              <a:schemeClr val="dk1"/>
+            </a:solidFill>
+            <a:prstDash val="solid"/>
+            <a:round/>
+            <a:headEnd type="none" w="med" len="med"/>
+            <a:tailEnd type="none" w="med" len="med"/>
+          </a:ln>
+        </p:spPr>
+        <p:style>
+          <a:lnRef idx="0">
+            <a:scrgbClr r="0" g="0" b="0"/>
+          </a:lnRef>
+          <a:fillRef idx="0">
+            <a:scrgbClr r="0" g="0" b="0"/>
+          </a:fillRef>
+          <a:effectRef idx="0">
+            <a:scrgbClr r="0" g="0" b="0"/>
+          </a:effectRef>
+          <a:fontRef idx="minor">
+            <a:schemeClr val="dk1"/>
+          </a:fontRef>
+        </p:style>
+        <p:txBody>
+          <a:bodyPr rtlCol="0" anchor="ctr"/>
+          <a:lstStyle/>
+          <a:p>
+            <a:pPr algn="ctr"/>
+            <a:endParaRPr kumimoji="1" lang="ja-JP" altLang="en-US"/>
+          </a:p>
+        </p:txBody>
+      </p:sp>
+      <p:sp>
+        <p:nvSpPr>
+          <p:cNvPr id="80" name="正方形/長方形 79">
+            <a:extLst>
+              <a:ext uri="{FF2B5EF4-FFF2-40B4-BE49-F238E27FC236}">
+                <a16:creationId xmlns:a16="http://schemas.microsoft.com/office/drawing/2014/main" id="{146CBBE9-0184-40AB-AC23-F994F8BC1B98}"/>
+              </a:ext>
+            </a:extLst>
+          </p:cNvPr>
+          <p:cNvSpPr/>
+          <p:nvPr/>
+        </p:nvSpPr>
+        <p:spPr>
+          <a:xfrm>
+            <a:off x="8937688" y="1110731"/>
+            <a:ext cx="1004781" cy="714465"/>
+          </a:xfrm>
+          <a:prstGeom prst="rect">
+            <a:avLst/>
+          </a:prstGeom>
+          <a:noFill/>
+          <a:ln w="38100" cap="flat" cmpd="sng" algn="ctr">
+            <a:solidFill>
+              <a:schemeClr val="dk1"/>
+            </a:solidFill>
+            <a:prstDash val="solid"/>
+            <a:round/>
+            <a:headEnd type="none" w="med" len="med"/>
+            <a:tailEnd type="none" w="med" len="med"/>
+          </a:ln>
+        </p:spPr>
+        <p:style>
+          <a:lnRef idx="0">
+            <a:scrgbClr r="0" g="0" b="0"/>
+          </a:lnRef>
+          <a:fillRef idx="0">
+            <a:scrgbClr r="0" g="0" b="0"/>
+          </a:fillRef>
+          <a:effectRef idx="0">
+            <a:scrgbClr r="0" g="0" b="0"/>
+          </a:effectRef>
+          <a:fontRef idx="minor">
+            <a:schemeClr val="dk1"/>
+          </a:fontRef>
+        </p:style>
+        <p:txBody>
+          <a:bodyPr rtlCol="0" anchor="ctr"/>
+          <a:lstStyle/>
+          <a:p>
+            <a:pPr algn="ctr"/>
+            <a:endParaRPr kumimoji="1" lang="ja-JP" altLang="en-US"/>
+          </a:p>
+        </p:txBody>
+      </p:sp>
+      <p:sp>
+        <p:nvSpPr>
+          <p:cNvPr id="81" name="正方形/長方形 80">
+            <a:extLst>
+              <a:ext uri="{FF2B5EF4-FFF2-40B4-BE49-F238E27FC236}">
+                <a16:creationId xmlns:a16="http://schemas.microsoft.com/office/drawing/2014/main" id="{A6A15D09-1144-4239-AAAA-05D64FCBAA25}"/>
+              </a:ext>
+            </a:extLst>
+          </p:cNvPr>
+          <p:cNvSpPr/>
+          <p:nvPr/>
+        </p:nvSpPr>
+        <p:spPr>
+          <a:xfrm>
+            <a:off x="8986255" y="2832260"/>
+            <a:ext cx="1682469" cy="662458"/>
+          </a:xfrm>
+          <a:prstGeom prst="rect">
+            <a:avLst/>
+          </a:prstGeom>
+          <a:noFill/>
+          <a:ln w="38100" cap="flat" cmpd="sng" algn="ctr">
+            <a:solidFill>
+              <a:schemeClr val="dk1"/>
+            </a:solidFill>
+            <a:prstDash val="solid"/>
+            <a:round/>
+            <a:headEnd type="none" w="med" len="med"/>
+            <a:tailEnd type="none" w="med" len="med"/>
+          </a:ln>
+        </p:spPr>
+        <p:style>
+          <a:lnRef idx="0">
+            <a:scrgbClr r="0" g="0" b="0"/>
+          </a:lnRef>
+          <a:fillRef idx="0">
+            <a:scrgbClr r="0" g="0" b="0"/>
+          </a:fillRef>
+          <a:effectRef idx="0">
+            <a:scrgbClr r="0" g="0" b="0"/>
+          </a:effectRef>
+          <a:fontRef idx="minor">
+            <a:schemeClr val="dk1"/>
+          </a:fontRef>
+        </p:style>
+        <p:txBody>
+          <a:bodyPr rtlCol="0" anchor="ctr"/>
+          <a:lstStyle/>
+          <a:p>
+            <a:pPr algn="ctr"/>
+            <a:endParaRPr kumimoji="1" lang="ja-JP" altLang="en-US"/>
+          </a:p>
+        </p:txBody>
+      </p:sp>
+      <p:pic>
+        <p:nvPicPr>
+          <p:cNvPr id="84" name="図 83">
+            <a:extLst>
+              <a:ext uri="{FF2B5EF4-FFF2-40B4-BE49-F238E27FC236}">
+                <a16:creationId xmlns:a16="http://schemas.microsoft.com/office/drawing/2014/main" id="{213CA9CD-055B-4215-A576-CC9593B6FDAD}"/>
+              </a:ext>
+            </a:extLst>
+          </p:cNvPr>
+          <p:cNvPicPr>
+            <a:picLocks noChangeAspect="1"/>
+          </p:cNvPicPr>
+          <p:nvPr/>
+        </p:nvPicPr>
+        <p:blipFill>
+          <a:blip r:embed="rId6">
+            <a:extLst>
+              <a:ext uri="{28A0092B-C50C-407E-A947-70E740481C1C}">
+                <a14:useLocalDpi xmlns:a14="http://schemas.microsoft.com/office/drawing/2010/main" val="0"/>
+              </a:ext>
+            </a:extLst>
+          </a:blip>
+          <a:stretch>
+            <a:fillRect/>
+          </a:stretch>
+        </p:blipFill>
+        <p:spPr>
+          <a:xfrm>
+            <a:off x="6395849" y="4220942"/>
+            <a:ext cx="346818" cy="346818"/>
+          </a:xfrm>
+          <a:prstGeom prst="rect">
+            <a:avLst/>
+          </a:prstGeom>
+        </p:spPr>
+      </p:pic>
+      <p:pic>
+        <p:nvPicPr>
+          <p:cNvPr id="86" name="図 85">
+            <a:extLst>
+              <a:ext uri="{FF2B5EF4-FFF2-40B4-BE49-F238E27FC236}">
+                <a16:creationId xmlns:a16="http://schemas.microsoft.com/office/drawing/2014/main" id="{10AB7F9D-C750-423A-B8ED-B71D332091BE}"/>
+              </a:ext>
+            </a:extLst>
+          </p:cNvPr>
+          <p:cNvPicPr>
+            <a:picLocks noChangeAspect="1"/>
+          </p:cNvPicPr>
+          <p:nvPr/>
+        </p:nvPicPr>
+        <p:blipFill>
+          <a:blip r:embed="rId7">
+            <a:extLst>
+              <a:ext uri="{28A0092B-C50C-407E-A947-70E740481C1C}">
+                <a14:useLocalDpi xmlns:a14="http://schemas.microsoft.com/office/drawing/2010/main" val="0"/>
+              </a:ext>
+            </a:extLst>
+          </a:blip>
+          <a:stretch>
+            <a:fillRect/>
+          </a:stretch>
+        </p:blipFill>
+        <p:spPr>
+          <a:xfrm>
+            <a:off x="6367588" y="3530174"/>
+            <a:ext cx="399589" cy="399589"/>
+          </a:xfrm>
+          <a:prstGeom prst="rect">
+            <a:avLst/>
+          </a:prstGeom>
+        </p:spPr>
+      </p:pic>
+      <p:pic>
+        <p:nvPicPr>
+          <p:cNvPr id="88" name="図 87">
+            <a:extLst>
+              <a:ext uri="{FF2B5EF4-FFF2-40B4-BE49-F238E27FC236}">
+                <a16:creationId xmlns:a16="http://schemas.microsoft.com/office/drawing/2014/main" id="{7EA5CA62-B0D2-4A1E-933D-E6195B51DB56}"/>
+              </a:ext>
+            </a:extLst>
+          </p:cNvPr>
+          <p:cNvPicPr>
+            <a:picLocks noChangeAspect="1"/>
+          </p:cNvPicPr>
+          <p:nvPr/>
+        </p:nvPicPr>
+        <p:blipFill>
+          <a:blip r:embed="rId8">
+            <a:extLst>
+              <a:ext uri="{28A0092B-C50C-407E-A947-70E740481C1C}">
+                <a14:useLocalDpi xmlns:a14="http://schemas.microsoft.com/office/drawing/2010/main" val="0"/>
+              </a:ext>
+            </a:extLst>
+          </a:blip>
+          <a:stretch>
+            <a:fillRect/>
+          </a:stretch>
+        </p:blipFill>
+        <p:spPr>
+          <a:xfrm>
+            <a:off x="6711599" y="3852333"/>
+            <a:ext cx="390005" cy="390005"/>
+          </a:xfrm>
+          <a:prstGeom prst="rect">
+            <a:avLst/>
+          </a:prstGeom>
+        </p:spPr>
+      </p:pic>
+      <p:pic>
+        <p:nvPicPr>
+          <p:cNvPr id="90" name="図 89">
+            <a:extLst>
+              <a:ext uri="{FF2B5EF4-FFF2-40B4-BE49-F238E27FC236}">
+                <a16:creationId xmlns:a16="http://schemas.microsoft.com/office/drawing/2014/main" id="{0769C166-29B6-45A1-871D-0DB5393371AE}"/>
+              </a:ext>
+            </a:extLst>
+          </p:cNvPr>
+          <p:cNvPicPr>
+            <a:picLocks noChangeAspect="1"/>
+          </p:cNvPicPr>
+          <p:nvPr/>
+        </p:nvPicPr>
+        <p:blipFill>
+          <a:blip r:embed="rId9">
+            <a:extLst>
+              <a:ext uri="{28A0092B-C50C-407E-A947-70E740481C1C}">
+                <a14:useLocalDpi xmlns:a14="http://schemas.microsoft.com/office/drawing/2010/main" val="0"/>
+              </a:ext>
+            </a:extLst>
+          </a:blip>
+          <a:stretch>
+            <a:fillRect/>
+          </a:stretch>
+        </p:blipFill>
+        <p:spPr>
+          <a:xfrm>
+            <a:off x="6046242" y="3853439"/>
+            <a:ext cx="394530" cy="394530"/>
+          </a:xfrm>
+          <a:prstGeom prst="rect">
+            <a:avLst/>
+          </a:prstGeom>
+        </p:spPr>
+      </p:pic>
+      <p:sp>
+        <p:nvSpPr>
+          <p:cNvPr id="4" name="テキスト ボックス 3">
+            <a:extLst>
+              <a:ext uri="{FF2B5EF4-FFF2-40B4-BE49-F238E27FC236}">
+                <a16:creationId xmlns:a16="http://schemas.microsoft.com/office/drawing/2014/main" id="{F0CCD95E-DA86-42B7-ACAF-DF53A28CE6CF}"/>
+              </a:ext>
+            </a:extLst>
+          </p:cNvPr>
+          <p:cNvSpPr txBox="1"/>
+          <p:nvPr/>
+        </p:nvSpPr>
+        <p:spPr>
+          <a:xfrm>
+            <a:off x="6511429" y="1884897"/>
+            <a:ext cx="515679" cy="338554"/>
+          </a:xfrm>
+          <a:prstGeom prst="rect">
+            <a:avLst/>
+          </a:prstGeom>
+          <a:noFill/>
+        </p:spPr>
+        <p:txBody>
+          <a:bodyPr wrap="square" rtlCol="0">
+            <a:spAutoFit/>
+          </a:bodyPr>
+          <a:lstStyle/>
+          <a:p>
+            <a:r>
+              <a:rPr kumimoji="1" lang="en-US" altLang="ja-JP" sz="1600" dirty="0">
+                <a:latin typeface="HGP創英角ｺﾞｼｯｸUB" panose="020B0900000000000000" pitchFamily="50" charset="-128"/>
+                <a:ea typeface="HGP創英角ｺﾞｼｯｸUB" panose="020B0900000000000000" pitchFamily="50" charset="-128"/>
+              </a:rPr>
+              <a:t>RT</a:t>
+            </a:r>
+            <a:endParaRPr kumimoji="1" lang="ja-JP" altLang="en-US" sz="1600" dirty="0">
+              <a:latin typeface="HGP創英角ｺﾞｼｯｸUB" panose="020B0900000000000000" pitchFamily="50" charset="-128"/>
+              <a:ea typeface="HGP創英角ｺﾞｼｯｸUB" panose="020B0900000000000000" pitchFamily="50" charset="-128"/>
+            </a:endParaRPr>
+          </a:p>
+        </p:txBody>
+      </p:sp>
+      <p:sp>
+        <p:nvSpPr>
+          <p:cNvPr id="91" name="テキスト ボックス 90">
+            <a:extLst>
+              <a:ext uri="{FF2B5EF4-FFF2-40B4-BE49-F238E27FC236}">
+                <a16:creationId xmlns:a16="http://schemas.microsoft.com/office/drawing/2014/main" id="{2EA0F577-C196-43E5-ABD3-3BFFCD113A78}"/>
+              </a:ext>
+            </a:extLst>
+          </p:cNvPr>
+          <p:cNvSpPr txBox="1"/>
+          <p:nvPr/>
+        </p:nvSpPr>
+        <p:spPr>
+          <a:xfrm>
+            <a:off x="6395849" y="2259734"/>
+            <a:ext cx="515679" cy="338554"/>
+          </a:xfrm>
+          <a:prstGeom prst="rect">
+            <a:avLst/>
+          </a:prstGeom>
+          <a:noFill/>
+        </p:spPr>
+        <p:txBody>
+          <a:bodyPr wrap="square" rtlCol="0">
+            <a:spAutoFit/>
+          </a:bodyPr>
+          <a:lstStyle/>
+          <a:p>
+            <a:r>
+              <a:rPr kumimoji="1" lang="en-US" altLang="ja-JP" sz="1600" dirty="0">
+                <a:latin typeface="HGP創英角ｺﾞｼｯｸUB" panose="020B0900000000000000" pitchFamily="50" charset="-128"/>
+                <a:ea typeface="HGP創英角ｺﾞｼｯｸUB" panose="020B0900000000000000" pitchFamily="50" charset="-128"/>
+              </a:rPr>
+              <a:t>RB</a:t>
+            </a:r>
+            <a:endParaRPr kumimoji="1" lang="ja-JP" altLang="en-US" sz="1600" dirty="0">
+              <a:latin typeface="HGP創英角ｺﾞｼｯｸUB" panose="020B0900000000000000" pitchFamily="50" charset="-128"/>
+              <a:ea typeface="HGP創英角ｺﾞｼｯｸUB" panose="020B0900000000000000" pitchFamily="50" charset="-128"/>
+            </a:endParaRPr>
+          </a:p>
+        </p:txBody>
+      </p:sp>
+      <p:sp>
+        <p:nvSpPr>
+          <p:cNvPr id="6" name="テキスト ボックス 5">
+            <a:extLst>
+              <a:ext uri="{FF2B5EF4-FFF2-40B4-BE49-F238E27FC236}">
+                <a16:creationId xmlns:a16="http://schemas.microsoft.com/office/drawing/2014/main" id="{D3202AED-A6C3-AAAB-C93E-AC807DF4C724}"/>
+              </a:ext>
+            </a:extLst>
+          </p:cNvPr>
+          <p:cNvSpPr txBox="1"/>
+          <p:nvPr/>
+        </p:nvSpPr>
+        <p:spPr>
+          <a:xfrm>
+            <a:off x="4403127" y="252100"/>
+            <a:ext cx="5064207" cy="830997"/>
           </a:xfrm>
           <a:prstGeom prst="rect">
             <a:avLst/>
@@ -3714,6 +5270,21 @@
           </a:bodyPr>
           <a:lstStyle/>
           <a:p>
+            <a:r>
+              <a:rPr lang="ja-JP" altLang="en-US" sz="4800" dirty="0">
+                <a:ln w="28575">
+                  <a:solidFill>
+                    <a:schemeClr val="tx1"/>
+                  </a:solidFill>
+                </a:ln>
+                <a:solidFill>
+                  <a:schemeClr val="bg1"/>
+                </a:solidFill>
+                <a:latin typeface="HGP創英角ｺﾞｼｯｸUB" panose="020B0900000000000000" pitchFamily="50" charset="-128"/>
+                <a:ea typeface="HGP創英角ｺﾞｼｯｸUB" panose="020B0900000000000000" pitchFamily="50" charset="-128"/>
+              </a:rPr>
+              <a:t>狩猟時の操作</a:t>
+            </a:r>
             <a:r>
               <a:rPr kumimoji="1" lang="ja-JP" altLang="en-US" sz="4800" dirty="0">
                 <a:ln w="28575">
@@ -3727,128 +5298,17 @@
                 <a:latin typeface="HGP創英角ｺﾞｼｯｸUB" panose="020B0900000000000000" pitchFamily="50" charset="-128"/>
                 <a:ea typeface="HGP創英角ｺﾞｼｯｸUB" panose="020B0900000000000000" pitchFamily="50" charset="-128"/>
               </a:rPr>
-              <a:t>操作説明</a:t>
-            </a:r>
-          </a:p>
-        </p:txBody>
-      </p:sp>
-      <p:pic>
-        <p:nvPicPr>
-          <p:cNvPr id="12" name="図 11">
-            <a:extLst>
-              <a:ext uri="{FF2B5EF4-FFF2-40B4-BE49-F238E27FC236}">
-                <a16:creationId xmlns:a16="http://schemas.microsoft.com/office/drawing/2014/main" id="{F46ED1A9-51E7-45CB-BF8B-09800ECDA170}"/>
-              </a:ext>
-            </a:extLst>
-          </p:cNvPr>
-          <p:cNvPicPr>
-            <a:picLocks noChangeAspect="1"/>
-          </p:cNvPicPr>
-          <p:nvPr/>
-        </p:nvPicPr>
-        <p:blipFill>
-          <a:blip r:embed="rId4">
-            <a:extLst>
-              <a:ext uri="{28A0092B-C50C-407E-A947-70E740481C1C}">
-                <a14:useLocalDpi xmlns:a14="http://schemas.microsoft.com/office/drawing/2010/main" val="0"/>
-              </a:ext>
-            </a:extLst>
-          </a:blip>
-          <a:stretch>
-            <a:fillRect/>
-          </a:stretch>
-        </p:blipFill>
-        <p:spPr>
-          <a:xfrm>
-            <a:off x="912640" y="1750606"/>
-            <a:ext cx="3375736" cy="987449"/>
-          </a:xfrm>
-          <a:prstGeom prst="rect">
-            <a:avLst/>
-          </a:prstGeom>
-        </p:spPr>
-      </p:pic>
-      <p:pic>
-        <p:nvPicPr>
-          <p:cNvPr id="14" name="図 13">
-            <a:extLst>
-              <a:ext uri="{FF2B5EF4-FFF2-40B4-BE49-F238E27FC236}">
-                <a16:creationId xmlns:a16="http://schemas.microsoft.com/office/drawing/2014/main" id="{195B47F7-BB95-42E2-9A12-786371F234B7}"/>
-              </a:ext>
-            </a:extLst>
-          </p:cNvPr>
-          <p:cNvPicPr>
-            <a:picLocks noChangeAspect="1"/>
-          </p:cNvPicPr>
-          <p:nvPr/>
-        </p:nvPicPr>
-        <p:blipFill>
-          <a:blip r:embed="rId5">
-            <a:extLst>
-              <a:ext uri="{28A0092B-C50C-407E-A947-70E740481C1C}">
-                <a14:useLocalDpi xmlns:a14="http://schemas.microsoft.com/office/drawing/2010/main" val="0"/>
-              </a:ext>
-            </a:extLst>
-          </a:blip>
-          <a:stretch>
-            <a:fillRect/>
-          </a:stretch>
-        </p:blipFill>
-        <p:spPr>
-          <a:xfrm>
-            <a:off x="796895" y="2931974"/>
-            <a:ext cx="3607227" cy="2591963"/>
-          </a:xfrm>
-          <a:prstGeom prst="rect">
-            <a:avLst/>
-          </a:prstGeom>
-        </p:spPr>
-      </p:pic>
-      <p:cxnSp>
-        <p:nvCxnSpPr>
-          <p:cNvPr id="17" name="直線コネクタ 16">
-            <a:extLst>
-              <a:ext uri="{FF2B5EF4-FFF2-40B4-BE49-F238E27FC236}">
-                <a16:creationId xmlns:a16="http://schemas.microsoft.com/office/drawing/2014/main" id="{6C74236E-2C61-4757-98A7-779869D57D3B}"/>
-              </a:ext>
-            </a:extLst>
-          </p:cNvPr>
-          <p:cNvCxnSpPr>
-            <a:cxnSpLocks/>
-            <a:endCxn id="20" idx="3"/>
-          </p:cNvCxnSpPr>
-          <p:nvPr/>
-        </p:nvCxnSpPr>
-        <p:spPr>
-          <a:xfrm flipH="1" flipV="1">
-            <a:off x="973381" y="3339077"/>
-            <a:ext cx="645464" cy="366749"/>
-          </a:xfrm>
-          <a:prstGeom prst="line">
-            <a:avLst/>
-          </a:prstGeom>
-        </p:spPr>
-        <p:style>
-          <a:lnRef idx="3">
-            <a:schemeClr val="dk1"/>
-          </a:lnRef>
-          <a:fillRef idx="0">
-            <a:schemeClr val="dk1"/>
-          </a:fillRef>
-          <a:effectRef idx="2">
-            <a:schemeClr val="dk1"/>
-          </a:effectRef>
-          <a:fontRef idx="minor">
-            <a:schemeClr val="tx1"/>
-          </a:fontRef>
-        </p:style>
-      </p:cxnSp>
-      <p:sp>
-        <p:nvSpPr>
-          <p:cNvPr id="20" name="テキスト ボックス 19">
-            <a:extLst>
-              <a:ext uri="{FF2B5EF4-FFF2-40B4-BE49-F238E27FC236}">
-                <a16:creationId xmlns:a16="http://schemas.microsoft.com/office/drawing/2014/main" id="{D3FDA243-D3A4-4F5E-AB7E-3690ADF6496D}"/>
+              <a:t>説明</a:t>
+            </a:r>
+          </a:p>
+        </p:txBody>
+      </p:sp>
+      <p:sp>
+        <p:nvSpPr>
+          <p:cNvPr id="37" name="テキスト ボックス 36">
+            <a:extLst>
+              <a:ext uri="{FF2B5EF4-FFF2-40B4-BE49-F238E27FC236}">
+                <a16:creationId xmlns:a16="http://schemas.microsoft.com/office/drawing/2014/main" id="{5C71D002-9C91-1DD4-1985-2938D2CB365C}"/>
               </a:ext>
             </a:extLst>
           </p:cNvPr>
@@ -3857,8 +5317,8 @@
         </p:nvSpPr>
         <p:spPr>
           <a:xfrm>
-            <a:off x="275754" y="3139022"/>
-            <a:ext cx="697627" cy="400110"/>
+            <a:off x="8937688" y="2109391"/>
+            <a:ext cx="1717785" cy="400110"/>
           </a:xfrm>
           <a:prstGeom prst="rect">
             <a:avLst/>
@@ -3876,687 +5336,17 @@
                 <a:latin typeface="HGP創英角ｺﾞｼｯｸUB" panose="020B0900000000000000" pitchFamily="50" charset="-128"/>
                 <a:ea typeface="HGP創英角ｺﾞｼｯｸUB" panose="020B0900000000000000" pitchFamily="50" charset="-128"/>
               </a:rPr>
-              <a:t>移動</a:t>
-            </a:r>
-          </a:p>
-        </p:txBody>
-      </p:sp>
-      <p:cxnSp>
-        <p:nvCxnSpPr>
-          <p:cNvPr id="21" name="直線コネクタ 20">
-            <a:extLst>
-              <a:ext uri="{FF2B5EF4-FFF2-40B4-BE49-F238E27FC236}">
-                <a16:creationId xmlns:a16="http://schemas.microsoft.com/office/drawing/2014/main" id="{401308E2-34A5-494B-88ED-37DFFDD06BA0}"/>
-              </a:ext>
-            </a:extLst>
-          </p:cNvPr>
-          <p:cNvCxnSpPr>
-            <a:cxnSpLocks/>
-            <a:endCxn id="25" idx="3"/>
-          </p:cNvCxnSpPr>
-          <p:nvPr/>
-        </p:nvCxnSpPr>
-        <p:spPr>
-          <a:xfrm flipH="1">
-            <a:off x="1067157" y="4320791"/>
-            <a:ext cx="1095691" cy="1528651"/>
-          </a:xfrm>
-          <a:prstGeom prst="line">
-            <a:avLst/>
-          </a:prstGeom>
-        </p:spPr>
-        <p:style>
-          <a:lnRef idx="3">
-            <a:schemeClr val="dk1"/>
-          </a:lnRef>
-          <a:fillRef idx="0">
-            <a:schemeClr val="dk1"/>
-          </a:fillRef>
-          <a:effectRef idx="2">
-            <a:schemeClr val="dk1"/>
-          </a:effectRef>
-          <a:fontRef idx="minor">
-            <a:schemeClr val="tx1"/>
-          </a:fontRef>
-        </p:style>
-      </p:cxnSp>
-      <p:sp>
-        <p:nvSpPr>
-          <p:cNvPr id="25" name="テキスト ボックス 24">
-            <a:extLst>
-              <a:ext uri="{FF2B5EF4-FFF2-40B4-BE49-F238E27FC236}">
-                <a16:creationId xmlns:a16="http://schemas.microsoft.com/office/drawing/2014/main" id="{8834E3A2-5E9C-4C71-BB0B-60D1D4EDF3AE}"/>
-              </a:ext>
-            </a:extLst>
-          </p:cNvPr>
-          <p:cNvSpPr txBox="1"/>
-          <p:nvPr/>
-        </p:nvSpPr>
-        <p:spPr>
-          <a:xfrm>
-            <a:off x="154728" y="5649387"/>
-            <a:ext cx="912429" cy="400110"/>
-          </a:xfrm>
-          <a:prstGeom prst="rect">
-            <a:avLst/>
-          </a:prstGeom>
-          <a:noFill/>
-        </p:spPr>
-        <p:txBody>
-          <a:bodyPr wrap="square" rtlCol="0">
-            <a:spAutoFit/>
-          </a:bodyPr>
-          <a:lstStyle/>
-          <a:p>
-            <a:r>
-              <a:rPr kumimoji="1" lang="en-US" altLang="ja-JP" sz="2000" dirty="0">
-                <a:latin typeface="HGP創英角ｺﾞｼｯｸUB" panose="020B0900000000000000" pitchFamily="50" charset="-128"/>
-                <a:ea typeface="HGP創英角ｺﾞｼｯｸUB" panose="020B0900000000000000" pitchFamily="50" charset="-128"/>
-              </a:rPr>
-              <a:t>UI</a:t>
-            </a:r>
-            <a:r>
-              <a:rPr kumimoji="1" lang="ja-JP" altLang="en-US" sz="2000" dirty="0">
-                <a:latin typeface="HGP創英角ｺﾞｼｯｸUB" panose="020B0900000000000000" pitchFamily="50" charset="-128"/>
-                <a:ea typeface="HGP創英角ｺﾞｼｯｸUB" panose="020B0900000000000000" pitchFamily="50" charset="-128"/>
-              </a:rPr>
-              <a:t>操作</a:t>
-            </a:r>
-          </a:p>
-        </p:txBody>
-      </p:sp>
-      <p:cxnSp>
-        <p:nvCxnSpPr>
-          <p:cNvPr id="26" name="直線コネクタ 25">
-            <a:extLst>
-              <a:ext uri="{FF2B5EF4-FFF2-40B4-BE49-F238E27FC236}">
-                <a16:creationId xmlns:a16="http://schemas.microsoft.com/office/drawing/2014/main" id="{5502B196-8782-4B5F-9349-2A33464B3EB6}"/>
-              </a:ext>
-            </a:extLst>
-          </p:cNvPr>
-          <p:cNvCxnSpPr>
-            <a:cxnSpLocks/>
-            <a:stCxn id="29" idx="1"/>
-          </p:cNvCxnSpPr>
-          <p:nvPr/>
-        </p:nvCxnSpPr>
-        <p:spPr>
-          <a:xfrm flipH="1" flipV="1">
-            <a:off x="3065122" y="4353989"/>
-            <a:ext cx="1649302" cy="1325441"/>
-          </a:xfrm>
-          <a:prstGeom prst="line">
-            <a:avLst/>
-          </a:prstGeom>
-        </p:spPr>
-        <p:style>
-          <a:lnRef idx="3">
-            <a:schemeClr val="dk1"/>
-          </a:lnRef>
-          <a:fillRef idx="0">
-            <a:schemeClr val="dk1"/>
-          </a:fillRef>
-          <a:effectRef idx="2">
-            <a:schemeClr val="dk1"/>
-          </a:effectRef>
-          <a:fontRef idx="minor">
-            <a:schemeClr val="tx1"/>
-          </a:fontRef>
-        </p:style>
-      </p:cxnSp>
-      <p:sp>
-        <p:nvSpPr>
-          <p:cNvPr id="29" name="テキスト ボックス 28">
-            <a:extLst>
-              <a:ext uri="{FF2B5EF4-FFF2-40B4-BE49-F238E27FC236}">
-                <a16:creationId xmlns:a16="http://schemas.microsoft.com/office/drawing/2014/main" id="{583E1006-EECC-4F5C-8AD1-B2680394D3FA}"/>
-              </a:ext>
-            </a:extLst>
-          </p:cNvPr>
-          <p:cNvSpPr txBox="1"/>
-          <p:nvPr/>
-        </p:nvSpPr>
-        <p:spPr>
-          <a:xfrm>
-            <a:off x="4714424" y="5479375"/>
-            <a:ext cx="1317466" cy="400110"/>
-          </a:xfrm>
-          <a:prstGeom prst="rect">
-            <a:avLst/>
-          </a:prstGeom>
-          <a:noFill/>
-        </p:spPr>
-        <p:txBody>
-          <a:bodyPr wrap="square" rtlCol="0">
-            <a:spAutoFit/>
-          </a:bodyPr>
-          <a:lstStyle/>
-          <a:p>
-            <a:r>
-              <a:rPr kumimoji="1" lang="ja-JP" altLang="en-US" sz="2000" dirty="0">
-                <a:latin typeface="HGP創英角ｺﾞｼｯｸUB" panose="020B0900000000000000" pitchFamily="50" charset="-128"/>
-                <a:ea typeface="HGP創英角ｺﾞｼｯｸUB" panose="020B0900000000000000" pitchFamily="50" charset="-128"/>
-              </a:rPr>
-              <a:t>カメラ操作</a:t>
-            </a:r>
-          </a:p>
-        </p:txBody>
-      </p:sp>
-      <p:cxnSp>
-        <p:nvCxnSpPr>
-          <p:cNvPr id="30" name="直線コネクタ 29">
-            <a:extLst>
-              <a:ext uri="{FF2B5EF4-FFF2-40B4-BE49-F238E27FC236}">
-                <a16:creationId xmlns:a16="http://schemas.microsoft.com/office/drawing/2014/main" id="{20C3F061-6832-46C2-89A9-106858D82BC4}"/>
-              </a:ext>
-            </a:extLst>
-          </p:cNvPr>
-          <p:cNvCxnSpPr>
-            <a:cxnSpLocks/>
-            <a:stCxn id="33" idx="1"/>
-          </p:cNvCxnSpPr>
-          <p:nvPr/>
-        </p:nvCxnSpPr>
-        <p:spPr>
-          <a:xfrm flipH="1">
-            <a:off x="3712933" y="995301"/>
-            <a:ext cx="956499" cy="954380"/>
-          </a:xfrm>
-          <a:prstGeom prst="line">
-            <a:avLst/>
-          </a:prstGeom>
-        </p:spPr>
-        <p:style>
-          <a:lnRef idx="3">
-            <a:schemeClr val="dk1"/>
-          </a:lnRef>
-          <a:fillRef idx="0">
-            <a:schemeClr val="dk1"/>
-          </a:fillRef>
-          <a:effectRef idx="2">
-            <a:schemeClr val="dk1"/>
-          </a:effectRef>
-          <a:fontRef idx="minor">
-            <a:schemeClr val="tx1"/>
-          </a:fontRef>
-        </p:style>
-      </p:cxnSp>
-      <p:sp>
-        <p:nvSpPr>
-          <p:cNvPr id="33" name="テキスト ボックス 32">
-            <a:extLst>
-              <a:ext uri="{FF2B5EF4-FFF2-40B4-BE49-F238E27FC236}">
-                <a16:creationId xmlns:a16="http://schemas.microsoft.com/office/drawing/2014/main" id="{1BE37447-79F5-4473-9717-C56D0AABC87F}"/>
-              </a:ext>
-            </a:extLst>
-          </p:cNvPr>
-          <p:cNvSpPr txBox="1"/>
-          <p:nvPr/>
-        </p:nvSpPr>
-        <p:spPr>
-          <a:xfrm>
-            <a:off x="4669432" y="795246"/>
-            <a:ext cx="1332416" cy="400110"/>
-          </a:xfrm>
-          <a:prstGeom prst="rect">
-            <a:avLst/>
-          </a:prstGeom>
-          <a:noFill/>
-        </p:spPr>
-        <p:txBody>
-          <a:bodyPr wrap="square" rtlCol="0">
-            <a:spAutoFit/>
-          </a:bodyPr>
-          <a:lstStyle/>
-          <a:p>
-            <a:r>
-              <a:rPr kumimoji="1" lang="ja-JP" altLang="en-US" sz="2000" dirty="0">
-                <a:latin typeface="HGP創英角ｺﾞｼｯｸUB" panose="020B0900000000000000" pitchFamily="50" charset="-128"/>
-                <a:ea typeface="HGP創英角ｺﾞｼｯｸUB" panose="020B0900000000000000" pitchFamily="50" charset="-128"/>
-              </a:rPr>
-              <a:t>気刃斬り</a:t>
-            </a:r>
-          </a:p>
-        </p:txBody>
-      </p:sp>
-      <p:cxnSp>
-        <p:nvCxnSpPr>
-          <p:cNvPr id="34" name="直線コネクタ 33">
-            <a:extLst>
-              <a:ext uri="{FF2B5EF4-FFF2-40B4-BE49-F238E27FC236}">
-                <a16:creationId xmlns:a16="http://schemas.microsoft.com/office/drawing/2014/main" id="{FC3E01DB-068D-408B-B2A7-371EE90CA020}"/>
-              </a:ext>
-            </a:extLst>
-          </p:cNvPr>
-          <p:cNvCxnSpPr>
-            <a:cxnSpLocks/>
-            <a:stCxn id="36" idx="1"/>
-          </p:cNvCxnSpPr>
-          <p:nvPr/>
-        </p:nvCxnSpPr>
-        <p:spPr>
-          <a:xfrm flipH="1">
-            <a:off x="3759331" y="1756993"/>
-            <a:ext cx="958158" cy="546397"/>
-          </a:xfrm>
-          <a:prstGeom prst="line">
-            <a:avLst/>
-          </a:prstGeom>
-        </p:spPr>
-        <p:style>
-          <a:lnRef idx="3">
-            <a:schemeClr val="dk1"/>
-          </a:lnRef>
-          <a:fillRef idx="0">
-            <a:schemeClr val="dk1"/>
-          </a:fillRef>
-          <a:effectRef idx="2">
-            <a:schemeClr val="dk1"/>
-          </a:effectRef>
-          <a:fontRef idx="minor">
-            <a:schemeClr val="tx1"/>
-          </a:fontRef>
-        </p:style>
-      </p:cxnSp>
-      <p:sp>
-        <p:nvSpPr>
-          <p:cNvPr id="36" name="テキスト ボックス 35">
-            <a:extLst>
-              <a:ext uri="{FF2B5EF4-FFF2-40B4-BE49-F238E27FC236}">
-                <a16:creationId xmlns:a16="http://schemas.microsoft.com/office/drawing/2014/main" id="{8548B1AB-C01C-4BE3-AE98-914D12B178E8}"/>
-              </a:ext>
-            </a:extLst>
-          </p:cNvPr>
-          <p:cNvSpPr txBox="1"/>
-          <p:nvPr/>
-        </p:nvSpPr>
-        <p:spPr>
-          <a:xfrm>
-            <a:off x="4717489" y="1403050"/>
-            <a:ext cx="1154483" cy="707886"/>
-          </a:xfrm>
-          <a:prstGeom prst="rect">
-            <a:avLst/>
-          </a:prstGeom>
-          <a:noFill/>
-        </p:spPr>
-        <p:txBody>
-          <a:bodyPr wrap="square" rtlCol="0">
-            <a:spAutoFit/>
-          </a:bodyPr>
-          <a:lstStyle/>
-          <a:p>
-            <a:r>
-              <a:rPr kumimoji="1" lang="ja-JP" altLang="en-US" sz="2000" dirty="0">
-                <a:latin typeface="HGP創英角ｺﾞｼｯｸUB" panose="020B0900000000000000" pitchFamily="50" charset="-128"/>
-                <a:ea typeface="HGP創英角ｺﾞｼｯｸUB" panose="020B0900000000000000" pitchFamily="50" charset="-128"/>
-              </a:rPr>
-              <a:t>納刀</a:t>
-            </a:r>
-            <a:endParaRPr kumimoji="1" lang="en-US" altLang="ja-JP" sz="2000" dirty="0">
-              <a:latin typeface="HGP創英角ｺﾞｼｯｸUB" panose="020B0900000000000000" pitchFamily="50" charset="-128"/>
-              <a:ea typeface="HGP創英角ｺﾞｼｯｸUB" panose="020B0900000000000000" pitchFamily="50" charset="-128"/>
-            </a:endParaRPr>
-          </a:p>
-          <a:p>
-            <a:r>
-              <a:rPr lang="ja-JP" altLang="en-US" sz="2000" dirty="0">
-                <a:latin typeface="HGP創英角ｺﾞｼｯｸUB" panose="020B0900000000000000" pitchFamily="50" charset="-128"/>
-                <a:ea typeface="HGP創英角ｺﾞｼｯｸUB" panose="020B0900000000000000" pitchFamily="50" charset="-128"/>
-              </a:rPr>
-              <a:t>ダッシュ</a:t>
-            </a:r>
-            <a:endParaRPr kumimoji="1" lang="ja-JP" altLang="en-US" sz="2000" dirty="0">
-              <a:latin typeface="HGP創英角ｺﾞｼｯｸUB" panose="020B0900000000000000" pitchFamily="50" charset="-128"/>
-              <a:ea typeface="HGP創英角ｺﾞｼｯｸUB" panose="020B0900000000000000" pitchFamily="50" charset="-128"/>
-            </a:endParaRPr>
-          </a:p>
-        </p:txBody>
-      </p:sp>
-      <p:cxnSp>
-        <p:nvCxnSpPr>
-          <p:cNvPr id="47" name="直線コネクタ 46">
-            <a:extLst>
-              <a:ext uri="{FF2B5EF4-FFF2-40B4-BE49-F238E27FC236}">
-                <a16:creationId xmlns:a16="http://schemas.microsoft.com/office/drawing/2014/main" id="{DD6D8EC8-8F10-4C42-9F7B-EAE39FBEE8BF}"/>
-              </a:ext>
-            </a:extLst>
-          </p:cNvPr>
-          <p:cNvCxnSpPr>
-            <a:cxnSpLocks/>
-            <a:stCxn id="81" idx="1"/>
-          </p:cNvCxnSpPr>
-          <p:nvPr/>
-        </p:nvCxnSpPr>
-        <p:spPr>
-          <a:xfrm flipH="1">
-            <a:off x="3530376" y="2631160"/>
-            <a:ext cx="1245924" cy="856979"/>
-          </a:xfrm>
-          <a:prstGeom prst="line">
-            <a:avLst/>
-          </a:prstGeom>
-        </p:spPr>
-        <p:style>
-          <a:lnRef idx="3">
-            <a:schemeClr val="dk1"/>
-          </a:lnRef>
-          <a:fillRef idx="0">
-            <a:schemeClr val="dk1"/>
-          </a:fillRef>
-          <a:effectRef idx="2">
-            <a:schemeClr val="dk1"/>
-          </a:effectRef>
-          <a:fontRef idx="minor">
-            <a:schemeClr val="tx1"/>
-          </a:fontRef>
-        </p:style>
-      </p:cxnSp>
-      <p:sp>
-        <p:nvSpPr>
-          <p:cNvPr id="48" name="テキスト ボックス 47">
-            <a:extLst>
-              <a:ext uri="{FF2B5EF4-FFF2-40B4-BE49-F238E27FC236}">
-                <a16:creationId xmlns:a16="http://schemas.microsoft.com/office/drawing/2014/main" id="{E804CD0D-2E3F-4132-A13F-479459F4FD7C}"/>
-              </a:ext>
-            </a:extLst>
-          </p:cNvPr>
-          <p:cNvSpPr txBox="1"/>
-          <p:nvPr/>
-        </p:nvSpPr>
-        <p:spPr>
-          <a:xfrm>
-            <a:off x="4768336" y="2266827"/>
-            <a:ext cx="1797920" cy="707886"/>
-          </a:xfrm>
-          <a:prstGeom prst="rect">
-            <a:avLst/>
-          </a:prstGeom>
-          <a:noFill/>
-        </p:spPr>
-        <p:txBody>
-          <a:bodyPr wrap="square" rtlCol="0">
-            <a:spAutoFit/>
-          </a:bodyPr>
-          <a:lstStyle/>
-          <a:p>
-            <a:r>
-              <a:rPr kumimoji="1" lang="ja-JP" altLang="en-US" sz="2000" dirty="0">
-                <a:latin typeface="HGP創英角ｺﾞｼｯｸUB" panose="020B0900000000000000" pitchFamily="50" charset="-128"/>
-                <a:ea typeface="HGP創英角ｺﾞｼｯｸUB" panose="020B0900000000000000" pitchFamily="50" charset="-128"/>
-              </a:rPr>
-              <a:t>抜刀</a:t>
-            </a:r>
-            <a:endParaRPr kumimoji="1" lang="en-US" altLang="ja-JP" sz="2000" dirty="0">
-              <a:latin typeface="HGP創英角ｺﾞｼｯｸUB" panose="020B0900000000000000" pitchFamily="50" charset="-128"/>
-              <a:ea typeface="HGP創英角ｺﾞｼｯｸUB" panose="020B0900000000000000" pitchFamily="50" charset="-128"/>
-            </a:endParaRPr>
-          </a:p>
-          <a:p>
-            <a:r>
-              <a:rPr kumimoji="1" lang="ja-JP" altLang="en-US" sz="2000" dirty="0">
-                <a:latin typeface="HGP創英角ｺﾞｼｯｸUB" panose="020B0900000000000000" pitchFamily="50" charset="-128"/>
-                <a:ea typeface="HGP創英角ｺﾞｼｯｸUB" panose="020B0900000000000000" pitchFamily="50" charset="-128"/>
-              </a:rPr>
-              <a:t>踏み込み斬り</a:t>
-            </a:r>
-          </a:p>
-        </p:txBody>
-      </p:sp>
-      <p:cxnSp>
-        <p:nvCxnSpPr>
-          <p:cNvPr id="56" name="直線コネクタ 55">
-            <a:extLst>
-              <a:ext uri="{FF2B5EF4-FFF2-40B4-BE49-F238E27FC236}">
-                <a16:creationId xmlns:a16="http://schemas.microsoft.com/office/drawing/2014/main" id="{C3F361F0-4371-4384-852A-DD825F025F25}"/>
-              </a:ext>
-            </a:extLst>
-          </p:cNvPr>
-          <p:cNvCxnSpPr>
-            <a:cxnSpLocks/>
-          </p:cNvCxnSpPr>
-          <p:nvPr/>
-        </p:nvCxnSpPr>
-        <p:spPr>
-          <a:xfrm flipH="1">
-            <a:off x="3901593" y="3372743"/>
-            <a:ext cx="815896" cy="324672"/>
-          </a:xfrm>
-          <a:prstGeom prst="line">
-            <a:avLst/>
-          </a:prstGeom>
-        </p:spPr>
-        <p:style>
-          <a:lnRef idx="3">
-            <a:schemeClr val="dk1"/>
-          </a:lnRef>
-          <a:fillRef idx="0">
-            <a:schemeClr val="dk1"/>
-          </a:fillRef>
-          <a:effectRef idx="2">
-            <a:schemeClr val="dk1"/>
-          </a:effectRef>
-          <a:fontRef idx="minor">
-            <a:schemeClr val="tx1"/>
-          </a:fontRef>
-        </p:style>
-      </p:cxnSp>
-      <p:sp>
-        <p:nvSpPr>
-          <p:cNvPr id="57" name="テキスト ボックス 56">
-            <a:extLst>
-              <a:ext uri="{FF2B5EF4-FFF2-40B4-BE49-F238E27FC236}">
-                <a16:creationId xmlns:a16="http://schemas.microsoft.com/office/drawing/2014/main" id="{FAB1FE0C-9385-45DC-AA06-35C02FF0A671}"/>
-              </a:ext>
-            </a:extLst>
-          </p:cNvPr>
-          <p:cNvSpPr txBox="1"/>
-          <p:nvPr/>
-        </p:nvSpPr>
-        <p:spPr>
-          <a:xfrm>
-            <a:off x="4735193" y="3182407"/>
-            <a:ext cx="770841" cy="400110"/>
-          </a:xfrm>
-          <a:prstGeom prst="rect">
-            <a:avLst/>
-          </a:prstGeom>
-          <a:noFill/>
-        </p:spPr>
-        <p:txBody>
-          <a:bodyPr wrap="square" rtlCol="0">
-            <a:spAutoFit/>
-          </a:bodyPr>
-          <a:lstStyle/>
-          <a:p>
-            <a:r>
-              <a:rPr kumimoji="1" lang="ja-JP" altLang="en-US" sz="2000" dirty="0">
-                <a:latin typeface="HGP創英角ｺﾞｼｯｸUB" panose="020B0900000000000000" pitchFamily="50" charset="-128"/>
-                <a:ea typeface="HGP創英角ｺﾞｼｯｸUB" panose="020B0900000000000000" pitchFamily="50" charset="-128"/>
-              </a:rPr>
-              <a:t>突き</a:t>
-            </a:r>
-          </a:p>
-        </p:txBody>
-      </p:sp>
-      <p:cxnSp>
-        <p:nvCxnSpPr>
-          <p:cNvPr id="59" name="直線コネクタ 58">
-            <a:extLst>
-              <a:ext uri="{FF2B5EF4-FFF2-40B4-BE49-F238E27FC236}">
-                <a16:creationId xmlns:a16="http://schemas.microsoft.com/office/drawing/2014/main" id="{8940A2CD-5A8D-4095-803F-853E4C9AF3E6}"/>
-              </a:ext>
-            </a:extLst>
-          </p:cNvPr>
-          <p:cNvCxnSpPr>
-            <a:cxnSpLocks/>
-            <a:stCxn id="60" idx="1"/>
-          </p:cNvCxnSpPr>
-          <p:nvPr/>
-        </p:nvCxnSpPr>
-        <p:spPr>
-          <a:xfrm flipH="1" flipV="1">
-            <a:off x="3552420" y="4095820"/>
-            <a:ext cx="1175820" cy="846414"/>
-          </a:xfrm>
-          <a:prstGeom prst="line">
-            <a:avLst/>
-          </a:prstGeom>
-        </p:spPr>
-        <p:style>
-          <a:lnRef idx="3">
-            <a:schemeClr val="dk1"/>
-          </a:lnRef>
-          <a:fillRef idx="0">
-            <a:schemeClr val="dk1"/>
-          </a:fillRef>
-          <a:effectRef idx="2">
-            <a:schemeClr val="dk1"/>
-          </a:effectRef>
-          <a:fontRef idx="minor">
-            <a:schemeClr val="tx1"/>
-          </a:fontRef>
-        </p:style>
-      </p:cxnSp>
-      <p:sp>
-        <p:nvSpPr>
-          <p:cNvPr id="60" name="テキスト ボックス 59">
-            <a:extLst>
-              <a:ext uri="{FF2B5EF4-FFF2-40B4-BE49-F238E27FC236}">
-                <a16:creationId xmlns:a16="http://schemas.microsoft.com/office/drawing/2014/main" id="{096CF559-DCB2-4FCE-8E18-F31B7F9A0CC4}"/>
-              </a:ext>
-            </a:extLst>
-          </p:cNvPr>
-          <p:cNvSpPr txBox="1"/>
-          <p:nvPr/>
-        </p:nvSpPr>
-        <p:spPr>
-          <a:xfrm>
-            <a:off x="4728240" y="4742179"/>
-            <a:ext cx="766654" cy="400110"/>
-          </a:xfrm>
-          <a:prstGeom prst="rect">
-            <a:avLst/>
-          </a:prstGeom>
-          <a:noFill/>
-        </p:spPr>
-        <p:txBody>
-          <a:bodyPr wrap="square" rtlCol="0">
-            <a:spAutoFit/>
-          </a:bodyPr>
-          <a:lstStyle/>
-          <a:p>
-            <a:r>
-              <a:rPr kumimoji="1" lang="ja-JP" altLang="en-US" sz="2000" dirty="0">
-                <a:latin typeface="HGP創英角ｺﾞｼｯｸUB" panose="020B0900000000000000" pitchFamily="50" charset="-128"/>
-                <a:ea typeface="HGP創英角ｺﾞｼｯｸUB" panose="020B0900000000000000" pitchFamily="50" charset="-128"/>
-              </a:rPr>
-              <a:t>回避</a:t>
-            </a:r>
-          </a:p>
-        </p:txBody>
-      </p:sp>
-      <p:cxnSp>
-        <p:nvCxnSpPr>
-          <p:cNvPr id="63" name="直線コネクタ 62">
-            <a:extLst>
-              <a:ext uri="{FF2B5EF4-FFF2-40B4-BE49-F238E27FC236}">
-                <a16:creationId xmlns:a16="http://schemas.microsoft.com/office/drawing/2014/main" id="{650C1001-5967-4019-B3BF-4EB6E0A930E3}"/>
-              </a:ext>
-            </a:extLst>
-          </p:cNvPr>
-          <p:cNvCxnSpPr>
-            <a:cxnSpLocks/>
-            <a:stCxn id="64" idx="1"/>
-            <a:endCxn id="90" idx="3"/>
-          </p:cNvCxnSpPr>
-          <p:nvPr/>
-        </p:nvCxnSpPr>
-        <p:spPr>
-          <a:xfrm flipH="1" flipV="1">
-            <a:off x="3431717" y="3705826"/>
-            <a:ext cx="1312697" cy="461144"/>
-          </a:xfrm>
-          <a:prstGeom prst="line">
-            <a:avLst/>
-          </a:prstGeom>
-        </p:spPr>
-        <p:style>
-          <a:lnRef idx="3">
-            <a:schemeClr val="dk1"/>
-          </a:lnRef>
-          <a:fillRef idx="0">
-            <a:schemeClr val="dk1"/>
-          </a:fillRef>
-          <a:effectRef idx="2">
-            <a:schemeClr val="dk1"/>
-          </a:effectRef>
-          <a:fontRef idx="minor">
-            <a:schemeClr val="tx1"/>
-          </a:fontRef>
-        </p:style>
-      </p:cxnSp>
-      <p:sp>
-        <p:nvSpPr>
-          <p:cNvPr id="64" name="テキスト ボックス 63">
-            <a:extLst>
-              <a:ext uri="{FF2B5EF4-FFF2-40B4-BE49-F238E27FC236}">
-                <a16:creationId xmlns:a16="http://schemas.microsoft.com/office/drawing/2014/main" id="{4879054A-1073-469A-B1C7-5E2A1E10D064}"/>
-              </a:ext>
-            </a:extLst>
-          </p:cNvPr>
-          <p:cNvSpPr txBox="1"/>
-          <p:nvPr/>
-        </p:nvSpPr>
-        <p:spPr>
-          <a:xfrm>
-            <a:off x="4744414" y="3813027"/>
-            <a:ext cx="1625597" cy="707886"/>
-          </a:xfrm>
-          <a:prstGeom prst="rect">
-            <a:avLst/>
-          </a:prstGeom>
-          <a:noFill/>
-        </p:spPr>
-        <p:txBody>
-          <a:bodyPr wrap="square" rtlCol="0">
-            <a:spAutoFit/>
-          </a:bodyPr>
-          <a:lstStyle/>
-          <a:p>
-            <a:r>
-              <a:rPr kumimoji="1" lang="ja-JP" altLang="en-US" sz="2000" dirty="0">
-                <a:latin typeface="HGP創英角ｺﾞｼｯｸUB" panose="020B0900000000000000" pitchFamily="50" charset="-128"/>
-                <a:ea typeface="HGP創英角ｺﾞｼｯｸUB" panose="020B0900000000000000" pitchFamily="50" charset="-128"/>
-              </a:rPr>
-              <a:t>納刀</a:t>
-            </a:r>
-            <a:endParaRPr kumimoji="1" lang="en-US" altLang="ja-JP" sz="2000" dirty="0">
-              <a:latin typeface="HGP創英角ｺﾞｼｯｸUB" panose="020B0900000000000000" pitchFamily="50" charset="-128"/>
-              <a:ea typeface="HGP創英角ｺﾞｼｯｸUB" panose="020B0900000000000000" pitchFamily="50" charset="-128"/>
-            </a:endParaRPr>
-          </a:p>
-          <a:p>
-            <a:r>
-              <a:rPr lang="ja-JP" altLang="en-US" sz="2000" dirty="0">
-                <a:latin typeface="HGP創英角ｺﾞｼｯｸUB" panose="020B0900000000000000" pitchFamily="50" charset="-128"/>
-                <a:ea typeface="HGP創英角ｺﾞｼｯｸUB" panose="020B0900000000000000" pitchFamily="50" charset="-128"/>
-              </a:rPr>
-              <a:t>アイテム使用</a:t>
-            </a:r>
-            <a:endParaRPr kumimoji="1" lang="ja-JP" altLang="en-US" sz="2000" dirty="0">
-              <a:latin typeface="HGP創英角ｺﾞｼｯｸUB" panose="020B0900000000000000" pitchFamily="50" charset="-128"/>
-              <a:ea typeface="HGP創英角ｺﾞｼｯｸUB" panose="020B0900000000000000" pitchFamily="50" charset="-128"/>
-            </a:endParaRPr>
-          </a:p>
-        </p:txBody>
-      </p:sp>
-      <p:sp>
-        <p:nvSpPr>
-          <p:cNvPr id="72" name="正方形/長方形 71">
-            <a:extLst>
-              <a:ext uri="{FF2B5EF4-FFF2-40B4-BE49-F238E27FC236}">
-                <a16:creationId xmlns:a16="http://schemas.microsoft.com/office/drawing/2014/main" id="{4E27342D-23E3-497E-8B51-26402CF7F0FA}"/>
+              <a:t>メニューを開く</a:t>
+            </a:r>
+          </a:p>
+        </p:txBody>
+      </p:sp>
+      <p:sp>
+        <p:nvSpPr>
+          <p:cNvPr id="38" name="正方形/長方形 37">
+            <a:extLst>
+              <a:ext uri="{FF2B5EF4-FFF2-40B4-BE49-F238E27FC236}">
+                <a16:creationId xmlns:a16="http://schemas.microsoft.com/office/drawing/2014/main" id="{44A02E3A-5EBD-AC84-3F27-711673B4A29A}"/>
               </a:ext>
             </a:extLst>
           </p:cNvPr>
@@ -4565,8 +5355,8 @@
         </p:nvSpPr>
         <p:spPr>
           <a:xfrm>
-            <a:off x="275754" y="3139023"/>
-            <a:ext cx="697627" cy="437350"/>
+            <a:off x="8937688" y="2130448"/>
+            <a:ext cx="1701012" cy="456152"/>
           </a:xfrm>
           <a:prstGeom prst="rect">
             <a:avLst/>
@@ -4605,12 +5395,676 @@
           </a:p>
         </p:txBody>
       </p:sp>
-      <p:sp>
-        <p:nvSpPr>
-          <p:cNvPr id="73" name="正方形/長方形 72">
-            <a:extLst>
-              <a:ext uri="{FF2B5EF4-FFF2-40B4-BE49-F238E27FC236}">
-                <a16:creationId xmlns:a16="http://schemas.microsoft.com/office/drawing/2014/main" id="{DD323FFA-896D-4157-BD64-2CBF58E52B12}"/>
+      <p:cxnSp>
+        <p:nvCxnSpPr>
+          <p:cNvPr id="75" name="直線コネクタ 74">
+            <a:extLst>
+              <a:ext uri="{FF2B5EF4-FFF2-40B4-BE49-F238E27FC236}">
+                <a16:creationId xmlns:a16="http://schemas.microsoft.com/office/drawing/2014/main" id="{FCF362BB-22B7-3152-A27A-C858652C4399}"/>
+              </a:ext>
+            </a:extLst>
+          </p:cNvPr>
+          <p:cNvCxnSpPr>
+            <a:cxnSpLocks/>
+            <a:stCxn id="38" idx="1"/>
+          </p:cNvCxnSpPr>
+          <p:nvPr/>
+        </p:nvCxnSpPr>
+        <p:spPr>
+          <a:xfrm flipH="1">
+            <a:off x="7866074" y="2358524"/>
+            <a:ext cx="1071614" cy="675195"/>
+          </a:xfrm>
+          <a:prstGeom prst="line">
+            <a:avLst/>
+          </a:prstGeom>
+        </p:spPr>
+        <p:style>
+          <a:lnRef idx="3">
+            <a:schemeClr val="dk1"/>
+          </a:lnRef>
+          <a:fillRef idx="0">
+            <a:schemeClr val="dk1"/>
+          </a:fillRef>
+          <a:effectRef idx="2">
+            <a:schemeClr val="dk1"/>
+          </a:effectRef>
+          <a:fontRef idx="minor">
+            <a:schemeClr val="tx1"/>
+          </a:fontRef>
+        </p:style>
+      </p:cxnSp>
+      <p:cxnSp>
+        <p:nvCxnSpPr>
+          <p:cNvPr id="97" name="直線コネクタ 96">
+            <a:extLst>
+              <a:ext uri="{FF2B5EF4-FFF2-40B4-BE49-F238E27FC236}">
+                <a16:creationId xmlns:a16="http://schemas.microsoft.com/office/drawing/2014/main" id="{BF45F0BB-3CE7-5435-AEE9-4B4EF85CC2A5}"/>
+              </a:ext>
+            </a:extLst>
+          </p:cNvPr>
+          <p:cNvCxnSpPr>
+            <a:cxnSpLocks/>
+          </p:cNvCxnSpPr>
+          <p:nvPr/>
+        </p:nvCxnSpPr>
+        <p:spPr>
+          <a:xfrm flipH="1">
+            <a:off x="5678709" y="3019052"/>
+            <a:ext cx="2188899" cy="29334"/>
+          </a:xfrm>
+          <a:prstGeom prst="line">
+            <a:avLst/>
+          </a:prstGeom>
+        </p:spPr>
+        <p:style>
+          <a:lnRef idx="3">
+            <a:schemeClr val="dk1"/>
+          </a:lnRef>
+          <a:fillRef idx="0">
+            <a:schemeClr val="dk1"/>
+          </a:fillRef>
+          <a:effectRef idx="2">
+            <a:schemeClr val="dk1"/>
+          </a:effectRef>
+          <a:fontRef idx="minor">
+            <a:schemeClr val="tx1"/>
+          </a:fontRef>
+        </p:style>
+      </p:cxnSp>
+      <p:cxnSp>
+        <p:nvCxnSpPr>
+          <p:cNvPr id="105" name="直線コネクタ 104">
+            <a:extLst>
+              <a:ext uri="{FF2B5EF4-FFF2-40B4-BE49-F238E27FC236}">
+                <a16:creationId xmlns:a16="http://schemas.microsoft.com/office/drawing/2014/main" id="{C657FE00-3C6F-64ED-A24A-AC7DFDDAA15F}"/>
+              </a:ext>
+            </a:extLst>
+          </p:cNvPr>
+          <p:cNvCxnSpPr>
+            <a:cxnSpLocks/>
+          </p:cNvCxnSpPr>
+          <p:nvPr/>
+        </p:nvCxnSpPr>
+        <p:spPr>
+          <a:xfrm flipV="1">
+            <a:off x="5678709" y="3059671"/>
+            <a:ext cx="19929" cy="994964"/>
+          </a:xfrm>
+          <a:prstGeom prst="line">
+            <a:avLst/>
+          </a:prstGeom>
+        </p:spPr>
+        <p:style>
+          <a:lnRef idx="3">
+            <a:schemeClr val="dk1"/>
+          </a:lnRef>
+          <a:fillRef idx="0">
+            <a:schemeClr val="dk1"/>
+          </a:fillRef>
+          <a:effectRef idx="2">
+            <a:schemeClr val="dk1"/>
+          </a:effectRef>
+          <a:fontRef idx="minor">
+            <a:schemeClr val="tx1"/>
+          </a:fontRef>
+        </p:style>
+      </p:cxnSp>
+    </p:spTree>
+    <p:extLst>
+      <p:ext uri="{BB962C8B-B14F-4D97-AF65-F5344CB8AC3E}">
+        <p14:creationId xmlns:p14="http://schemas.microsoft.com/office/powerpoint/2010/main" val="3145229587"/>
+      </p:ext>
+    </p:extLst>
+  </p:cSld>
+  <p:clrMapOvr>
+    <a:masterClrMapping/>
+  </p:clrMapOvr>
+</p:sld>
+</file>
+
+<file path=ppt/slides/slide2.xml><?xml version="1.0" encoding="utf-8"?>
+<p:sld xmlns:a="http://schemas.openxmlformats.org/drawingml/2006/main" xmlns:r="http://schemas.openxmlformats.org/officeDocument/2006/relationships" xmlns:p="http://schemas.openxmlformats.org/presentationml/2006/main">
+  <p:cSld>
+    <p:spTree>
+      <p:nvGrpSpPr>
+        <p:cNvPr id="1" name=""/>
+        <p:cNvGrpSpPr/>
+        <p:nvPr/>
+      </p:nvGrpSpPr>
+      <p:grpSpPr>
+        <a:xfrm>
+          <a:off x="0" y="0"/>
+          <a:ext cx="0" cy="0"/>
+          <a:chOff x="0" y="0"/>
+          <a:chExt cx="0" cy="0"/>
+        </a:xfrm>
+      </p:grpSpPr>
+      <p:pic>
+        <p:nvPicPr>
+          <p:cNvPr id="7" name="図 6">
+            <a:extLst>
+              <a:ext uri="{FF2B5EF4-FFF2-40B4-BE49-F238E27FC236}">
+                <a16:creationId xmlns:a16="http://schemas.microsoft.com/office/drawing/2014/main" id="{38DC0176-C66A-42EF-B582-B17366AF9616}"/>
+              </a:ext>
+            </a:extLst>
+          </p:cNvPr>
+          <p:cNvPicPr>
+            <a:picLocks noChangeAspect="1"/>
+          </p:cNvPicPr>
+          <p:nvPr/>
+        </p:nvPicPr>
+        <p:blipFill>
+          <a:blip r:embed="rId2">
+            <a:extLst>
+              <a:ext uri="{28A0092B-C50C-407E-A947-70E740481C1C}">
+                <a14:useLocalDpi xmlns:a14="http://schemas.microsoft.com/office/drawing/2010/main" val="0"/>
+              </a:ext>
+            </a:extLst>
+          </a:blip>
+          <a:stretch>
+            <a:fillRect/>
+          </a:stretch>
+        </p:blipFill>
+        <p:spPr>
+          <a:xfrm>
+            <a:off x="0" y="0"/>
+            <a:ext cx="12192000" cy="6858000"/>
+          </a:xfrm>
+          <a:prstGeom prst="rect">
+            <a:avLst/>
+          </a:prstGeom>
+        </p:spPr>
+      </p:pic>
+      <p:pic>
+        <p:nvPicPr>
+          <p:cNvPr id="5" name="図 4">
+            <a:extLst>
+              <a:ext uri="{FF2B5EF4-FFF2-40B4-BE49-F238E27FC236}">
+                <a16:creationId xmlns:a16="http://schemas.microsoft.com/office/drawing/2014/main" id="{91DADE4C-1B26-4A9A-9D7F-8F84FE9E8107}"/>
+              </a:ext>
+            </a:extLst>
+          </p:cNvPr>
+          <p:cNvPicPr>
+            <a:picLocks noChangeAspect="1"/>
+          </p:cNvPicPr>
+          <p:nvPr/>
+        </p:nvPicPr>
+        <p:blipFill>
+          <a:blip r:embed="rId3">
+            <a:extLst>
+              <a:ext uri="{28A0092B-C50C-407E-A947-70E740481C1C}">
+                <a14:useLocalDpi xmlns:a14="http://schemas.microsoft.com/office/drawing/2010/main" val="0"/>
+              </a:ext>
+            </a:extLst>
+          </a:blip>
+          <a:stretch>
+            <a:fillRect/>
+          </a:stretch>
+        </p:blipFill>
+        <p:spPr>
+          <a:xfrm>
+            <a:off x="0" y="4133"/>
+            <a:ext cx="3947649" cy="1609426"/>
+          </a:xfrm>
+          <a:prstGeom prst="rect">
+            <a:avLst/>
+          </a:prstGeom>
+        </p:spPr>
+      </p:pic>
+      <p:pic>
+        <p:nvPicPr>
+          <p:cNvPr id="14" name="図 13">
+            <a:extLst>
+              <a:ext uri="{FF2B5EF4-FFF2-40B4-BE49-F238E27FC236}">
+                <a16:creationId xmlns:a16="http://schemas.microsoft.com/office/drawing/2014/main" id="{195B47F7-BB95-42E2-9A12-786371F234B7}"/>
+              </a:ext>
+            </a:extLst>
+          </p:cNvPr>
+          <p:cNvPicPr>
+            <a:picLocks noChangeAspect="1"/>
+          </p:cNvPicPr>
+          <p:nvPr/>
+        </p:nvPicPr>
+        <p:blipFill>
+          <a:blip r:embed="rId4">
+            <a:extLst>
+              <a:ext uri="{28A0092B-C50C-407E-A947-70E740481C1C}">
+                <a14:useLocalDpi xmlns:a14="http://schemas.microsoft.com/office/drawing/2010/main" val="0"/>
+              </a:ext>
+            </a:extLst>
+          </a:blip>
+          <a:stretch>
+            <a:fillRect/>
+          </a:stretch>
+        </p:blipFill>
+        <p:spPr>
+          <a:xfrm>
+            <a:off x="2836337" y="2338427"/>
+            <a:ext cx="4901528" cy="3521980"/>
+          </a:xfrm>
+          <a:prstGeom prst="rect">
+            <a:avLst/>
+          </a:prstGeom>
+        </p:spPr>
+      </p:pic>
+      <p:cxnSp>
+        <p:nvCxnSpPr>
+          <p:cNvPr id="17" name="直線コネクタ 16">
+            <a:extLst>
+              <a:ext uri="{FF2B5EF4-FFF2-40B4-BE49-F238E27FC236}">
+                <a16:creationId xmlns:a16="http://schemas.microsoft.com/office/drawing/2014/main" id="{6C74236E-2C61-4757-98A7-779869D57D3B}"/>
+              </a:ext>
+            </a:extLst>
+          </p:cNvPr>
+          <p:cNvCxnSpPr>
+            <a:cxnSpLocks/>
+            <a:endCxn id="20" idx="3"/>
+          </p:cNvCxnSpPr>
+          <p:nvPr/>
+        </p:nvCxnSpPr>
+        <p:spPr>
+          <a:xfrm flipH="1" flipV="1">
+            <a:off x="1913564" y="2816029"/>
+            <a:ext cx="2034085" cy="579025"/>
+          </a:xfrm>
+          <a:prstGeom prst="line">
+            <a:avLst/>
+          </a:prstGeom>
+        </p:spPr>
+        <p:style>
+          <a:lnRef idx="3">
+            <a:schemeClr val="dk1"/>
+          </a:lnRef>
+          <a:fillRef idx="0">
+            <a:schemeClr val="dk1"/>
+          </a:fillRef>
+          <a:effectRef idx="2">
+            <a:schemeClr val="dk1"/>
+          </a:effectRef>
+          <a:fontRef idx="minor">
+            <a:schemeClr val="tx1"/>
+          </a:fontRef>
+        </p:style>
+      </p:cxnSp>
+      <p:sp>
+        <p:nvSpPr>
+          <p:cNvPr id="20" name="テキスト ボックス 19">
+            <a:extLst>
+              <a:ext uri="{FF2B5EF4-FFF2-40B4-BE49-F238E27FC236}">
+                <a16:creationId xmlns:a16="http://schemas.microsoft.com/office/drawing/2014/main" id="{D3FDA243-D3A4-4F5E-AB7E-3690ADF6496D}"/>
+              </a:ext>
+            </a:extLst>
+          </p:cNvPr>
+          <p:cNvSpPr txBox="1"/>
+          <p:nvPr/>
+        </p:nvSpPr>
+        <p:spPr>
+          <a:xfrm>
+            <a:off x="1215937" y="2615974"/>
+            <a:ext cx="697627" cy="400110"/>
+          </a:xfrm>
+          <a:prstGeom prst="rect">
+            <a:avLst/>
+          </a:prstGeom>
+          <a:noFill/>
+        </p:spPr>
+        <p:txBody>
+          <a:bodyPr wrap="square" rtlCol="0">
+            <a:spAutoFit/>
+          </a:bodyPr>
+          <a:lstStyle/>
+          <a:p>
+            <a:r>
+              <a:rPr kumimoji="1" lang="ja-JP" altLang="en-US" sz="2000" dirty="0">
+                <a:latin typeface="HGP創英角ｺﾞｼｯｸUB" panose="020B0900000000000000" pitchFamily="50" charset="-128"/>
+                <a:ea typeface="HGP創英角ｺﾞｼｯｸUB" panose="020B0900000000000000" pitchFamily="50" charset="-128"/>
+              </a:rPr>
+              <a:t>移動</a:t>
+            </a:r>
+          </a:p>
+        </p:txBody>
+      </p:sp>
+      <p:cxnSp>
+        <p:nvCxnSpPr>
+          <p:cNvPr id="21" name="直線コネクタ 20">
+            <a:extLst>
+              <a:ext uri="{FF2B5EF4-FFF2-40B4-BE49-F238E27FC236}">
+                <a16:creationId xmlns:a16="http://schemas.microsoft.com/office/drawing/2014/main" id="{401308E2-34A5-494B-88ED-37DFFDD06BA0}"/>
+              </a:ext>
+            </a:extLst>
+          </p:cNvPr>
+          <p:cNvCxnSpPr>
+            <a:cxnSpLocks/>
+            <a:endCxn id="25" idx="3"/>
+          </p:cNvCxnSpPr>
+          <p:nvPr/>
+        </p:nvCxnSpPr>
+        <p:spPr>
+          <a:xfrm flipH="1">
+            <a:off x="1924856" y="4212667"/>
+            <a:ext cx="2722501" cy="394422"/>
+          </a:xfrm>
+          <a:prstGeom prst="line">
+            <a:avLst/>
+          </a:prstGeom>
+        </p:spPr>
+        <p:style>
+          <a:lnRef idx="3">
+            <a:schemeClr val="dk1"/>
+          </a:lnRef>
+          <a:fillRef idx="0">
+            <a:schemeClr val="dk1"/>
+          </a:fillRef>
+          <a:effectRef idx="2">
+            <a:schemeClr val="dk1"/>
+          </a:effectRef>
+          <a:fontRef idx="minor">
+            <a:schemeClr val="tx1"/>
+          </a:fontRef>
+        </p:style>
+      </p:cxnSp>
+      <p:sp>
+        <p:nvSpPr>
+          <p:cNvPr id="25" name="テキスト ボックス 24">
+            <a:extLst>
+              <a:ext uri="{FF2B5EF4-FFF2-40B4-BE49-F238E27FC236}">
+                <a16:creationId xmlns:a16="http://schemas.microsoft.com/office/drawing/2014/main" id="{8834E3A2-5E9C-4C71-BB0B-60D1D4EDF3AE}"/>
+              </a:ext>
+            </a:extLst>
+          </p:cNvPr>
+          <p:cNvSpPr txBox="1"/>
+          <p:nvPr/>
+        </p:nvSpPr>
+        <p:spPr>
+          <a:xfrm>
+            <a:off x="1012427" y="4407034"/>
+            <a:ext cx="912429" cy="400110"/>
+          </a:xfrm>
+          <a:prstGeom prst="rect">
+            <a:avLst/>
+          </a:prstGeom>
+          <a:noFill/>
+        </p:spPr>
+        <p:txBody>
+          <a:bodyPr wrap="square" rtlCol="0">
+            <a:spAutoFit/>
+          </a:bodyPr>
+          <a:lstStyle/>
+          <a:p>
+            <a:r>
+              <a:rPr kumimoji="1" lang="en-US" altLang="ja-JP" sz="2000" dirty="0">
+                <a:latin typeface="HGP創英角ｺﾞｼｯｸUB" panose="020B0900000000000000" pitchFamily="50" charset="-128"/>
+                <a:ea typeface="HGP創英角ｺﾞｼｯｸUB" panose="020B0900000000000000" pitchFamily="50" charset="-128"/>
+              </a:rPr>
+              <a:t>UI</a:t>
+            </a:r>
+            <a:r>
+              <a:rPr kumimoji="1" lang="ja-JP" altLang="en-US" sz="2000" dirty="0">
+                <a:latin typeface="HGP創英角ｺﾞｼｯｸUB" panose="020B0900000000000000" pitchFamily="50" charset="-128"/>
+                <a:ea typeface="HGP創英角ｺﾞｼｯｸUB" panose="020B0900000000000000" pitchFamily="50" charset="-128"/>
+              </a:rPr>
+              <a:t>操作</a:t>
+            </a:r>
+          </a:p>
+        </p:txBody>
+      </p:sp>
+      <p:cxnSp>
+        <p:nvCxnSpPr>
+          <p:cNvPr id="26" name="直線コネクタ 25">
+            <a:extLst>
+              <a:ext uri="{FF2B5EF4-FFF2-40B4-BE49-F238E27FC236}">
+                <a16:creationId xmlns:a16="http://schemas.microsoft.com/office/drawing/2014/main" id="{5502B196-8782-4B5F-9349-2A33464B3EB6}"/>
+              </a:ext>
+            </a:extLst>
+          </p:cNvPr>
+          <p:cNvCxnSpPr>
+            <a:cxnSpLocks/>
+            <a:stCxn id="74" idx="1"/>
+          </p:cNvCxnSpPr>
+          <p:nvPr/>
+        </p:nvCxnSpPr>
+        <p:spPr>
+          <a:xfrm flipH="1" flipV="1">
+            <a:off x="5915608" y="4218001"/>
+            <a:ext cx="3090508" cy="805728"/>
+          </a:xfrm>
+          <a:prstGeom prst="line">
+            <a:avLst/>
+          </a:prstGeom>
+        </p:spPr>
+        <p:style>
+          <a:lnRef idx="3">
+            <a:schemeClr val="dk1"/>
+          </a:lnRef>
+          <a:fillRef idx="0">
+            <a:schemeClr val="dk1"/>
+          </a:fillRef>
+          <a:effectRef idx="2">
+            <a:schemeClr val="dk1"/>
+          </a:effectRef>
+          <a:fontRef idx="minor">
+            <a:schemeClr val="tx1"/>
+          </a:fontRef>
+        </p:style>
+      </p:cxnSp>
+      <p:sp>
+        <p:nvSpPr>
+          <p:cNvPr id="29" name="テキスト ボックス 28">
+            <a:extLst>
+              <a:ext uri="{FF2B5EF4-FFF2-40B4-BE49-F238E27FC236}">
+                <a16:creationId xmlns:a16="http://schemas.microsoft.com/office/drawing/2014/main" id="{583E1006-EECC-4F5C-8AD1-B2680394D3FA}"/>
+              </a:ext>
+            </a:extLst>
+          </p:cNvPr>
+          <p:cNvSpPr txBox="1"/>
+          <p:nvPr/>
+        </p:nvSpPr>
+        <p:spPr>
+          <a:xfrm>
+            <a:off x="9006115" y="4812910"/>
+            <a:ext cx="2842477" cy="400110"/>
+          </a:xfrm>
+          <a:prstGeom prst="rect">
+            <a:avLst/>
+          </a:prstGeom>
+          <a:noFill/>
+        </p:spPr>
+        <p:txBody>
+          <a:bodyPr wrap="square" rtlCol="0">
+            <a:spAutoFit/>
+          </a:bodyPr>
+          <a:lstStyle/>
+          <a:p>
+            <a:r>
+              <a:rPr kumimoji="1" lang="ja-JP" altLang="en-US" sz="2000" dirty="0">
+                <a:latin typeface="HGP創英角ｺﾞｼｯｸUB" panose="020B0900000000000000" pitchFamily="50" charset="-128"/>
+                <a:ea typeface="HGP創英角ｺﾞｼｯｸUB" panose="020B0900000000000000" pitchFamily="50" charset="-128"/>
+              </a:rPr>
+              <a:t>カメラ操作</a:t>
+            </a:r>
+          </a:p>
+        </p:txBody>
+      </p:sp>
+      <p:cxnSp>
+        <p:nvCxnSpPr>
+          <p:cNvPr id="56" name="直線コネクタ 55">
+            <a:extLst>
+              <a:ext uri="{FF2B5EF4-FFF2-40B4-BE49-F238E27FC236}">
+                <a16:creationId xmlns:a16="http://schemas.microsoft.com/office/drawing/2014/main" id="{C3F361F0-4371-4384-852A-DD825F025F25}"/>
+              </a:ext>
+            </a:extLst>
+          </p:cNvPr>
+          <p:cNvCxnSpPr>
+            <a:cxnSpLocks/>
+            <a:stCxn id="78" idx="1"/>
+            <a:endCxn id="88" idx="3"/>
+          </p:cNvCxnSpPr>
+          <p:nvPr/>
+        </p:nvCxnSpPr>
+        <p:spPr>
+          <a:xfrm flipH="1">
+            <a:off x="7054650" y="2377104"/>
+            <a:ext cx="1845835" cy="1017950"/>
+          </a:xfrm>
+          <a:prstGeom prst="line">
+            <a:avLst/>
+          </a:prstGeom>
+        </p:spPr>
+        <p:style>
+          <a:lnRef idx="3">
+            <a:schemeClr val="dk1"/>
+          </a:lnRef>
+          <a:fillRef idx="0">
+            <a:schemeClr val="dk1"/>
+          </a:fillRef>
+          <a:effectRef idx="2">
+            <a:schemeClr val="dk1"/>
+          </a:effectRef>
+          <a:fontRef idx="minor">
+            <a:schemeClr val="tx1"/>
+          </a:fontRef>
+        </p:style>
+      </p:cxnSp>
+      <p:sp>
+        <p:nvSpPr>
+          <p:cNvPr id="57" name="テキスト ボックス 56">
+            <a:extLst>
+              <a:ext uri="{FF2B5EF4-FFF2-40B4-BE49-F238E27FC236}">
+                <a16:creationId xmlns:a16="http://schemas.microsoft.com/office/drawing/2014/main" id="{FAB1FE0C-9385-45DC-AA06-35C02FF0A671}"/>
+              </a:ext>
+            </a:extLst>
+          </p:cNvPr>
+          <p:cNvSpPr txBox="1"/>
+          <p:nvPr/>
+        </p:nvSpPr>
+        <p:spPr>
+          <a:xfrm>
+            <a:off x="8900485" y="2177049"/>
+            <a:ext cx="770841" cy="400110"/>
+          </a:xfrm>
+          <a:prstGeom prst="rect">
+            <a:avLst/>
+          </a:prstGeom>
+          <a:noFill/>
+        </p:spPr>
+        <p:txBody>
+          <a:bodyPr wrap="square" rtlCol="0">
+            <a:spAutoFit/>
+          </a:bodyPr>
+          <a:lstStyle/>
+          <a:p>
+            <a:r>
+              <a:rPr kumimoji="1" lang="ja-JP" altLang="en-US" sz="2000" dirty="0">
+                <a:latin typeface="HGP創英角ｺﾞｼｯｸUB" panose="020B0900000000000000" pitchFamily="50" charset="-128"/>
+                <a:ea typeface="HGP創英角ｺﾞｼｯｸUB" panose="020B0900000000000000" pitchFamily="50" charset="-128"/>
+              </a:rPr>
+              <a:t>戻る</a:t>
+            </a:r>
+          </a:p>
+        </p:txBody>
+      </p:sp>
+      <p:cxnSp>
+        <p:nvCxnSpPr>
+          <p:cNvPr id="59" name="直線コネクタ 58">
+            <a:extLst>
+              <a:ext uri="{FF2B5EF4-FFF2-40B4-BE49-F238E27FC236}">
+                <a16:creationId xmlns:a16="http://schemas.microsoft.com/office/drawing/2014/main" id="{8940A2CD-5A8D-4095-803F-853E4C9AF3E6}"/>
+              </a:ext>
+            </a:extLst>
+          </p:cNvPr>
+          <p:cNvCxnSpPr>
+            <a:cxnSpLocks/>
+            <a:stCxn id="60" idx="1"/>
+            <a:endCxn id="84" idx="3"/>
+          </p:cNvCxnSpPr>
+          <p:nvPr/>
+        </p:nvCxnSpPr>
+        <p:spPr>
+          <a:xfrm flipH="1">
+            <a:off x="6745967" y="3688461"/>
+            <a:ext cx="2260149" cy="48627"/>
+          </a:xfrm>
+          <a:prstGeom prst="line">
+            <a:avLst/>
+          </a:prstGeom>
+        </p:spPr>
+        <p:style>
+          <a:lnRef idx="3">
+            <a:schemeClr val="dk1"/>
+          </a:lnRef>
+          <a:fillRef idx="0">
+            <a:schemeClr val="dk1"/>
+          </a:fillRef>
+          <a:effectRef idx="2">
+            <a:schemeClr val="dk1"/>
+          </a:effectRef>
+          <a:fontRef idx="minor">
+            <a:schemeClr val="tx1"/>
+          </a:fontRef>
+        </p:style>
+      </p:cxnSp>
+      <p:sp>
+        <p:nvSpPr>
+          <p:cNvPr id="60" name="テキスト ボックス 59">
+            <a:extLst>
+              <a:ext uri="{FF2B5EF4-FFF2-40B4-BE49-F238E27FC236}">
+                <a16:creationId xmlns:a16="http://schemas.microsoft.com/office/drawing/2014/main" id="{096CF559-DCB2-4FCE-8E18-F31B7F9A0CC4}"/>
+              </a:ext>
+            </a:extLst>
+          </p:cNvPr>
+          <p:cNvSpPr txBox="1"/>
+          <p:nvPr/>
+        </p:nvSpPr>
+        <p:spPr>
+          <a:xfrm>
+            <a:off x="9006116" y="3334518"/>
+            <a:ext cx="1568086" cy="707886"/>
+          </a:xfrm>
+          <a:prstGeom prst="rect">
+            <a:avLst/>
+          </a:prstGeom>
+          <a:noFill/>
+        </p:spPr>
+        <p:txBody>
+          <a:bodyPr wrap="square" rtlCol="0">
+            <a:spAutoFit/>
+          </a:bodyPr>
+          <a:lstStyle/>
+          <a:p>
+            <a:r>
+              <a:rPr kumimoji="1" lang="ja-JP" altLang="en-US" sz="2000" dirty="0">
+                <a:latin typeface="HGP創英角ｺﾞｼｯｸUB" panose="020B0900000000000000" pitchFamily="50" charset="-128"/>
+                <a:ea typeface="HGP創英角ｺﾞｼｯｸUB" panose="020B0900000000000000" pitchFamily="50" charset="-128"/>
+              </a:rPr>
+              <a:t>話しかける</a:t>
+            </a:r>
+            <a:endParaRPr kumimoji="1" lang="en-US" altLang="ja-JP" sz="2000" dirty="0">
+              <a:latin typeface="HGP創英角ｺﾞｼｯｸUB" panose="020B0900000000000000" pitchFamily="50" charset="-128"/>
+              <a:ea typeface="HGP創英角ｺﾞｼｯｸUB" panose="020B0900000000000000" pitchFamily="50" charset="-128"/>
+            </a:endParaRPr>
+          </a:p>
+          <a:p>
+            <a:r>
+              <a:rPr lang="ja-JP" altLang="en-US" sz="2000" dirty="0">
+                <a:latin typeface="HGP創英角ｺﾞｼｯｸUB" panose="020B0900000000000000" pitchFamily="50" charset="-128"/>
+                <a:ea typeface="HGP創英角ｺﾞｼｯｸUB" panose="020B0900000000000000" pitchFamily="50" charset="-128"/>
+              </a:rPr>
+              <a:t>選択する</a:t>
+            </a:r>
+            <a:endParaRPr kumimoji="1" lang="ja-JP" altLang="en-US" sz="2000" dirty="0">
+              <a:latin typeface="HGP創英角ｺﾞｼｯｸUB" panose="020B0900000000000000" pitchFamily="50" charset="-128"/>
+              <a:ea typeface="HGP創英角ｺﾞｼｯｸUB" panose="020B0900000000000000" pitchFamily="50" charset="-128"/>
+            </a:endParaRPr>
+          </a:p>
+        </p:txBody>
+      </p:sp>
+      <p:sp>
+        <p:nvSpPr>
+          <p:cNvPr id="72" name="正方形/長方形 71">
+            <a:extLst>
+              <a:ext uri="{FF2B5EF4-FFF2-40B4-BE49-F238E27FC236}">
+                <a16:creationId xmlns:a16="http://schemas.microsoft.com/office/drawing/2014/main" id="{4E27342D-23E3-497E-8B51-26402CF7F0FA}"/>
               </a:ext>
             </a:extLst>
           </p:cNvPr>
@@ -4619,8 +6073,8 @@
         </p:nvSpPr>
         <p:spPr>
           <a:xfrm>
-            <a:off x="162692" y="5627458"/>
-            <a:ext cx="893173" cy="437350"/>
+            <a:off x="1215937" y="2615975"/>
+            <a:ext cx="697627" cy="437350"/>
           </a:xfrm>
           <a:prstGeom prst="rect">
             <a:avLst/>
@@ -4661,10 +6115,10 @@
       </p:sp>
       <p:sp>
         <p:nvSpPr>
-          <p:cNvPr id="74" name="正方形/長方形 73">
-            <a:extLst>
-              <a:ext uri="{FF2B5EF4-FFF2-40B4-BE49-F238E27FC236}">
-                <a16:creationId xmlns:a16="http://schemas.microsoft.com/office/drawing/2014/main" id="{F301B80F-E18B-4A92-B668-1A7860AC30C0}"/>
+          <p:cNvPr id="73" name="正方形/長方形 72">
+            <a:extLst>
+              <a:ext uri="{FF2B5EF4-FFF2-40B4-BE49-F238E27FC236}">
+                <a16:creationId xmlns:a16="http://schemas.microsoft.com/office/drawing/2014/main" id="{DD323FFA-896D-4157-BD64-2CBF58E52B12}"/>
               </a:ext>
             </a:extLst>
           </p:cNvPr>
@@ -4673,8 +6127,8 @@
         </p:nvSpPr>
         <p:spPr>
           <a:xfrm>
-            <a:off x="4714424" y="5466228"/>
-            <a:ext cx="1269347" cy="400110"/>
+            <a:off x="1020391" y="4385105"/>
+            <a:ext cx="893173" cy="437350"/>
           </a:xfrm>
           <a:prstGeom prst="rect">
             <a:avLst/>
@@ -4715,10 +6169,10 @@
       </p:sp>
       <p:sp>
         <p:nvSpPr>
-          <p:cNvPr id="76" name="正方形/長方形 75">
-            <a:extLst>
-              <a:ext uri="{FF2B5EF4-FFF2-40B4-BE49-F238E27FC236}">
-                <a16:creationId xmlns:a16="http://schemas.microsoft.com/office/drawing/2014/main" id="{A8CDA3D9-74A1-4C05-8013-7D2E6C97EB2C}"/>
+          <p:cNvPr id="74" name="正方形/長方形 73">
+            <a:extLst>
+              <a:ext uri="{FF2B5EF4-FFF2-40B4-BE49-F238E27FC236}">
+                <a16:creationId xmlns:a16="http://schemas.microsoft.com/office/drawing/2014/main" id="{F301B80F-E18B-4A92-B668-1A7860AC30C0}"/>
               </a:ext>
             </a:extLst>
           </p:cNvPr>
@@ -4727,8 +6181,8 @@
         </p:nvSpPr>
         <p:spPr>
           <a:xfrm>
-            <a:off x="4728240" y="4746112"/>
-            <a:ext cx="660897" cy="447932"/>
+            <a:off x="9006116" y="4799763"/>
+            <a:ext cx="1296079" cy="447932"/>
           </a:xfrm>
           <a:prstGeom prst="rect">
             <a:avLst/>
@@ -4769,10 +6223,10 @@
       </p:sp>
       <p:sp>
         <p:nvSpPr>
-          <p:cNvPr id="77" name="正方形/長方形 76">
-            <a:extLst>
-              <a:ext uri="{FF2B5EF4-FFF2-40B4-BE49-F238E27FC236}">
-                <a16:creationId xmlns:a16="http://schemas.microsoft.com/office/drawing/2014/main" id="{25984B4B-9962-4E14-B793-E82D4B2F397C}"/>
+          <p:cNvPr id="76" name="正方形/長方形 75">
+            <a:extLst>
+              <a:ext uri="{FF2B5EF4-FFF2-40B4-BE49-F238E27FC236}">
+                <a16:creationId xmlns:a16="http://schemas.microsoft.com/office/drawing/2014/main" id="{A8CDA3D9-74A1-4C05-8013-7D2E6C97EB2C}"/>
               </a:ext>
             </a:extLst>
           </p:cNvPr>
@@ -4781,8 +6235,8 @@
         </p:nvSpPr>
         <p:spPr>
           <a:xfrm>
-            <a:off x="4755706" y="3840662"/>
-            <a:ext cx="1546365" cy="647492"/>
+            <a:off x="9006116" y="3338450"/>
+            <a:ext cx="1350864" cy="703953"/>
           </a:xfrm>
           <a:prstGeom prst="rect">
             <a:avLst/>
@@ -4835,7 +6289,7 @@
         </p:nvSpPr>
         <p:spPr>
           <a:xfrm>
-            <a:off x="4735193" y="3182407"/>
+            <a:off x="8900485" y="2177049"/>
             <a:ext cx="673923" cy="400110"/>
           </a:xfrm>
           <a:prstGeom prst="rect">
@@ -4875,168 +6329,6 @@
           </a:p>
         </p:txBody>
       </p:sp>
-      <p:sp>
-        <p:nvSpPr>
-          <p:cNvPr id="79" name="正方形/長方形 78">
-            <a:extLst>
-              <a:ext uri="{FF2B5EF4-FFF2-40B4-BE49-F238E27FC236}">
-                <a16:creationId xmlns:a16="http://schemas.microsoft.com/office/drawing/2014/main" id="{AB1228CE-EF67-4EED-85B8-53C41262CAFB}"/>
-              </a:ext>
-            </a:extLst>
-          </p:cNvPr>
-          <p:cNvSpPr/>
-          <p:nvPr/>
-        </p:nvSpPr>
-        <p:spPr>
-          <a:xfrm>
-            <a:off x="4677898" y="789620"/>
-            <a:ext cx="1154483" cy="441135"/>
-          </a:xfrm>
-          <a:prstGeom prst="rect">
-            <a:avLst/>
-          </a:prstGeom>
-          <a:noFill/>
-          <a:ln w="38100" cap="flat" cmpd="sng" algn="ctr">
-            <a:solidFill>
-              <a:schemeClr val="dk1"/>
-            </a:solidFill>
-            <a:prstDash val="solid"/>
-            <a:round/>
-            <a:headEnd type="none" w="med" len="med"/>
-            <a:tailEnd type="none" w="med" len="med"/>
-          </a:ln>
-        </p:spPr>
-        <p:style>
-          <a:lnRef idx="0">
-            <a:scrgbClr r="0" g="0" b="0"/>
-          </a:lnRef>
-          <a:fillRef idx="0">
-            <a:scrgbClr r="0" g="0" b="0"/>
-          </a:fillRef>
-          <a:effectRef idx="0">
-            <a:scrgbClr r="0" g="0" b="0"/>
-          </a:effectRef>
-          <a:fontRef idx="minor">
-            <a:schemeClr val="dk1"/>
-          </a:fontRef>
-        </p:style>
-        <p:txBody>
-          <a:bodyPr rtlCol="0" anchor="ctr"/>
-          <a:lstStyle/>
-          <a:p>
-            <a:pPr algn="ctr"/>
-            <a:endParaRPr kumimoji="1" lang="ja-JP" altLang="en-US"/>
-          </a:p>
-        </p:txBody>
-      </p:sp>
-      <p:sp>
-        <p:nvSpPr>
-          <p:cNvPr id="80" name="正方形/長方形 79">
-            <a:extLst>
-              <a:ext uri="{FF2B5EF4-FFF2-40B4-BE49-F238E27FC236}">
-                <a16:creationId xmlns:a16="http://schemas.microsoft.com/office/drawing/2014/main" id="{146CBBE9-0184-40AB-AC23-F994F8BC1B98}"/>
-              </a:ext>
-            </a:extLst>
-          </p:cNvPr>
-          <p:cNvSpPr/>
-          <p:nvPr/>
-        </p:nvSpPr>
-        <p:spPr>
-          <a:xfrm>
-            <a:off x="4717489" y="1424106"/>
-            <a:ext cx="1004781" cy="714465"/>
-          </a:xfrm>
-          <a:prstGeom prst="rect">
-            <a:avLst/>
-          </a:prstGeom>
-          <a:noFill/>
-          <a:ln w="38100" cap="flat" cmpd="sng" algn="ctr">
-            <a:solidFill>
-              <a:schemeClr val="dk1"/>
-            </a:solidFill>
-            <a:prstDash val="solid"/>
-            <a:round/>
-            <a:headEnd type="none" w="med" len="med"/>
-            <a:tailEnd type="none" w="med" len="med"/>
-          </a:ln>
-        </p:spPr>
-        <p:style>
-          <a:lnRef idx="0">
-            <a:scrgbClr r="0" g="0" b="0"/>
-          </a:lnRef>
-          <a:fillRef idx="0">
-            <a:scrgbClr r="0" g="0" b="0"/>
-          </a:fillRef>
-          <a:effectRef idx="0">
-            <a:scrgbClr r="0" g="0" b="0"/>
-          </a:effectRef>
-          <a:fontRef idx="minor">
-            <a:schemeClr val="dk1"/>
-          </a:fontRef>
-        </p:style>
-        <p:txBody>
-          <a:bodyPr rtlCol="0" anchor="ctr"/>
-          <a:lstStyle/>
-          <a:p>
-            <a:pPr algn="ctr"/>
-            <a:endParaRPr kumimoji="1" lang="ja-JP" altLang="en-US"/>
-          </a:p>
-        </p:txBody>
-      </p:sp>
-      <p:sp>
-        <p:nvSpPr>
-          <p:cNvPr id="81" name="正方形/長方形 80">
-            <a:extLst>
-              <a:ext uri="{FF2B5EF4-FFF2-40B4-BE49-F238E27FC236}">
-                <a16:creationId xmlns:a16="http://schemas.microsoft.com/office/drawing/2014/main" id="{A6A15D09-1144-4239-AAAA-05D64FCBAA25}"/>
-              </a:ext>
-            </a:extLst>
-          </p:cNvPr>
-          <p:cNvSpPr/>
-          <p:nvPr/>
-        </p:nvSpPr>
-        <p:spPr>
-          <a:xfrm>
-            <a:off x="4776300" y="2299931"/>
-            <a:ext cx="1682469" cy="662458"/>
-          </a:xfrm>
-          <a:prstGeom prst="rect">
-            <a:avLst/>
-          </a:prstGeom>
-          <a:noFill/>
-          <a:ln w="38100" cap="flat" cmpd="sng" algn="ctr">
-            <a:solidFill>
-              <a:schemeClr val="dk1"/>
-            </a:solidFill>
-            <a:prstDash val="solid"/>
-            <a:round/>
-            <a:headEnd type="none" w="med" len="med"/>
-            <a:tailEnd type="none" w="med" len="med"/>
-          </a:ln>
-        </p:spPr>
-        <p:style>
-          <a:lnRef idx="0">
-            <a:scrgbClr r="0" g="0" b="0"/>
-          </a:lnRef>
-          <a:fillRef idx="0">
-            <a:scrgbClr r="0" g="0" b="0"/>
-          </a:fillRef>
-          <a:effectRef idx="0">
-            <a:scrgbClr r="0" g="0" b="0"/>
-          </a:effectRef>
-          <a:fontRef idx="minor">
-            <a:schemeClr val="dk1"/>
-          </a:fontRef>
-        </p:style>
-        <p:txBody>
-          <a:bodyPr rtlCol="0" anchor="ctr"/>
-          <a:lstStyle/>
-          <a:p>
-            <a:pPr algn="ctr"/>
-            <a:endParaRPr kumimoji="1" lang="ja-JP" altLang="en-US"/>
-          </a:p>
-        </p:txBody>
-      </p:sp>
       <p:pic>
         <p:nvPicPr>
           <p:cNvPr id="84" name="図 83">
@@ -5052,7 +6344,7 @@
           <p:nvPr/>
         </p:nvPicPr>
         <p:blipFill>
-          <a:blip r:embed="rId6">
+          <a:blip r:embed="rId5">
             <a:extLst>
               <a:ext uri="{28A0092B-C50C-407E-A947-70E740481C1C}">
                 <a14:useLocalDpi xmlns:a14="http://schemas.microsoft.com/office/drawing/2010/main" val="0"/>
@@ -5065,8 +6357,8 @@
         </p:blipFill>
         <p:spPr>
           <a:xfrm>
-            <a:off x="3378318" y="3811091"/>
-            <a:ext cx="288873" cy="288873"/>
+            <a:off x="6351437" y="3539823"/>
+            <a:ext cx="394530" cy="394530"/>
           </a:xfrm>
           <a:prstGeom prst="rect">
             <a:avLst/>
@@ -5088,7 +6380,7 @@
           <p:nvPr/>
         </p:nvPicPr>
         <p:blipFill>
-          <a:blip r:embed="rId7">
+          <a:blip r:embed="rId6">
             <a:extLst>
               <a:ext uri="{28A0092B-C50C-407E-A947-70E740481C1C}">
                 <a14:useLocalDpi xmlns:a14="http://schemas.microsoft.com/office/drawing/2010/main" val="0"/>
@@ -5101,8 +6393,8 @@
         </p:blipFill>
         <p:spPr>
           <a:xfrm>
-            <a:off x="3378317" y="3326197"/>
-            <a:ext cx="288874" cy="288874"/>
+            <a:off x="6326666" y="2870596"/>
+            <a:ext cx="399589" cy="399589"/>
           </a:xfrm>
           <a:prstGeom prst="rect">
             <a:avLst/>
@@ -5124,7 +6416,7 @@
           <p:nvPr/>
         </p:nvPicPr>
         <p:blipFill>
-          <a:blip r:embed="rId8">
+          <a:blip r:embed="rId7">
             <a:extLst>
               <a:ext uri="{28A0092B-C50C-407E-A947-70E740481C1C}">
                 <a14:useLocalDpi xmlns:a14="http://schemas.microsoft.com/office/drawing/2010/main" val="0"/>
@@ -5137,8 +6429,8 @@
         </p:blipFill>
         <p:spPr>
           <a:xfrm>
-            <a:off x="3625264" y="3552921"/>
-            <a:ext cx="288874" cy="288874"/>
+            <a:off x="6664645" y="3200051"/>
+            <a:ext cx="390005" cy="390005"/>
           </a:xfrm>
           <a:prstGeom prst="rect">
             <a:avLst/>
@@ -5160,7 +6452,7 @@
           <p:nvPr/>
         </p:nvPicPr>
         <p:blipFill>
-          <a:blip r:embed="rId9">
+          <a:blip r:embed="rId8">
             <a:extLst>
               <a:ext uri="{28A0092B-C50C-407E-A947-70E740481C1C}">
                 <a14:useLocalDpi xmlns:a14="http://schemas.microsoft.com/office/drawing/2010/main" val="0"/>
@@ -5173,8 +6465,8 @@
         </p:blipFill>
         <p:spPr>
           <a:xfrm>
-            <a:off x="3142843" y="3561389"/>
-            <a:ext cx="288874" cy="288874"/>
+            <a:off x="6014190" y="3193286"/>
+            <a:ext cx="394530" cy="394530"/>
           </a:xfrm>
           <a:prstGeom prst="rect">
             <a:avLst/>
@@ -5183,6 +6475,215 @@
       </p:pic>
       <p:sp>
         <p:nvSpPr>
+          <p:cNvPr id="6" name="テキスト ボックス 5">
+            <a:extLst>
+              <a:ext uri="{FF2B5EF4-FFF2-40B4-BE49-F238E27FC236}">
+                <a16:creationId xmlns:a16="http://schemas.microsoft.com/office/drawing/2014/main" id="{D3202AED-A6C3-AAAB-C93E-AC807DF4C724}"/>
+              </a:ext>
+            </a:extLst>
+          </p:cNvPr>
+          <p:cNvSpPr txBox="1"/>
+          <p:nvPr/>
+        </p:nvSpPr>
+        <p:spPr>
+          <a:xfrm>
+            <a:off x="4403127" y="252100"/>
+            <a:ext cx="5064207" cy="830997"/>
+          </a:xfrm>
+          <a:prstGeom prst="rect">
+            <a:avLst/>
+          </a:prstGeom>
+          <a:noFill/>
+        </p:spPr>
+        <p:txBody>
+          <a:bodyPr wrap="none" rtlCol="0">
+            <a:spAutoFit/>
+          </a:bodyPr>
+          <a:lstStyle/>
+          <a:p>
+            <a:r>
+              <a:rPr lang="ja-JP" altLang="en-US" sz="4800" dirty="0">
+                <a:ln w="28575">
+                  <a:solidFill>
+                    <a:schemeClr val="tx1"/>
+                  </a:solidFill>
+                </a:ln>
+                <a:solidFill>
+                  <a:schemeClr val="bg1"/>
+                </a:solidFill>
+                <a:latin typeface="HGP創英角ｺﾞｼｯｸUB" panose="020B0900000000000000" pitchFamily="50" charset="-128"/>
+                <a:ea typeface="HGP創英角ｺﾞｼｯｸUB" panose="020B0900000000000000" pitchFamily="50" charset="-128"/>
+              </a:rPr>
+              <a:t>狩猟外の操作</a:t>
+            </a:r>
+            <a:r>
+              <a:rPr kumimoji="1" lang="ja-JP" altLang="en-US" sz="4800" dirty="0">
+                <a:ln w="28575">
+                  <a:solidFill>
+                    <a:schemeClr val="tx1"/>
+                  </a:solidFill>
+                </a:ln>
+                <a:solidFill>
+                  <a:schemeClr val="bg1"/>
+                </a:solidFill>
+                <a:latin typeface="HGP創英角ｺﾞｼｯｸUB" panose="020B0900000000000000" pitchFamily="50" charset="-128"/>
+                <a:ea typeface="HGP創英角ｺﾞｼｯｸUB" panose="020B0900000000000000" pitchFamily="50" charset="-128"/>
+              </a:rPr>
+              <a:t>説明</a:t>
+            </a:r>
+          </a:p>
+        </p:txBody>
+      </p:sp>
+    </p:spTree>
+    <p:extLst>
+      <p:ext uri="{BB962C8B-B14F-4D97-AF65-F5344CB8AC3E}">
+        <p14:creationId xmlns:p14="http://schemas.microsoft.com/office/powerpoint/2010/main" val="913940275"/>
+      </p:ext>
+    </p:extLst>
+  </p:cSld>
+  <p:clrMapOvr>
+    <a:masterClrMapping/>
+  </p:clrMapOvr>
+</p:sld>
+</file>
+
+<file path=ppt/slides/slide3.xml><?xml version="1.0" encoding="utf-8"?>
+<p:sld xmlns:a="http://schemas.openxmlformats.org/drawingml/2006/main" xmlns:r="http://schemas.openxmlformats.org/officeDocument/2006/relationships" xmlns:p="http://schemas.openxmlformats.org/presentationml/2006/main">
+  <p:cSld>
+    <p:spTree>
+      <p:nvGrpSpPr>
+        <p:cNvPr id="1" name=""/>
+        <p:cNvGrpSpPr/>
+        <p:nvPr/>
+      </p:nvGrpSpPr>
+      <p:grpSpPr>
+        <a:xfrm>
+          <a:off x="0" y="0"/>
+          <a:ext cx="0" cy="0"/>
+          <a:chOff x="0" y="0"/>
+          <a:chExt cx="0" cy="0"/>
+        </a:xfrm>
+      </p:grpSpPr>
+      <p:pic>
+        <p:nvPicPr>
+          <p:cNvPr id="7" name="図 6">
+            <a:extLst>
+              <a:ext uri="{FF2B5EF4-FFF2-40B4-BE49-F238E27FC236}">
+                <a16:creationId xmlns:a16="http://schemas.microsoft.com/office/drawing/2014/main" id="{38DC0176-C66A-42EF-B582-B17366AF9616}"/>
+              </a:ext>
+            </a:extLst>
+          </p:cNvPr>
+          <p:cNvPicPr>
+            <a:picLocks noChangeAspect="1"/>
+          </p:cNvPicPr>
+          <p:nvPr/>
+        </p:nvPicPr>
+        <p:blipFill>
+          <a:blip r:embed="rId2">
+            <a:extLst>
+              <a:ext uri="{28A0092B-C50C-407E-A947-70E740481C1C}">
+                <a14:useLocalDpi xmlns:a14="http://schemas.microsoft.com/office/drawing/2010/main" val="0"/>
+              </a:ext>
+            </a:extLst>
+          </a:blip>
+          <a:stretch>
+            <a:fillRect/>
+          </a:stretch>
+        </p:blipFill>
+        <p:spPr>
+          <a:xfrm>
+            <a:off x="1" y="1270"/>
+            <a:ext cx="12192000" cy="6858000"/>
+          </a:xfrm>
+          <a:prstGeom prst="rect">
+            <a:avLst/>
+          </a:prstGeom>
+        </p:spPr>
+      </p:pic>
+      <p:pic>
+        <p:nvPicPr>
+          <p:cNvPr id="5" name="図 4">
+            <a:extLst>
+              <a:ext uri="{FF2B5EF4-FFF2-40B4-BE49-F238E27FC236}">
+                <a16:creationId xmlns:a16="http://schemas.microsoft.com/office/drawing/2014/main" id="{91DADE4C-1B26-4A9A-9D7F-8F84FE9E8107}"/>
+              </a:ext>
+            </a:extLst>
+          </p:cNvPr>
+          <p:cNvPicPr>
+            <a:picLocks noChangeAspect="1"/>
+          </p:cNvPicPr>
+          <p:nvPr/>
+        </p:nvPicPr>
+        <p:blipFill>
+          <a:blip r:embed="rId3">
+            <a:extLst>
+              <a:ext uri="{28A0092B-C50C-407E-A947-70E740481C1C}">
+                <a14:useLocalDpi xmlns:a14="http://schemas.microsoft.com/office/drawing/2010/main" val="0"/>
+              </a:ext>
+            </a:extLst>
+          </a:blip>
+          <a:stretch>
+            <a:fillRect/>
+          </a:stretch>
+        </p:blipFill>
+        <p:spPr>
+          <a:xfrm>
+            <a:off x="0" y="4133"/>
+            <a:ext cx="3947649" cy="1609426"/>
+          </a:xfrm>
+          <a:prstGeom prst="rect">
+            <a:avLst/>
+          </a:prstGeom>
+        </p:spPr>
+      </p:pic>
+      <p:sp>
+        <p:nvSpPr>
+          <p:cNvPr id="8" name="テキスト ボックス 7">
+            <a:extLst>
+              <a:ext uri="{FF2B5EF4-FFF2-40B4-BE49-F238E27FC236}">
+                <a16:creationId xmlns:a16="http://schemas.microsoft.com/office/drawing/2014/main" id="{1D90376C-7507-47DF-A114-CB05E3F0C421}"/>
+              </a:ext>
+            </a:extLst>
+          </p:cNvPr>
+          <p:cNvSpPr txBox="1"/>
+          <p:nvPr/>
+        </p:nvSpPr>
+        <p:spPr>
+          <a:xfrm>
+            <a:off x="4403127" y="252100"/>
+            <a:ext cx="2994731" cy="830997"/>
+          </a:xfrm>
+          <a:prstGeom prst="rect">
+            <a:avLst/>
+          </a:prstGeom>
+          <a:noFill/>
+        </p:spPr>
+        <p:txBody>
+          <a:bodyPr wrap="none" rtlCol="0">
+            <a:spAutoFit/>
+          </a:bodyPr>
+          <a:lstStyle/>
+          <a:p>
+            <a:r>
+              <a:rPr kumimoji="1" lang="ja-JP" altLang="en-US" sz="4800" dirty="0">
+                <a:ln w="28575">
+                  <a:solidFill>
+                    <a:schemeClr val="tx1"/>
+                  </a:solidFill>
+                </a:ln>
+                <a:solidFill>
+                  <a:schemeClr val="bg1"/>
+                </a:solidFill>
+                <a:latin typeface="HGP創英角ｺﾞｼｯｸUB" panose="020B0900000000000000" pitchFamily="50" charset="-128"/>
+                <a:ea typeface="HGP創英角ｺﾞｼｯｸUB" panose="020B0900000000000000" pitchFamily="50" charset="-128"/>
+              </a:rPr>
+              <a:t>コンボ説明</a:t>
+            </a:r>
+          </a:p>
+        </p:txBody>
+      </p:sp>
+      <p:sp>
+        <p:nvSpPr>
           <p:cNvPr id="94" name="テキスト ボックス 93">
             <a:extLst>
               <a:ext uri="{FF2B5EF4-FFF2-40B4-BE49-F238E27FC236}">
@@ -5195,7 +6696,7 @@
         </p:nvSpPr>
         <p:spPr>
           <a:xfrm>
-            <a:off x="7874846" y="801514"/>
+            <a:off x="1519193" y="1645880"/>
             <a:ext cx="2517036" cy="461665"/>
           </a:xfrm>
           <a:prstGeom prst="rect">
@@ -5204,7 +6705,7 @@
           <a:noFill/>
         </p:spPr>
         <p:txBody>
-          <a:bodyPr wrap="none" rtlCol="0">
+          <a:bodyPr wrap="square" rtlCol="0">
             <a:spAutoFit/>
           </a:bodyPr>
           <a:lstStyle/>
@@ -5234,7 +6735,7 @@
           <p:nvPr/>
         </p:nvPicPr>
         <p:blipFill>
-          <a:blip r:embed="rId7">
+          <a:blip r:embed="rId4">
             <a:extLst>
               <a:ext uri="{28A0092B-C50C-407E-A947-70E740481C1C}">
                 <a14:useLocalDpi xmlns:a14="http://schemas.microsoft.com/office/drawing/2010/main" val="0"/>
@@ -5247,7 +6748,7 @@
         </p:blipFill>
         <p:spPr>
           <a:xfrm>
-            <a:off x="7373527" y="1919396"/>
+            <a:off x="1017874" y="2763762"/>
             <a:ext cx="317142" cy="317142"/>
           </a:xfrm>
           <a:prstGeom prst="rect">
@@ -5271,7 +6772,7 @@
         </p:nvCxnSpPr>
         <p:spPr>
           <a:xfrm flipH="1" flipV="1">
-            <a:off x="6971577" y="1847069"/>
+            <a:off x="615924" y="2691435"/>
             <a:ext cx="1039038" cy="3551"/>
           </a:xfrm>
           <a:prstGeom prst="line">
@@ -5307,7 +6808,7 @@
         </p:nvSpPr>
         <p:spPr>
           <a:xfrm>
-            <a:off x="6865518" y="1476088"/>
+            <a:off x="509865" y="2320454"/>
             <a:ext cx="1353256" cy="338554"/>
           </a:xfrm>
           <a:prstGeom prst="rect">
@@ -5353,7 +6854,7 @@
           <p:nvPr/>
         </p:nvPicPr>
         <p:blipFill>
-          <a:blip r:embed="rId7">
+          <a:blip r:embed="rId4">
             <a:extLst>
               <a:ext uri="{28A0092B-C50C-407E-A947-70E740481C1C}">
                 <a14:useLocalDpi xmlns:a14="http://schemas.microsoft.com/office/drawing/2010/main" val="0"/>
@@ -5366,7 +6867,7 @@
         </p:blipFill>
         <p:spPr>
           <a:xfrm>
-            <a:off x="8976987" y="1614912"/>
+            <a:off x="2621334" y="2459278"/>
             <a:ext cx="317142" cy="317142"/>
           </a:xfrm>
           <a:prstGeom prst="rect">
@@ -5390,7 +6891,7 @@
         </p:nvCxnSpPr>
         <p:spPr>
           <a:xfrm flipH="1" flipV="1">
-            <a:off x="8645375" y="1542585"/>
+            <a:off x="2289722" y="2386951"/>
             <a:ext cx="1039038" cy="3551"/>
           </a:xfrm>
           <a:prstGeom prst="line">
@@ -5426,7 +6927,7 @@
         </p:nvSpPr>
         <p:spPr>
           <a:xfrm>
-            <a:off x="8855884" y="1213120"/>
+            <a:off x="2500231" y="2057486"/>
             <a:ext cx="554960" cy="307777"/>
           </a:xfrm>
           <a:prstGeom prst="rect">
@@ -5469,7 +6970,7 @@
           <p:nvPr/>
         </p:nvPicPr>
         <p:blipFill>
-          <a:blip r:embed="rId7">
+          <a:blip r:embed="rId4">
             <a:extLst>
               <a:ext uri="{28A0092B-C50C-407E-A947-70E740481C1C}">
                 <a14:useLocalDpi xmlns:a14="http://schemas.microsoft.com/office/drawing/2010/main" val="0"/>
@@ -5482,7 +6983,7 @@
         </p:blipFill>
         <p:spPr>
           <a:xfrm>
-            <a:off x="10480019" y="1606688"/>
+            <a:off x="4124366" y="2451054"/>
             <a:ext cx="317142" cy="317142"/>
           </a:xfrm>
           <a:prstGeom prst="rect">
@@ -5506,7 +7007,7 @@
         </p:nvCxnSpPr>
         <p:spPr>
           <a:xfrm flipH="1" flipV="1">
-            <a:off x="10148407" y="1554457"/>
+            <a:off x="3792754" y="2398823"/>
             <a:ext cx="1039038" cy="3551"/>
           </a:xfrm>
           <a:prstGeom prst="line">
@@ -5542,7 +7043,7 @@
         </p:nvSpPr>
         <p:spPr>
           <a:xfrm>
-            <a:off x="10186063" y="1183479"/>
+            <a:off x="3830410" y="2027845"/>
             <a:ext cx="939681" cy="307777"/>
           </a:xfrm>
           <a:prstGeom prst="rect">
@@ -5581,7 +7082,7 @@
           <p:nvPr/>
         </p:nvPicPr>
         <p:blipFill>
-          <a:blip r:embed="rId10">
+          <a:blip r:embed="rId5">
             <a:extLst>
               <a:ext uri="{28A0092B-C50C-407E-A947-70E740481C1C}">
                 <a14:useLocalDpi xmlns:a14="http://schemas.microsoft.com/office/drawing/2010/main" val="0"/>
@@ -5594,7 +7095,7 @@
         </p:blipFill>
         <p:spPr>
           <a:xfrm rot="3225102">
-            <a:off x="8216308" y="1563408"/>
+            <a:off x="1860655" y="2407774"/>
             <a:ext cx="250695" cy="220850"/>
           </a:xfrm>
           <a:prstGeom prst="rect">
@@ -5617,7 +7118,7 @@
           <p:nvPr/>
         </p:nvPicPr>
         <p:blipFill>
-          <a:blip r:embed="rId10">
+          <a:blip r:embed="rId5">
             <a:extLst>
               <a:ext uri="{28A0092B-C50C-407E-A947-70E740481C1C}">
                 <a14:useLocalDpi xmlns:a14="http://schemas.microsoft.com/office/drawing/2010/main" val="0"/>
@@ -5630,7 +7131,7 @@
         </p:blipFill>
         <p:spPr>
           <a:xfrm rot="5400000">
-            <a:off x="9811370" y="1432158"/>
+            <a:off x="3455717" y="2276524"/>
             <a:ext cx="250695" cy="220850"/>
           </a:xfrm>
           <a:prstGeom prst="rect">
@@ -5652,7 +7153,7 @@
         </p:nvSpPr>
         <p:spPr>
           <a:xfrm>
-            <a:off x="8124558" y="2654141"/>
+            <a:off x="1762453" y="3727304"/>
             <a:ext cx="2260555" cy="461665"/>
           </a:xfrm>
           <a:prstGeom prst="rect">
@@ -5692,7 +7193,7 @@
         </p:nvCxnSpPr>
         <p:spPr>
           <a:xfrm flipH="1" flipV="1">
-            <a:off x="8647804" y="2277542"/>
+            <a:off x="2292151" y="3121908"/>
             <a:ext cx="1039038" cy="3551"/>
           </a:xfrm>
           <a:prstGeom prst="line">
@@ -5728,7 +7229,7 @@
         </p:nvSpPr>
         <p:spPr>
           <a:xfrm>
-            <a:off x="8858313" y="1978224"/>
+            <a:off x="2502660" y="2822590"/>
             <a:ext cx="554960" cy="307777"/>
           </a:xfrm>
           <a:prstGeom prst="rect">
@@ -5768,7 +7269,7 @@
         </p:nvCxnSpPr>
         <p:spPr>
           <a:xfrm flipH="1" flipV="1">
-            <a:off x="10145057" y="2289340"/>
+            <a:off x="3789404" y="3133706"/>
             <a:ext cx="1039038" cy="3551"/>
           </a:xfrm>
           <a:prstGeom prst="line">
@@ -5804,7 +7305,7 @@
         </p:nvSpPr>
         <p:spPr>
           <a:xfrm>
-            <a:off x="10183321" y="1992541"/>
+            <a:off x="3827668" y="2836907"/>
             <a:ext cx="939681" cy="307777"/>
           </a:xfrm>
           <a:prstGeom prst="rect">
@@ -5843,7 +7344,7 @@
           <p:nvPr/>
         </p:nvPicPr>
         <p:blipFill>
-          <a:blip r:embed="rId10">
+          <a:blip r:embed="rId5">
             <a:extLst>
               <a:ext uri="{28A0092B-C50C-407E-A947-70E740481C1C}">
                 <a14:useLocalDpi xmlns:a14="http://schemas.microsoft.com/office/drawing/2010/main" val="0"/>
@@ -5856,7 +7357,7 @@
         </p:blipFill>
         <p:spPr>
           <a:xfrm rot="7658907">
-            <a:off x="8209481" y="2035076"/>
+            <a:off x="1853828" y="2879442"/>
             <a:ext cx="250695" cy="220850"/>
           </a:xfrm>
           <a:prstGeom prst="rect">
@@ -5879,7 +7380,7 @@
           <p:nvPr/>
         </p:nvPicPr>
         <p:blipFill>
-          <a:blip r:embed="rId10">
+          <a:blip r:embed="rId5">
             <a:extLst>
               <a:ext uri="{28A0092B-C50C-407E-A947-70E740481C1C}">
                 <a14:useLocalDpi xmlns:a14="http://schemas.microsoft.com/office/drawing/2010/main" val="0"/>
@@ -5892,7 +7393,7 @@
         </p:blipFill>
         <p:spPr>
           <a:xfrm rot="5400000">
-            <a:off x="9808020" y="2163766"/>
+            <a:off x="3452367" y="3008132"/>
             <a:ext cx="250695" cy="220850"/>
           </a:xfrm>
           <a:prstGeom prst="rect">
@@ -5916,7 +7417,7 @@
         </p:nvCxnSpPr>
         <p:spPr>
           <a:xfrm flipH="1" flipV="1">
-            <a:off x="7959502" y="3504421"/>
+            <a:off x="1597397" y="4577584"/>
             <a:ext cx="1039038" cy="3551"/>
           </a:xfrm>
           <a:prstGeom prst="line">
@@ -5952,7 +7453,7 @@
         </p:nvSpPr>
         <p:spPr>
           <a:xfrm>
-            <a:off x="8170011" y="3174957"/>
+            <a:off x="1807906" y="4248120"/>
             <a:ext cx="508473" cy="307777"/>
           </a:xfrm>
           <a:prstGeom prst="rect">
@@ -5996,7 +7497,7 @@
         </p:nvCxnSpPr>
         <p:spPr>
           <a:xfrm flipH="1" flipV="1">
-            <a:off x="9456755" y="3506170"/>
+            <a:off x="3094650" y="4579333"/>
             <a:ext cx="1039038" cy="3551"/>
           </a:xfrm>
           <a:prstGeom prst="line">
@@ -6032,7 +7533,7 @@
         </p:nvSpPr>
         <p:spPr>
           <a:xfrm>
-            <a:off x="9495019" y="3169176"/>
+            <a:off x="3132914" y="4242339"/>
             <a:ext cx="843501" cy="307777"/>
           </a:xfrm>
           <a:prstGeom prst="rect">
@@ -6075,7 +7576,7 @@
           <p:nvPr/>
         </p:nvPicPr>
         <p:blipFill>
-          <a:blip r:embed="rId10">
+          <a:blip r:embed="rId5">
             <a:extLst>
               <a:ext uri="{28A0092B-C50C-407E-A947-70E740481C1C}">
                 <a14:useLocalDpi xmlns:a14="http://schemas.microsoft.com/office/drawing/2010/main" val="0"/>
@@ -6088,7 +7589,7 @@
         </p:blipFill>
         <p:spPr>
           <a:xfrm rot="5400000">
-            <a:off x="9119718" y="3380597"/>
+            <a:off x="2757613" y="4453760"/>
             <a:ext cx="250695" cy="220850"/>
           </a:xfrm>
           <a:prstGeom prst="rect">
@@ -6111,7 +7612,7 @@
           <p:nvPr/>
         </p:nvPicPr>
         <p:blipFill>
-          <a:blip r:embed="rId8">
+          <a:blip r:embed="rId6">
             <a:extLst>
               <a:ext uri="{28A0092B-C50C-407E-A947-70E740481C1C}">
                 <a14:useLocalDpi xmlns:a14="http://schemas.microsoft.com/office/drawing/2010/main" val="0"/>
@@ -6124,7 +7625,7 @@
         </p:blipFill>
         <p:spPr>
           <a:xfrm>
-            <a:off x="9001120" y="2340152"/>
+            <a:off x="2645467" y="3184518"/>
             <a:ext cx="288874" cy="288874"/>
           </a:xfrm>
           <a:prstGeom prst="rect">
@@ -6147,7 +7648,7 @@
           <p:nvPr/>
         </p:nvPicPr>
         <p:blipFill>
-          <a:blip r:embed="rId8">
+          <a:blip r:embed="rId6">
             <a:extLst>
               <a:ext uri="{28A0092B-C50C-407E-A947-70E740481C1C}">
                 <a14:useLocalDpi xmlns:a14="http://schemas.microsoft.com/office/drawing/2010/main" val="0"/>
@@ -6160,7 +7661,7 @@
         </p:blipFill>
         <p:spPr>
           <a:xfrm>
-            <a:off x="10524247" y="2339387"/>
+            <a:off x="4168594" y="3183753"/>
             <a:ext cx="322553" cy="322553"/>
           </a:xfrm>
           <a:prstGeom prst="rect">
@@ -6183,7 +7684,7 @@
           <p:nvPr/>
         </p:nvPicPr>
         <p:blipFill>
-          <a:blip r:embed="rId8">
+          <a:blip r:embed="rId6">
             <a:extLst>
               <a:ext uri="{28A0092B-C50C-407E-A947-70E740481C1C}">
                 <a14:useLocalDpi xmlns:a14="http://schemas.microsoft.com/office/drawing/2010/main" val="0"/>
@@ -6196,7 +7697,7 @@
         </p:blipFill>
         <p:spPr>
           <a:xfrm>
-            <a:off x="8302694" y="3595450"/>
+            <a:off x="1940589" y="4668613"/>
             <a:ext cx="288874" cy="288874"/>
           </a:xfrm>
           <a:prstGeom prst="rect">
@@ -6219,7 +7720,7 @@
           <p:nvPr/>
         </p:nvPicPr>
         <p:blipFill>
-          <a:blip r:embed="rId8">
+          <a:blip r:embed="rId6">
             <a:extLst>
               <a:ext uri="{28A0092B-C50C-407E-A947-70E740481C1C}">
                 <a14:useLocalDpi xmlns:a14="http://schemas.microsoft.com/office/drawing/2010/main" val="0"/>
@@ -6232,7 +7733,7 @@
         </p:blipFill>
         <p:spPr>
           <a:xfrm>
-            <a:off x="9842789" y="3597321"/>
+            <a:off x="3480684" y="4670484"/>
             <a:ext cx="288874" cy="288874"/>
           </a:xfrm>
           <a:prstGeom prst="rect">
@@ -6254,7 +7755,7 @@
         </p:nvSpPr>
         <p:spPr>
           <a:xfrm>
-            <a:off x="7972471" y="3985382"/>
+            <a:off x="1646837" y="5194749"/>
             <a:ext cx="2608406" cy="461665"/>
           </a:xfrm>
           <a:prstGeom prst="rect">
@@ -6294,8 +7795,8 @@
         </p:nvCxnSpPr>
         <p:spPr>
           <a:xfrm flipH="1">
-            <a:off x="6676208" y="4709139"/>
-            <a:ext cx="913302" cy="5131"/>
+            <a:off x="328384" y="5946573"/>
+            <a:ext cx="926799" cy="0"/>
           </a:xfrm>
           <a:prstGeom prst="line">
             <a:avLst/>
@@ -6330,8 +7831,8 @@
         </p:nvSpPr>
         <p:spPr>
           <a:xfrm>
-            <a:off x="6676208" y="4376314"/>
-            <a:ext cx="942887" cy="307777"/>
+            <a:off x="380665" y="5587644"/>
+            <a:ext cx="853119" cy="307777"/>
           </a:xfrm>
           <a:prstGeom prst="rect">
             <a:avLst/>
@@ -6345,18 +7846,11 @@
           <a:lstStyle/>
           <a:p>
             <a:r>
-              <a:rPr kumimoji="1" lang="ja-JP" altLang="en-US" sz="1400" dirty="0">
+              <a:rPr lang="ja-JP" altLang="en-US" sz="1400" dirty="0">
                 <a:latin typeface="HGP創英角ｺﾞｼｯｸUB" panose="020B0900000000000000" pitchFamily="50" charset="-128"/>
                 <a:ea typeface="HGP創英角ｺﾞｼｯｸUB" panose="020B0900000000000000" pitchFamily="50" charset="-128"/>
               </a:rPr>
-              <a:t>気刃斬り </a:t>
-            </a:r>
-            <a:r>
-              <a:rPr lang="en-US" altLang="ja-JP" sz="1400" dirty="0">
-                <a:latin typeface="HGP創英角ｺﾞｼｯｸUB" panose="020B0900000000000000" pitchFamily="50" charset="-128"/>
-                <a:ea typeface="HGP創英角ｺﾞｼｯｸUB" panose="020B0900000000000000" pitchFamily="50" charset="-128"/>
-              </a:rPr>
-              <a:t>|</a:t>
+              <a:t>袈裟斬り</a:t>
             </a:r>
             <a:endParaRPr kumimoji="1" lang="ja-JP" altLang="en-US" sz="1400" dirty="0">
               <a:latin typeface="HGP創英角ｺﾞｼｯｸUB" panose="020B0900000000000000" pitchFamily="50" charset="-128"/>
@@ -6381,7 +7875,7 @@
         </p:nvCxnSpPr>
         <p:spPr>
           <a:xfrm flipH="1">
-            <a:off x="8010615" y="4723668"/>
+            <a:off x="1678010" y="5938665"/>
             <a:ext cx="957285" cy="2008"/>
           </a:xfrm>
           <a:prstGeom prst="line">
@@ -6418,7 +7912,7 @@
           <p:nvPr/>
         </p:nvPicPr>
         <p:blipFill>
-          <a:blip r:embed="rId10">
+          <a:blip r:embed="rId5">
             <a:extLst>
               <a:ext uri="{28A0092B-C50C-407E-A947-70E740481C1C}">
                 <a14:useLocalDpi xmlns:a14="http://schemas.microsoft.com/office/drawing/2010/main" val="0"/>
@@ -6431,7 +7925,7 @@
         </p:blipFill>
         <p:spPr>
           <a:xfrm rot="5400000">
-            <a:off x="7693022" y="4722360"/>
+            <a:off x="1360991" y="5844223"/>
             <a:ext cx="250695" cy="220850"/>
           </a:xfrm>
           <a:prstGeom prst="rect">
@@ -6453,8 +7947,8 @@
         </p:nvSpPr>
         <p:spPr>
           <a:xfrm>
-            <a:off x="7931688" y="4361372"/>
-            <a:ext cx="973343" cy="307777"/>
+            <a:off x="1658771" y="5615454"/>
+            <a:ext cx="1032655" cy="307777"/>
           </a:xfrm>
           <a:prstGeom prst="rect">
             <a:avLst/>
@@ -6468,18 +7962,11 @@
           <a:lstStyle/>
           <a:p>
             <a:r>
-              <a:rPr kumimoji="1" lang="ja-JP" altLang="en-US" sz="1400" dirty="0">
+              <a:rPr lang="ja-JP" altLang="en-US" sz="1400" dirty="0">
                 <a:latin typeface="HGP創英角ｺﾞｼｯｸUB" panose="020B0900000000000000" pitchFamily="50" charset="-128"/>
                 <a:ea typeface="HGP創英角ｺﾞｼｯｸUB" panose="020B0900000000000000" pitchFamily="50" charset="-128"/>
               </a:rPr>
-              <a:t>気刃斬り </a:t>
-            </a:r>
-            <a:r>
-              <a:rPr lang="en-US" altLang="ja-JP" sz="1400" dirty="0">
-                <a:latin typeface="HGP創英角ｺﾞｼｯｸUB" panose="020B0900000000000000" pitchFamily="50" charset="-128"/>
-                <a:ea typeface="HGP創英角ｺﾞｼｯｸUB" panose="020B0900000000000000" pitchFamily="50" charset="-128"/>
-              </a:rPr>
-              <a:t>||</a:t>
+              <a:t>逆袈裟斬り</a:t>
             </a:r>
             <a:endParaRPr kumimoji="1" lang="ja-JP" altLang="en-US" sz="1400" dirty="0">
               <a:latin typeface="HGP創英角ｺﾞｼｯｸUB" panose="020B0900000000000000" pitchFamily="50" charset="-128"/>
@@ -6504,7 +7991,7 @@
         </p:nvCxnSpPr>
         <p:spPr>
           <a:xfrm flipH="1">
-            <a:off x="9324652" y="4734367"/>
+            <a:off x="3149939" y="5936657"/>
             <a:ext cx="957285" cy="2008"/>
           </a:xfrm>
           <a:prstGeom prst="line">
@@ -6541,7 +8028,7 @@
           <p:nvPr/>
         </p:nvPicPr>
         <p:blipFill>
-          <a:blip r:embed="rId10">
+          <a:blip r:embed="rId5">
             <a:extLst>
               <a:ext uri="{28A0092B-C50C-407E-A947-70E740481C1C}">
                 <a14:useLocalDpi xmlns:a14="http://schemas.microsoft.com/office/drawing/2010/main" val="0"/>
@@ -6554,7 +8041,7 @@
         </p:blipFill>
         <p:spPr>
           <a:xfrm rot="5400000">
-            <a:off x="9019063" y="4722360"/>
+            <a:off x="2756988" y="5844606"/>
             <a:ext cx="250695" cy="220850"/>
           </a:xfrm>
           <a:prstGeom prst="rect">
@@ -6576,8 +8063,8 @@
         </p:nvSpPr>
         <p:spPr>
           <a:xfrm>
-            <a:off x="9267777" y="4371423"/>
-            <a:ext cx="1003801" cy="307777"/>
+            <a:off x="3233069" y="5604914"/>
+            <a:ext cx="853119" cy="307777"/>
           </a:xfrm>
           <a:prstGeom prst="rect">
             <a:avLst/>
@@ -6595,19 +8082,8 @@
                 <a:latin typeface="HGP創英角ｺﾞｼｯｸUB" panose="020B0900000000000000" pitchFamily="50" charset="-128"/>
                 <a:ea typeface="HGP創英角ｺﾞｼｯｸUB" panose="020B0900000000000000" pitchFamily="50" charset="-128"/>
               </a:rPr>
-              <a:t>気刃斬り </a:t>
-            </a:r>
-            <a:r>
-              <a:rPr lang="en-US" altLang="ja-JP" sz="1400" dirty="0">
-                <a:latin typeface="HGP創英角ｺﾞｼｯｸUB" panose="020B0900000000000000" pitchFamily="50" charset="-128"/>
-                <a:ea typeface="HGP創英角ｺﾞｼｯｸUB" panose="020B0900000000000000" pitchFamily="50" charset="-128"/>
-              </a:rPr>
-              <a:t>|||</a:t>
-            </a:r>
-            <a:endParaRPr kumimoji="1" lang="ja-JP" altLang="en-US" sz="1400" dirty="0">
-              <a:latin typeface="HGP創英角ｺﾞｼｯｸUB" panose="020B0900000000000000" pitchFamily="50" charset="-128"/>
-              <a:ea typeface="HGP創英角ｺﾞｼｯｸUB" panose="020B0900000000000000" pitchFamily="50" charset="-128"/>
-            </a:endParaRPr>
+              <a:t>三連斬り</a:t>
+            </a:r>
           </a:p>
         </p:txBody>
       </p:sp>
@@ -6627,8 +8103,8 @@
         </p:nvCxnSpPr>
         <p:spPr>
           <a:xfrm flipH="1">
-            <a:off x="10650694" y="4745663"/>
-            <a:ext cx="1431325" cy="0"/>
+            <a:off x="4594860" y="5955030"/>
+            <a:ext cx="883920" cy="0"/>
           </a:xfrm>
           <a:prstGeom prst="line">
             <a:avLst/>
@@ -6664,7 +8140,7 @@
           <p:nvPr/>
         </p:nvPicPr>
         <p:blipFill>
-          <a:blip r:embed="rId10">
+          <a:blip r:embed="rId5">
             <a:extLst>
               <a:ext uri="{28A0092B-C50C-407E-A947-70E740481C1C}">
                 <a14:useLocalDpi xmlns:a14="http://schemas.microsoft.com/office/drawing/2010/main" val="0"/>
@@ -6677,7 +8153,7 @@
         </p:blipFill>
         <p:spPr>
           <a:xfrm rot="5400000">
-            <a:off x="10345104" y="4731647"/>
+            <a:off x="4277780" y="5844605"/>
             <a:ext cx="250695" cy="220850"/>
           </a:xfrm>
           <a:prstGeom prst="rect">
@@ -6699,8 +8175,8 @@
         </p:nvSpPr>
         <p:spPr>
           <a:xfrm>
-            <a:off x="10583770" y="4360612"/>
-            <a:ext cx="1391728" cy="307777"/>
+            <a:off x="4500746" y="5564347"/>
+            <a:ext cx="1032655" cy="307777"/>
           </a:xfrm>
           <a:prstGeom prst="rect">
             <a:avLst/>
@@ -6718,7 +8194,7 @@
                 <a:latin typeface="HGP創英角ｺﾞｼｯｸUB" panose="020B0900000000000000" pitchFamily="50" charset="-128"/>
                 <a:ea typeface="HGP創英角ｺﾞｼｯｸUB" panose="020B0900000000000000" pitchFamily="50" charset="-128"/>
               </a:rPr>
-              <a:t>気刃大回転斬り</a:t>
+              <a:t>大回転斬り</a:t>
             </a:r>
           </a:p>
         </p:txBody>
@@ -6738,7 +8214,7 @@
           <p:nvPr/>
         </p:nvPicPr>
         <p:blipFill>
-          <a:blip r:embed="rId11">
+          <a:blip r:embed="rId7">
             <a:extLst>
               <a:ext uri="{28A0092B-C50C-407E-A947-70E740481C1C}">
                 <a14:useLocalDpi xmlns:a14="http://schemas.microsoft.com/office/drawing/2010/main" val="0"/>
@@ -6751,7 +8227,7 @@
         </p:blipFill>
         <p:spPr>
           <a:xfrm>
-            <a:off x="6912719" y="4801361"/>
+            <a:off x="587085" y="6010728"/>
             <a:ext cx="314401" cy="332115"/>
           </a:xfrm>
           <a:prstGeom prst="rect">
@@ -6774,7 +8250,7 @@
           <p:nvPr/>
         </p:nvPicPr>
         <p:blipFill>
-          <a:blip r:embed="rId11">
+          <a:blip r:embed="rId7">
             <a:extLst>
               <a:ext uri="{28A0092B-C50C-407E-A947-70E740481C1C}">
                 <a14:useLocalDpi xmlns:a14="http://schemas.microsoft.com/office/drawing/2010/main" val="0"/>
@@ -6787,7 +8263,7 @@
         </p:blipFill>
         <p:spPr>
           <a:xfrm>
-            <a:off x="8315658" y="4801361"/>
+            <a:off x="1990024" y="6010728"/>
             <a:ext cx="314401" cy="332115"/>
           </a:xfrm>
           <a:prstGeom prst="rect">
@@ -6810,7 +8286,7 @@
           <p:nvPr/>
         </p:nvPicPr>
         <p:blipFill>
-          <a:blip r:embed="rId11">
+          <a:blip r:embed="rId7">
             <a:extLst>
               <a:ext uri="{28A0092B-C50C-407E-A947-70E740481C1C}">
                 <a14:useLocalDpi xmlns:a14="http://schemas.microsoft.com/office/drawing/2010/main" val="0"/>
@@ -6823,7 +8299,7 @@
         </p:blipFill>
         <p:spPr>
           <a:xfrm>
-            <a:off x="9656749" y="4801361"/>
+            <a:off x="3566442" y="6010728"/>
             <a:ext cx="314401" cy="332115"/>
           </a:xfrm>
           <a:prstGeom prst="rect">
@@ -6846,7 +8322,7 @@
           <p:nvPr/>
         </p:nvPicPr>
         <p:blipFill>
-          <a:blip r:embed="rId11">
+          <a:blip r:embed="rId7">
             <a:extLst>
               <a:ext uri="{28A0092B-C50C-407E-A947-70E740481C1C}">
                 <a14:useLocalDpi xmlns:a14="http://schemas.microsoft.com/office/drawing/2010/main" val="0"/>
@@ -6859,7 +8335,7 @@
         </p:blipFill>
         <p:spPr>
           <a:xfrm>
-            <a:off x="11185508" y="4801361"/>
+            <a:off x="4859874" y="6010728"/>
             <a:ext cx="314401" cy="332115"/>
           </a:xfrm>
           <a:prstGeom prst="rect">
@@ -6869,90 +8345,6 @@
       </p:pic>
       <p:sp>
         <p:nvSpPr>
-          <p:cNvPr id="4" name="テキスト ボックス 3">
-            <a:extLst>
-              <a:ext uri="{FF2B5EF4-FFF2-40B4-BE49-F238E27FC236}">
-                <a16:creationId xmlns:a16="http://schemas.microsoft.com/office/drawing/2014/main" id="{F0CCD95E-DA86-42B7-ACAF-DF53A28CE6CF}"/>
-              </a:ext>
-            </a:extLst>
-          </p:cNvPr>
-          <p:cNvSpPr txBox="1"/>
-          <p:nvPr/>
-        </p:nvSpPr>
-        <p:spPr>
-          <a:xfrm>
-            <a:off x="3441945" y="1961655"/>
-            <a:ext cx="371242" cy="276999"/>
-          </a:xfrm>
-          <a:prstGeom prst="rect">
-            <a:avLst/>
-          </a:prstGeom>
-          <a:noFill/>
-        </p:spPr>
-        <p:txBody>
-          <a:bodyPr wrap="square" rtlCol="0">
-            <a:spAutoFit/>
-          </a:bodyPr>
-          <a:lstStyle/>
-          <a:p>
-            <a:r>
-              <a:rPr kumimoji="1" lang="en-US" altLang="ja-JP" sz="1200" dirty="0">
-                <a:latin typeface="HGP創英角ｺﾞｼｯｸUB" panose="020B0900000000000000" pitchFamily="50" charset="-128"/>
-                <a:ea typeface="HGP創英角ｺﾞｼｯｸUB" panose="020B0900000000000000" pitchFamily="50" charset="-128"/>
-              </a:rPr>
-              <a:t>RT</a:t>
-            </a:r>
-            <a:endParaRPr kumimoji="1" lang="ja-JP" altLang="en-US" sz="1200" dirty="0">
-              <a:latin typeface="HGP創英角ｺﾞｼｯｸUB" panose="020B0900000000000000" pitchFamily="50" charset="-128"/>
-              <a:ea typeface="HGP創英角ｺﾞｼｯｸUB" panose="020B0900000000000000" pitchFamily="50" charset="-128"/>
-            </a:endParaRPr>
-          </a:p>
-        </p:txBody>
-      </p:sp>
-      <p:sp>
-        <p:nvSpPr>
-          <p:cNvPr id="91" name="テキスト ボックス 90">
-            <a:extLst>
-              <a:ext uri="{FF2B5EF4-FFF2-40B4-BE49-F238E27FC236}">
-                <a16:creationId xmlns:a16="http://schemas.microsoft.com/office/drawing/2014/main" id="{2EA0F577-C196-43E5-ABD3-3BFFCD113A78}"/>
-              </a:ext>
-            </a:extLst>
-          </p:cNvPr>
-          <p:cNvSpPr txBox="1"/>
-          <p:nvPr/>
-        </p:nvSpPr>
-        <p:spPr>
-          <a:xfrm>
-            <a:off x="3383335" y="2236144"/>
-            <a:ext cx="371242" cy="276999"/>
-          </a:xfrm>
-          <a:prstGeom prst="rect">
-            <a:avLst/>
-          </a:prstGeom>
-          <a:noFill/>
-        </p:spPr>
-        <p:txBody>
-          <a:bodyPr wrap="square" rtlCol="0">
-            <a:spAutoFit/>
-          </a:bodyPr>
-          <a:lstStyle/>
-          <a:p>
-            <a:r>
-              <a:rPr kumimoji="1" lang="en-US" altLang="ja-JP" sz="1200" dirty="0">
-                <a:latin typeface="HGP創英角ｺﾞｼｯｸUB" panose="020B0900000000000000" pitchFamily="50" charset="-128"/>
-                <a:ea typeface="HGP創英角ｺﾞｼｯｸUB" panose="020B0900000000000000" pitchFamily="50" charset="-128"/>
-              </a:rPr>
-              <a:t>RB</a:t>
-            </a:r>
-            <a:endParaRPr kumimoji="1" lang="ja-JP" altLang="en-US" sz="1200" dirty="0">
-              <a:latin typeface="HGP創英角ｺﾞｼｯｸUB" panose="020B0900000000000000" pitchFamily="50" charset="-128"/>
-              <a:ea typeface="HGP創英角ｺﾞｼｯｸUB" panose="020B0900000000000000" pitchFamily="50" charset="-128"/>
-            </a:endParaRPr>
-          </a:p>
-        </p:txBody>
-      </p:sp>
-      <p:sp>
-        <p:nvSpPr>
           <p:cNvPr id="92" name="正方形/長方形 91">
             <a:extLst>
               <a:ext uri="{FF2B5EF4-FFF2-40B4-BE49-F238E27FC236}">
@@ -6965,8 +8357,8 @@
         </p:nvSpPr>
         <p:spPr>
           <a:xfrm>
-            <a:off x="6795913" y="1014971"/>
-            <a:ext cx="4710288" cy="1675762"/>
+            <a:off x="440260" y="1859336"/>
+            <a:ext cx="4710288" cy="1757033"/>
           </a:xfrm>
           <a:custGeom>
             <a:avLst/>
@@ -7141,7 +8533,7 @@
         </p:nvSpPr>
         <p:spPr>
           <a:xfrm>
-            <a:off x="7707943" y="2850236"/>
+            <a:off x="1345838" y="3923399"/>
             <a:ext cx="3089217" cy="1145517"/>
           </a:xfrm>
           <a:custGeom>
@@ -7353,7 +8745,7 @@
         </p:nvSpPr>
         <p:spPr>
           <a:xfrm>
-            <a:off x="6575726" y="4241659"/>
+            <a:off x="250092" y="5451026"/>
             <a:ext cx="5572896" cy="1046799"/>
           </a:xfrm>
           <a:custGeom>
@@ -7637,7 +9029,7 @@
         </p:nvSpPr>
         <p:spPr>
           <a:xfrm>
-            <a:off x="8770654" y="5315846"/>
+            <a:off x="8564755" y="1125270"/>
             <a:ext cx="1107996" cy="461665"/>
           </a:xfrm>
           <a:prstGeom prst="rect">
@@ -7675,8 +9067,8 @@
         </p:nvSpPr>
         <p:spPr>
           <a:xfrm>
-            <a:off x="6554127" y="5551823"/>
-            <a:ext cx="5572896" cy="1046799"/>
+            <a:off x="6332305" y="1356103"/>
+            <a:ext cx="5572896" cy="5270200"/>
           </a:xfrm>
           <a:custGeom>
             <a:avLst/>
@@ -7889,6 +9281,126 @@
               <a:gd name="connsiteY4" fmla="*/ 6270 h 2095841"/>
               <a:gd name="connsiteX5" fmla="*/ 1880991 w 4710288"/>
               <a:gd name="connsiteY5" fmla="*/ 48172 h 2095841"/>
+              <a:gd name="connsiteX0" fmla="*/ 2821175 w 4710288"/>
+              <a:gd name="connsiteY0" fmla="*/ 3483 h 2099324"/>
+              <a:gd name="connsiteX1" fmla="*/ 4710288 w 4710288"/>
+              <a:gd name="connsiteY1" fmla="*/ 13556 h 2099324"/>
+              <a:gd name="connsiteX2" fmla="*/ 4703997 w 4710288"/>
+              <a:gd name="connsiteY2" fmla="*/ 2099324 h 2099324"/>
+              <a:gd name="connsiteX3" fmla="*/ 0 w 4710288"/>
+              <a:gd name="connsiteY3" fmla="*/ 2099324 h 2099324"/>
+              <a:gd name="connsiteX4" fmla="*/ 0 w 4710288"/>
+              <a:gd name="connsiteY4" fmla="*/ 9753 h 2099324"/>
+              <a:gd name="connsiteX5" fmla="*/ 1841559 w 4710288"/>
+              <a:gd name="connsiteY5" fmla="*/ 3417 h 2099324"/>
+              <a:gd name="connsiteX0" fmla="*/ 2821175 w 4710288"/>
+              <a:gd name="connsiteY0" fmla="*/ 0 h 2095841"/>
+              <a:gd name="connsiteX1" fmla="*/ 4710288 w 4710288"/>
+              <a:gd name="connsiteY1" fmla="*/ 10073 h 2095841"/>
+              <a:gd name="connsiteX2" fmla="*/ 4703997 w 4710288"/>
+              <a:gd name="connsiteY2" fmla="*/ 2095841 h 2095841"/>
+              <a:gd name="connsiteX3" fmla="*/ 0 w 4710288"/>
+              <a:gd name="connsiteY3" fmla="*/ 2095841 h 2095841"/>
+              <a:gd name="connsiteX4" fmla="*/ 0 w 4710288"/>
+              <a:gd name="connsiteY4" fmla="*/ 6270 h 2095841"/>
+              <a:gd name="connsiteX5" fmla="*/ 1841559 w 4710288"/>
+              <a:gd name="connsiteY5" fmla="*/ 18487 h 2095841"/>
+              <a:gd name="connsiteX0" fmla="*/ 2821175 w 4710288"/>
+              <a:gd name="connsiteY0" fmla="*/ 0 h 2095841"/>
+              <a:gd name="connsiteX1" fmla="*/ 4710288 w 4710288"/>
+              <a:gd name="connsiteY1" fmla="*/ 10073 h 2095841"/>
+              <a:gd name="connsiteX2" fmla="*/ 4703997 w 4710288"/>
+              <a:gd name="connsiteY2" fmla="*/ 2095841 h 2095841"/>
+              <a:gd name="connsiteX3" fmla="*/ 0 w 4710288"/>
+              <a:gd name="connsiteY3" fmla="*/ 2095841 h 2095841"/>
+              <a:gd name="connsiteX4" fmla="*/ 0 w 4710288"/>
+              <a:gd name="connsiteY4" fmla="*/ 6270 h 2095841"/>
+              <a:gd name="connsiteX5" fmla="*/ 1841559 w 4710288"/>
+              <a:gd name="connsiteY5" fmla="*/ 18487 h 2095841"/>
+              <a:gd name="connsiteX0" fmla="*/ 2821175 w 4710288"/>
+              <a:gd name="connsiteY0" fmla="*/ 0 h 2095841"/>
+              <a:gd name="connsiteX1" fmla="*/ 4710288 w 4710288"/>
+              <a:gd name="connsiteY1" fmla="*/ 10073 h 2095841"/>
+              <a:gd name="connsiteX2" fmla="*/ 4703997 w 4710288"/>
+              <a:gd name="connsiteY2" fmla="*/ 2095841 h 2095841"/>
+              <a:gd name="connsiteX3" fmla="*/ 0 w 4710288"/>
+              <a:gd name="connsiteY3" fmla="*/ 2095841 h 2095841"/>
+              <a:gd name="connsiteX4" fmla="*/ 0 w 4710288"/>
+              <a:gd name="connsiteY4" fmla="*/ 6270 h 2095841"/>
+              <a:gd name="connsiteX5" fmla="*/ 1841559 w 4710288"/>
+              <a:gd name="connsiteY5" fmla="*/ 3644 h 2095841"/>
+              <a:gd name="connsiteX0" fmla="*/ 2821175 w 4710288"/>
+              <a:gd name="connsiteY0" fmla="*/ 0 h 2095841"/>
+              <a:gd name="connsiteX1" fmla="*/ 4710288 w 4710288"/>
+              <a:gd name="connsiteY1" fmla="*/ 10073 h 2095841"/>
+              <a:gd name="connsiteX2" fmla="*/ 4703997 w 4710288"/>
+              <a:gd name="connsiteY2" fmla="*/ 2095841 h 2095841"/>
+              <a:gd name="connsiteX3" fmla="*/ 0 w 4710288"/>
+              <a:gd name="connsiteY3" fmla="*/ 2095841 h 2095841"/>
+              <a:gd name="connsiteX4" fmla="*/ 0 w 4710288"/>
+              <a:gd name="connsiteY4" fmla="*/ 6270 h 2095841"/>
+              <a:gd name="connsiteX5" fmla="*/ 1825787 w 4710288"/>
+              <a:gd name="connsiteY5" fmla="*/ 22197 h 2095841"/>
+              <a:gd name="connsiteX0" fmla="*/ 2821175 w 4710288"/>
+              <a:gd name="connsiteY0" fmla="*/ 0 h 2095841"/>
+              <a:gd name="connsiteX1" fmla="*/ 4710288 w 4710288"/>
+              <a:gd name="connsiteY1" fmla="*/ 10073 h 2095841"/>
+              <a:gd name="connsiteX2" fmla="*/ 4703997 w 4710288"/>
+              <a:gd name="connsiteY2" fmla="*/ 2095841 h 2095841"/>
+              <a:gd name="connsiteX3" fmla="*/ 0 w 4710288"/>
+              <a:gd name="connsiteY3" fmla="*/ 2095841 h 2095841"/>
+              <a:gd name="connsiteX4" fmla="*/ 0 w 4710288"/>
+              <a:gd name="connsiteY4" fmla="*/ 6270 h 2095841"/>
+              <a:gd name="connsiteX5" fmla="*/ 1825787 w 4710288"/>
+              <a:gd name="connsiteY5" fmla="*/ 22197 h 2095841"/>
+              <a:gd name="connsiteX0" fmla="*/ 2821175 w 4710288"/>
+              <a:gd name="connsiteY0" fmla="*/ 0 h 2095841"/>
+              <a:gd name="connsiteX1" fmla="*/ 4710288 w 4710288"/>
+              <a:gd name="connsiteY1" fmla="*/ 10073 h 2095841"/>
+              <a:gd name="connsiteX2" fmla="*/ 4703997 w 4710288"/>
+              <a:gd name="connsiteY2" fmla="*/ 2095841 h 2095841"/>
+              <a:gd name="connsiteX3" fmla="*/ 0 w 4710288"/>
+              <a:gd name="connsiteY3" fmla="*/ 2095841 h 2095841"/>
+              <a:gd name="connsiteX4" fmla="*/ 0 w 4710288"/>
+              <a:gd name="connsiteY4" fmla="*/ 6270 h 2095841"/>
+              <a:gd name="connsiteX5" fmla="*/ 1810015 w 4710288"/>
+              <a:gd name="connsiteY5" fmla="*/ 14776 h 2095841"/>
+              <a:gd name="connsiteX0" fmla="*/ 2821175 w 4710288"/>
+              <a:gd name="connsiteY0" fmla="*/ 0 h 2095841"/>
+              <a:gd name="connsiteX1" fmla="*/ 4710288 w 4710288"/>
+              <a:gd name="connsiteY1" fmla="*/ 10073 h 2095841"/>
+              <a:gd name="connsiteX2" fmla="*/ 4703997 w 4710288"/>
+              <a:gd name="connsiteY2" fmla="*/ 2095841 h 2095841"/>
+              <a:gd name="connsiteX3" fmla="*/ 0 w 4710288"/>
+              <a:gd name="connsiteY3" fmla="*/ 2095841 h 2095841"/>
+              <a:gd name="connsiteX4" fmla="*/ 0 w 4710288"/>
+              <a:gd name="connsiteY4" fmla="*/ 6270 h 2095841"/>
+              <a:gd name="connsiteX5" fmla="*/ 1810015 w 4710288"/>
+              <a:gd name="connsiteY5" fmla="*/ 14776 h 2095841"/>
+              <a:gd name="connsiteX0" fmla="*/ 2821175 w 4710288"/>
+              <a:gd name="connsiteY0" fmla="*/ 0 h 2095841"/>
+              <a:gd name="connsiteX1" fmla="*/ 4710288 w 4710288"/>
+              <a:gd name="connsiteY1" fmla="*/ 10073 h 2095841"/>
+              <a:gd name="connsiteX2" fmla="*/ 4703997 w 4710288"/>
+              <a:gd name="connsiteY2" fmla="*/ 2095841 h 2095841"/>
+              <a:gd name="connsiteX3" fmla="*/ 0 w 4710288"/>
+              <a:gd name="connsiteY3" fmla="*/ 2095841 h 2095841"/>
+              <a:gd name="connsiteX4" fmla="*/ 0 w 4710288"/>
+              <a:gd name="connsiteY4" fmla="*/ 6270 h 2095841"/>
+              <a:gd name="connsiteX5" fmla="*/ 1810015 w 4710288"/>
+              <a:gd name="connsiteY5" fmla="*/ 14776 h 2095841"/>
+              <a:gd name="connsiteX0" fmla="*/ 2821175 w 4710288"/>
+              <a:gd name="connsiteY0" fmla="*/ 0 h 2095841"/>
+              <a:gd name="connsiteX1" fmla="*/ 4710288 w 4710288"/>
+              <a:gd name="connsiteY1" fmla="*/ 10073 h 2095841"/>
+              <a:gd name="connsiteX2" fmla="*/ 4703997 w 4710288"/>
+              <a:gd name="connsiteY2" fmla="*/ 2095841 h 2095841"/>
+              <a:gd name="connsiteX3" fmla="*/ 0 w 4710288"/>
+              <a:gd name="connsiteY3" fmla="*/ 2095841 h 2095841"/>
+              <a:gd name="connsiteX4" fmla="*/ 0 w 4710288"/>
+              <a:gd name="connsiteY4" fmla="*/ 6270 h 2095841"/>
+              <a:gd name="connsiteX5" fmla="*/ 1833674 w 4710288"/>
+              <a:gd name="connsiteY5" fmla="*/ 14776 h 2095841"/>
             </a:gdLst>
             <a:ahLst/>
             <a:cxnLst>
@@ -7930,7 +9442,7 @@
                   <a:pt x="0" y="6270"/>
                 </a:lnTo>
                 <a:lnTo>
-                  <a:pt x="1880991" y="48172"/>
+                  <a:pt x="1833674" y="14776"/>
                 </a:lnTo>
               </a:path>
             </a:pathLst>
@@ -7984,7 +9496,7 @@
           <p:nvPr/>
         </p:nvPicPr>
         <p:blipFill>
-          <a:blip r:embed="rId12">
+          <a:blip r:embed="rId8">
             <a:extLst>
               <a:ext uri="{28A0092B-C50C-407E-A947-70E740481C1C}">
                 <a14:useLocalDpi xmlns:a14="http://schemas.microsoft.com/office/drawing/2010/main" val="0"/>
@@ -7997,8 +9509,8 @@
         </p:blipFill>
         <p:spPr>
           <a:xfrm>
-            <a:off x="6575726" y="5974426"/>
-            <a:ext cx="1740465" cy="396590"/>
+            <a:off x="7509490" y="2146884"/>
+            <a:ext cx="3248493" cy="740216"/>
           </a:xfrm>
           <a:prstGeom prst="rect">
             <a:avLst/>
@@ -8020,7 +9532,7 @@
           <p:nvPr/>
         </p:nvPicPr>
         <p:blipFill>
-          <a:blip r:embed="rId13">
+          <a:blip r:embed="rId9">
             <a:extLst>
               <a:ext uri="{28A0092B-C50C-407E-A947-70E740481C1C}">
                 <a14:useLocalDpi xmlns:a14="http://schemas.microsoft.com/office/drawing/2010/main" val="0"/>
@@ -8033,8 +9545,8 @@
         </p:blipFill>
         <p:spPr>
           <a:xfrm>
-            <a:off x="7027706" y="6025467"/>
-            <a:ext cx="1125636" cy="293526"/>
+            <a:off x="8314872" y="2212414"/>
+            <a:ext cx="2223059" cy="579695"/>
           </a:xfrm>
           <a:prstGeom prst="rect">
             <a:avLst/>
@@ -8056,7 +9568,7 @@
           <p:nvPr/>
         </p:nvPicPr>
         <p:blipFill>
-          <a:blip r:embed="rId14">
+          <a:blip r:embed="rId10">
             <a:extLst>
               <a:ext uri="{28A0092B-C50C-407E-A947-70E740481C1C}">
                 <a14:useLocalDpi xmlns:a14="http://schemas.microsoft.com/office/drawing/2010/main" val="0"/>
@@ -8069,8 +9581,8 @@
         </p:blipFill>
         <p:spPr>
           <a:xfrm>
-            <a:off x="6570363" y="5975509"/>
-            <a:ext cx="1709424" cy="441711"/>
+            <a:off x="7468942" y="2133083"/>
+            <a:ext cx="3299621" cy="852614"/>
           </a:xfrm>
           <a:prstGeom prst="rect">
             <a:avLst/>
@@ -8092,7 +9604,7 @@
           <p:nvPr/>
         </p:nvPicPr>
         <p:blipFill>
-          <a:blip r:embed="rId15">
+          <a:blip r:embed="rId11">
             <a:extLst>
               <a:ext uri="{28A0092B-C50C-407E-A947-70E740481C1C}">
                 <a14:useLocalDpi xmlns:a14="http://schemas.microsoft.com/office/drawing/2010/main" val="0"/>
@@ -8105,7 +9617,7 @@
         </p:blipFill>
         <p:spPr>
           <a:xfrm>
-            <a:off x="8726064" y="6205710"/>
+            <a:off x="7185370" y="3882365"/>
             <a:ext cx="769739" cy="267996"/>
           </a:xfrm>
           <a:prstGeom prst="rect">
@@ -8129,8 +9641,8 @@
         </p:nvCxnSpPr>
         <p:spPr>
           <a:xfrm flipH="1">
-            <a:off x="8493991" y="6133073"/>
-            <a:ext cx="1178790" cy="0"/>
+            <a:off x="6730412" y="3679351"/>
+            <a:ext cx="1653776" cy="0"/>
           </a:xfrm>
           <a:prstGeom prst="line">
             <a:avLst/>
@@ -8165,8 +9677,8 @@
         </p:nvSpPr>
         <p:spPr>
           <a:xfrm>
-            <a:off x="8360883" y="5830907"/>
-            <a:ext cx="1438214" cy="307777"/>
+            <a:off x="6792243" y="3253949"/>
+            <a:ext cx="1617751" cy="338554"/>
           </a:xfrm>
           <a:prstGeom prst="rect">
             <a:avLst/>
@@ -8180,7 +9692,7 @@
           <a:lstStyle/>
           <a:p>
             <a:r>
-              <a:rPr kumimoji="1" lang="ja-JP" altLang="en-US" sz="1400" dirty="0">
+              <a:rPr kumimoji="1" lang="ja-JP" altLang="en-US" sz="1600" dirty="0">
                 <a:latin typeface="HGP創英角ｺﾞｼｯｸUB" panose="020B0900000000000000" pitchFamily="50" charset="-128"/>
                 <a:ea typeface="HGP創英角ｺﾞｼｯｸUB" panose="020B0900000000000000" pitchFamily="50" charset="-128"/>
               </a:rPr>
@@ -8204,7 +9716,7 @@
           <p:nvPr/>
         </p:nvPicPr>
         <p:blipFill>
-          <a:blip r:embed="rId10">
+          <a:blip r:embed="rId5">
             <a:extLst>
               <a:ext uri="{28A0092B-C50C-407E-A947-70E740481C1C}">
                 <a14:useLocalDpi xmlns:a14="http://schemas.microsoft.com/office/drawing/2010/main" val="0"/>
@@ -8217,7 +9729,7 @@
         </p:blipFill>
         <p:spPr>
           <a:xfrm rot="4052267">
-            <a:off x="9856034" y="5812266"/>
+            <a:off x="8871184" y="3366907"/>
             <a:ext cx="215526" cy="189868"/>
           </a:xfrm>
           <a:prstGeom prst="rect">
@@ -8239,8 +9751,8 @@
         </p:nvSpPr>
         <p:spPr>
           <a:xfrm>
-            <a:off x="10165916" y="5657453"/>
-            <a:ext cx="1657826" cy="461665"/>
+            <a:off x="9409677" y="3034900"/>
+            <a:ext cx="2154757" cy="584775"/>
           </a:xfrm>
           <a:prstGeom prst="rect">
             <a:avLst/>
@@ -8255,13 +9767,13 @@
           <a:p>
             <a:pPr algn="ctr"/>
             <a:r>
-              <a:rPr kumimoji="1" lang="ja-JP" altLang="en-US" sz="1200" dirty="0">
+              <a:rPr kumimoji="1" lang="ja-JP" altLang="en-US" sz="1600" dirty="0">
                 <a:latin typeface="HGP創英角ｺﾞｼｯｸUB" panose="020B0900000000000000" pitchFamily="50" charset="-128"/>
                 <a:ea typeface="HGP創英角ｺﾞｼｯｸUB" panose="020B0900000000000000" pitchFamily="50" charset="-128"/>
               </a:rPr>
               <a:t>攻撃を食らうと成功！</a:t>
             </a:r>
-            <a:endParaRPr kumimoji="1" lang="en-US" altLang="ja-JP" sz="1200" dirty="0">
+            <a:endParaRPr kumimoji="1" lang="en-US" altLang="ja-JP" sz="1600" dirty="0">
               <a:latin typeface="HGP創英角ｺﾞｼｯｸUB" panose="020B0900000000000000" pitchFamily="50" charset="-128"/>
               <a:ea typeface="HGP創英角ｺﾞｼｯｸUB" panose="020B0900000000000000" pitchFamily="50" charset="-128"/>
             </a:endParaRPr>
@@ -8269,13 +9781,13 @@
           <a:p>
             <a:pPr algn="ctr"/>
             <a:r>
-              <a:rPr lang="ja-JP" altLang="en-US" sz="1200" dirty="0">
+              <a:rPr lang="ja-JP" altLang="en-US" sz="1600" dirty="0">
                 <a:latin typeface="HGP創英角ｺﾞｼｯｸUB" panose="020B0900000000000000" pitchFamily="50" charset="-128"/>
                 <a:ea typeface="HGP創英角ｺﾞｼｯｸUB" panose="020B0900000000000000" pitchFamily="50" charset="-128"/>
               </a:rPr>
               <a:t>大ダメージを与えられる</a:t>
             </a:r>
-            <a:endParaRPr kumimoji="1" lang="ja-JP" altLang="en-US" sz="1200" dirty="0">
+            <a:endParaRPr kumimoji="1" lang="ja-JP" altLang="en-US" sz="1600" dirty="0">
               <a:latin typeface="HGP創英角ｺﾞｼｯｸUB" panose="020B0900000000000000" pitchFamily="50" charset="-128"/>
               <a:ea typeface="HGP創英角ｺﾞｼｯｸUB" panose="020B0900000000000000" pitchFamily="50" charset="-128"/>
             </a:endParaRPr>
@@ -8297,7 +9809,7 @@
           <p:nvPr/>
         </p:nvPicPr>
         <p:blipFill>
-          <a:blip r:embed="rId10">
+          <a:blip r:embed="rId5">
             <a:extLst>
               <a:ext uri="{28A0092B-C50C-407E-A947-70E740481C1C}">
                 <a14:useLocalDpi xmlns:a14="http://schemas.microsoft.com/office/drawing/2010/main" val="0"/>
@@ -8310,7 +9822,7 @@
         </p:blipFill>
         <p:spPr>
           <a:xfrm rot="6901285">
-            <a:off x="9862098" y="6180426"/>
+            <a:off x="8871183" y="3966267"/>
             <a:ext cx="215526" cy="189868"/>
           </a:xfrm>
           <a:prstGeom prst="rect">
@@ -8334,8 +9846,8 @@
         </p:nvCxnSpPr>
         <p:spPr>
           <a:xfrm flipH="1">
-            <a:off x="10087213" y="6126723"/>
-            <a:ext cx="1768237" cy="0"/>
+            <a:off x="9371687" y="3727304"/>
+            <a:ext cx="2302153" cy="0"/>
           </a:xfrm>
           <a:prstGeom prst="line">
             <a:avLst/>
@@ -8370,8 +9882,8 @@
         </p:nvSpPr>
         <p:spPr>
           <a:xfrm>
-            <a:off x="10273648" y="6108875"/>
-            <a:ext cx="1447832" cy="461665"/>
+            <a:off x="9544780" y="3860780"/>
+            <a:ext cx="1871025" cy="584775"/>
           </a:xfrm>
           <a:prstGeom prst="rect">
             <a:avLst/>
@@ -8386,13 +9898,13 @@
           <a:p>
             <a:pPr algn="ctr"/>
             <a:r>
-              <a:rPr kumimoji="1" lang="ja-JP" altLang="en-US" sz="1200" dirty="0">
+              <a:rPr kumimoji="1" lang="ja-JP" altLang="en-US" sz="1600" dirty="0">
                 <a:latin typeface="HGP創英角ｺﾞｼｯｸUB" panose="020B0900000000000000" pitchFamily="50" charset="-128"/>
                 <a:ea typeface="HGP創英角ｺﾞｼｯｸUB" panose="020B0900000000000000" pitchFamily="50" charset="-128"/>
               </a:rPr>
               <a:t>攻撃を食らわないと</a:t>
             </a:r>
-            <a:endParaRPr kumimoji="1" lang="en-US" altLang="ja-JP" sz="1200" dirty="0">
+            <a:endParaRPr kumimoji="1" lang="en-US" altLang="ja-JP" sz="1600" dirty="0">
               <a:latin typeface="HGP創英角ｺﾞｼｯｸUB" panose="020B0900000000000000" pitchFamily="50" charset="-128"/>
               <a:ea typeface="HGP創英角ｺﾞｼｯｸUB" panose="020B0900000000000000" pitchFamily="50" charset="-128"/>
             </a:endParaRPr>
@@ -8400,13 +9912,13 @@
           <a:p>
             <a:pPr algn="ctr"/>
             <a:r>
-              <a:rPr lang="ja-JP" altLang="en-US" sz="1200" dirty="0">
+              <a:rPr lang="ja-JP" altLang="en-US" sz="1600" dirty="0">
                 <a:latin typeface="HGP創英角ｺﾞｼｯｸUB" panose="020B0900000000000000" pitchFamily="50" charset="-128"/>
                 <a:ea typeface="HGP創英角ｺﾞｼｯｸUB" panose="020B0900000000000000" pitchFamily="50" charset="-128"/>
               </a:rPr>
               <a:t>大きな隙が生まれる</a:t>
             </a:r>
-            <a:endParaRPr kumimoji="1" lang="ja-JP" altLang="en-US" sz="1200" dirty="0">
+            <a:endParaRPr kumimoji="1" lang="ja-JP" altLang="en-US" sz="1600" dirty="0">
               <a:latin typeface="HGP創英角ｺﾞｼｯｸUB" panose="020B0900000000000000" pitchFamily="50" charset="-128"/>
               <a:ea typeface="HGP創英角ｺﾞｼｯｸUB" panose="020B0900000000000000" pitchFamily="50" charset="-128"/>
             </a:endParaRPr>
@@ -8427,8 +9939,8 @@
         </p:nvSpPr>
         <p:spPr>
           <a:xfrm>
-            <a:off x="6498676" y="5649387"/>
-            <a:ext cx="1984839" cy="307777"/>
+            <a:off x="7185370" y="1719953"/>
+            <a:ext cx="3866764" cy="369332"/>
           </a:xfrm>
           <a:prstGeom prst="rect">
             <a:avLst/>
@@ -8442,11 +9954,49 @@
           <a:lstStyle/>
           <a:p>
             <a:r>
-              <a:rPr kumimoji="1" lang="ja-JP" altLang="en-US" sz="1400" dirty="0">
+              <a:rPr kumimoji="1" lang="ja-JP" altLang="en-US" dirty="0">
                 <a:latin typeface="HGP創英角ｺﾞｼｯｸUB" panose="020B0900000000000000" pitchFamily="50" charset="-128"/>
                 <a:ea typeface="HGP創英角ｺﾞｼｯｸUB" panose="020B0900000000000000" pitchFamily="50" charset="-128"/>
               </a:rPr>
-              <a:t>左上のゲージが赤いとき</a:t>
+              <a:t>左上のゲージが赤いときに発動可能！</a:t>
+            </a:r>
+          </a:p>
+        </p:txBody>
+      </p:sp>
+      <p:sp>
+        <p:nvSpPr>
+          <p:cNvPr id="24" name="テキスト ボックス 23">
+            <a:extLst>
+              <a:ext uri="{FF2B5EF4-FFF2-40B4-BE49-F238E27FC236}">
+                <a16:creationId xmlns:a16="http://schemas.microsoft.com/office/drawing/2014/main" id="{B218E981-E6A6-3229-167E-BD6535D14CD8}"/>
+              </a:ext>
+            </a:extLst>
+          </p:cNvPr>
+          <p:cNvSpPr txBox="1"/>
+          <p:nvPr/>
+        </p:nvSpPr>
+        <p:spPr>
+          <a:xfrm>
+            <a:off x="8384188" y="5156669"/>
+            <a:ext cx="595035" cy="338554"/>
+          </a:xfrm>
+          <a:prstGeom prst="rect">
+            <a:avLst/>
+          </a:prstGeom>
+          <a:noFill/>
+        </p:spPr>
+        <p:txBody>
+          <a:bodyPr wrap="none" rtlCol="0">
+            <a:spAutoFit/>
+          </a:bodyPr>
+          <a:lstStyle/>
+          <a:p>
+            <a:r>
+              <a:rPr kumimoji="1" lang="ja-JP" altLang="en-US" sz="1600" dirty="0">
+                <a:latin typeface="HGP創英角ｺﾞｼｯｸUB" panose="020B0900000000000000" pitchFamily="50" charset="-128"/>
+                <a:ea typeface="HGP創英角ｺﾞｼｯｸUB" panose="020B0900000000000000" pitchFamily="50" charset="-128"/>
+              </a:rPr>
+              <a:t>写真</a:t>
             </a:r>
           </a:p>
         </p:txBody>
@@ -8454,7 +10004,7 @@
     </p:spTree>
     <p:extLst>
       <p:ext uri="{BB962C8B-B14F-4D97-AF65-F5344CB8AC3E}">
-        <p14:creationId xmlns:p14="http://schemas.microsoft.com/office/powerpoint/2010/main" val="3145229587"/>
+        <p14:creationId xmlns:p14="http://schemas.microsoft.com/office/powerpoint/2010/main" val="3492189112"/>
       </p:ext>
     </p:extLst>
   </p:cSld>

--- a/DH操作説明.pptx
+++ b/DH操作説明.pptx
@@ -261,7 +261,7 @@
           <a:p>
             <a:fld id="{295914E5-CFCE-4A37-B3AB-261DCECED5F4}" type="datetimeFigureOut">
               <a:rPr kumimoji="1" lang="ja-JP" altLang="en-US" smtClean="0"/>
-              <a:t>2024/3/31</a:t>
+              <a:t>2024/4/15</a:t>
             </a:fld>
             <a:endParaRPr kumimoji="1" lang="ja-JP" altLang="en-US"/>
           </a:p>
@@ -491,7 +491,7 @@
           <a:p>
             <a:fld id="{295914E5-CFCE-4A37-B3AB-261DCECED5F4}" type="datetimeFigureOut">
               <a:rPr kumimoji="1" lang="ja-JP" altLang="en-US" smtClean="0"/>
-              <a:t>2024/3/31</a:t>
+              <a:t>2024/4/15</a:t>
             </a:fld>
             <a:endParaRPr kumimoji="1" lang="ja-JP" altLang="en-US"/>
           </a:p>
@@ -731,7 +731,7 @@
           <a:p>
             <a:fld id="{295914E5-CFCE-4A37-B3AB-261DCECED5F4}" type="datetimeFigureOut">
               <a:rPr kumimoji="1" lang="ja-JP" altLang="en-US" smtClean="0"/>
-              <a:t>2024/3/31</a:t>
+              <a:t>2024/4/15</a:t>
             </a:fld>
             <a:endParaRPr kumimoji="1" lang="ja-JP" altLang="en-US"/>
           </a:p>
@@ -961,7 +961,7 @@
           <a:p>
             <a:fld id="{295914E5-CFCE-4A37-B3AB-261DCECED5F4}" type="datetimeFigureOut">
               <a:rPr kumimoji="1" lang="ja-JP" altLang="en-US" smtClean="0"/>
-              <a:t>2024/3/31</a:t>
+              <a:t>2024/4/15</a:t>
             </a:fld>
             <a:endParaRPr kumimoji="1" lang="ja-JP" altLang="en-US"/>
           </a:p>
@@ -1236,7 +1236,7 @@
           <a:p>
             <a:fld id="{295914E5-CFCE-4A37-B3AB-261DCECED5F4}" type="datetimeFigureOut">
               <a:rPr kumimoji="1" lang="ja-JP" altLang="en-US" smtClean="0"/>
-              <a:t>2024/3/31</a:t>
+              <a:t>2024/4/15</a:t>
             </a:fld>
             <a:endParaRPr kumimoji="1" lang="ja-JP" altLang="en-US"/>
           </a:p>
@@ -1565,7 +1565,7 @@
           <a:p>
             <a:fld id="{295914E5-CFCE-4A37-B3AB-261DCECED5F4}" type="datetimeFigureOut">
               <a:rPr kumimoji="1" lang="ja-JP" altLang="en-US" smtClean="0"/>
-              <a:t>2024/3/31</a:t>
+              <a:t>2024/4/15</a:t>
             </a:fld>
             <a:endParaRPr kumimoji="1" lang="ja-JP" altLang="en-US"/>
           </a:p>
@@ -2041,7 +2041,7 @@
           <a:p>
             <a:fld id="{295914E5-CFCE-4A37-B3AB-261DCECED5F4}" type="datetimeFigureOut">
               <a:rPr kumimoji="1" lang="ja-JP" altLang="en-US" smtClean="0"/>
-              <a:t>2024/3/31</a:t>
+              <a:t>2024/4/15</a:t>
             </a:fld>
             <a:endParaRPr kumimoji="1" lang="ja-JP" altLang="en-US"/>
           </a:p>
@@ -2182,7 +2182,7 @@
           <a:p>
             <a:fld id="{295914E5-CFCE-4A37-B3AB-261DCECED5F4}" type="datetimeFigureOut">
               <a:rPr kumimoji="1" lang="ja-JP" altLang="en-US" smtClean="0"/>
-              <a:t>2024/3/31</a:t>
+              <a:t>2024/4/15</a:t>
             </a:fld>
             <a:endParaRPr kumimoji="1" lang="ja-JP" altLang="en-US"/>
           </a:p>
@@ -2295,7 +2295,7 @@
           <a:p>
             <a:fld id="{295914E5-CFCE-4A37-B3AB-261DCECED5F4}" type="datetimeFigureOut">
               <a:rPr kumimoji="1" lang="ja-JP" altLang="en-US" smtClean="0"/>
-              <a:t>2024/3/31</a:t>
+              <a:t>2024/4/15</a:t>
             </a:fld>
             <a:endParaRPr kumimoji="1" lang="ja-JP" altLang="en-US"/>
           </a:p>
@@ -2638,7 +2638,7 @@
           <a:p>
             <a:fld id="{295914E5-CFCE-4A37-B3AB-261DCECED5F4}" type="datetimeFigureOut">
               <a:rPr kumimoji="1" lang="ja-JP" altLang="en-US" smtClean="0"/>
-              <a:t>2024/3/31</a:t>
+              <a:t>2024/4/15</a:t>
             </a:fld>
             <a:endParaRPr kumimoji="1" lang="ja-JP" altLang="en-US"/>
           </a:p>
@@ -2926,7 +2926,7 @@
           <a:p>
             <a:fld id="{295914E5-CFCE-4A37-B3AB-261DCECED5F4}" type="datetimeFigureOut">
               <a:rPr kumimoji="1" lang="ja-JP" altLang="en-US" smtClean="0"/>
-              <a:t>2024/3/31</a:t>
+              <a:t>2024/4/15</a:t>
             </a:fld>
             <a:endParaRPr kumimoji="1" lang="ja-JP" altLang="en-US"/>
           </a:p>
@@ -3199,7 +3199,7 @@
           <a:p>
             <a:fld id="{295914E5-CFCE-4A37-B3AB-261DCECED5F4}" type="datetimeFigureOut">
               <a:rPr kumimoji="1" lang="ja-JP" altLang="en-US" smtClean="0"/>
-              <a:t>2024/3/31</a:t>
+              <a:t>2024/4/15</a:t>
             </a:fld>
             <a:endParaRPr kumimoji="1" lang="ja-JP" altLang="en-US"/>
           </a:p>
@@ -9963,12 +9963,120 @@
           </a:p>
         </p:txBody>
       </p:sp>
-      <p:sp>
-        <p:nvSpPr>
-          <p:cNvPr id="24" name="テキスト ボックス 23">
-            <a:extLst>
-              <a:ext uri="{FF2B5EF4-FFF2-40B4-BE49-F238E27FC236}">
-                <a16:creationId xmlns:a16="http://schemas.microsoft.com/office/drawing/2014/main" id="{B218E981-E6A6-3229-167E-BD6535D14CD8}"/>
+      <p:pic>
+        <p:nvPicPr>
+          <p:cNvPr id="6" name="図 5">
+            <a:extLst>
+              <a:ext uri="{FF2B5EF4-FFF2-40B4-BE49-F238E27FC236}">
+                <a16:creationId xmlns:a16="http://schemas.microsoft.com/office/drawing/2014/main" id="{595A4746-0A97-49F8-9360-1A05F0195A07}"/>
+              </a:ext>
+            </a:extLst>
+          </p:cNvPr>
+          <p:cNvPicPr>
+            <a:picLocks noChangeAspect="1"/>
+          </p:cNvPicPr>
+          <p:nvPr/>
+        </p:nvPicPr>
+        <p:blipFill>
+          <a:blip r:embed="rId12">
+            <a:extLst>
+              <a:ext uri="{28A0092B-C50C-407E-A947-70E740481C1C}">
+                <a14:useLocalDpi xmlns:a14="http://schemas.microsoft.com/office/drawing/2010/main" val="0"/>
+              </a:ext>
+            </a:extLst>
+          </a:blip>
+          <a:stretch>
+            <a:fillRect/>
+          </a:stretch>
+        </p:blipFill>
+        <p:spPr>
+          <a:xfrm>
+            <a:off x="9484539" y="4886091"/>
+            <a:ext cx="2302152" cy="1287794"/>
+          </a:xfrm>
+          <a:prstGeom prst="rect">
+            <a:avLst/>
+          </a:prstGeom>
+        </p:spPr>
+      </p:pic>
+      <p:pic>
+        <p:nvPicPr>
+          <p:cNvPr id="10" name="図 9">
+            <a:extLst>
+              <a:ext uri="{FF2B5EF4-FFF2-40B4-BE49-F238E27FC236}">
+                <a16:creationId xmlns:a16="http://schemas.microsoft.com/office/drawing/2014/main" id="{01ABB71E-3F74-4EAD-9F06-24EBE48AB362}"/>
+              </a:ext>
+            </a:extLst>
+          </p:cNvPr>
+          <p:cNvPicPr>
+            <a:picLocks noChangeAspect="1"/>
+          </p:cNvPicPr>
+          <p:nvPr/>
+        </p:nvPicPr>
+        <p:blipFill>
+          <a:blip r:embed="rId13">
+            <a:extLst>
+              <a:ext uri="{28A0092B-C50C-407E-A947-70E740481C1C}">
+                <a14:useLocalDpi xmlns:a14="http://schemas.microsoft.com/office/drawing/2010/main" val="0"/>
+              </a:ext>
+            </a:extLst>
+          </a:blip>
+          <a:stretch>
+            <a:fillRect/>
+          </a:stretch>
+        </p:blipFill>
+        <p:spPr>
+          <a:xfrm>
+            <a:off x="6590615" y="4889690"/>
+            <a:ext cx="2302154" cy="1299346"/>
+          </a:xfrm>
+          <a:prstGeom prst="rect">
+            <a:avLst/>
+          </a:prstGeom>
+        </p:spPr>
+      </p:pic>
+      <p:pic>
+        <p:nvPicPr>
+          <p:cNvPr id="71" name="図 70">
+            <a:extLst>
+              <a:ext uri="{FF2B5EF4-FFF2-40B4-BE49-F238E27FC236}">
+                <a16:creationId xmlns:a16="http://schemas.microsoft.com/office/drawing/2014/main" id="{870929C5-1E52-44E6-B32F-F44861F03D60}"/>
+              </a:ext>
+            </a:extLst>
+          </p:cNvPr>
+          <p:cNvPicPr>
+            <a:picLocks noChangeAspect="1"/>
+          </p:cNvPicPr>
+          <p:nvPr/>
+        </p:nvPicPr>
+        <p:blipFill>
+          <a:blip r:embed="rId5">
+            <a:extLst>
+              <a:ext uri="{28A0092B-C50C-407E-A947-70E740481C1C}">
+                <a14:useLocalDpi xmlns:a14="http://schemas.microsoft.com/office/drawing/2010/main" val="0"/>
+              </a:ext>
+            </a:extLst>
+          </a:blip>
+          <a:stretch>
+            <a:fillRect/>
+          </a:stretch>
+        </p:blipFill>
+        <p:spPr>
+          <a:xfrm rot="5400000">
+            <a:off x="9080891" y="5472455"/>
+            <a:ext cx="215526" cy="189868"/>
+          </a:xfrm>
+          <a:prstGeom prst="rect">
+            <a:avLst/>
+          </a:prstGeom>
+        </p:spPr>
+      </p:pic>
+      <p:sp>
+        <p:nvSpPr>
+          <p:cNvPr id="72" name="テキスト ボックス 71">
+            <a:extLst>
+              <a:ext uri="{FF2B5EF4-FFF2-40B4-BE49-F238E27FC236}">
+                <a16:creationId xmlns:a16="http://schemas.microsoft.com/office/drawing/2014/main" id="{730F1DBA-DC98-4DAF-9246-DAE1371CD6F9}"/>
               </a:ext>
             </a:extLst>
           </p:cNvPr>
@@ -9977,8 +10085,8 @@
         </p:nvSpPr>
         <p:spPr>
           <a:xfrm>
-            <a:off x="8384188" y="5156669"/>
-            <a:ext cx="595035" cy="338554"/>
+            <a:off x="10080182" y="4520256"/>
+            <a:ext cx="1005403" cy="338554"/>
           </a:xfrm>
           <a:prstGeom prst="rect">
             <a:avLst/>
@@ -9996,7 +10104,7 @@
                 <a:latin typeface="HGP創英角ｺﾞｼｯｸUB" panose="020B0900000000000000" pitchFamily="50" charset="-128"/>
                 <a:ea typeface="HGP創英角ｺﾞｼｯｸUB" panose="020B0900000000000000" pitchFamily="50" charset="-128"/>
               </a:rPr>
-              <a:t>写真</a:t>
+              <a:t>↓成功例</a:t>
             </a:r>
           </a:p>
         </p:txBody>
